--- a/files/os/4_Bolum_4_Dosya.pptx
+++ b/files/os/4_Bolum_4_Dosya.pptx
@@ -5,7 +5,7 @@
     <p:sldMasterId id="2147483935" r:id="rId1"/>
   </p:sldMasterIdLst>
   <p:notesMasterIdLst>
-    <p:notesMasterId r:id="rId37"/>
+    <p:notesMasterId r:id="rId42"/>
   </p:notesMasterIdLst>
   <p:sldIdLst>
     <p:sldId id="256" r:id="rId2"/>
@@ -35,14 +35,19 @@
     <p:sldId id="337" r:id="rId26"/>
     <p:sldId id="345" r:id="rId27"/>
     <p:sldId id="338" r:id="rId28"/>
-    <p:sldId id="339" r:id="rId29"/>
-    <p:sldId id="340" r:id="rId30"/>
-    <p:sldId id="341" r:id="rId31"/>
-    <p:sldId id="342" r:id="rId32"/>
-    <p:sldId id="343" r:id="rId33"/>
-    <p:sldId id="344" r:id="rId34"/>
-    <p:sldId id="329" r:id="rId35"/>
-    <p:sldId id="312" r:id="rId36"/>
+    <p:sldId id="346" r:id="rId29"/>
+    <p:sldId id="339" r:id="rId30"/>
+    <p:sldId id="340" r:id="rId31"/>
+    <p:sldId id="347" r:id="rId32"/>
+    <p:sldId id="341" r:id="rId33"/>
+    <p:sldId id="348" r:id="rId34"/>
+    <p:sldId id="342" r:id="rId35"/>
+    <p:sldId id="349" r:id="rId36"/>
+    <p:sldId id="350" r:id="rId37"/>
+    <p:sldId id="343" r:id="rId38"/>
+    <p:sldId id="344" r:id="rId39"/>
+    <p:sldId id="329" r:id="rId40"/>
+    <p:sldId id="312" r:id="rId41"/>
   </p:sldIdLst>
   <p:sldSz cx="12192000" cy="6858000"/>
   <p:notesSz cx="6858000" cy="9144000"/>
@@ -8272,9 +8277,18 @@
           <a:lstStyle/>
           <a:p>
             <a:r>
-              <a:rPr lang="tr-TR" dirty="0"/>
-              <a:t>Modern Bilgisayarın Bileşenleri:</a:t>
-            </a:r>
+              <a:rPr lang="tr-TR" dirty="0" smtClean="0"/>
+              <a:t>Dosya Sistemi Düzeni (</a:t>
+            </a:r>
+            <a:r>
+              <a:rPr lang="tr-TR" dirty="0" err="1" smtClean="0"/>
+              <a:t>layout</a:t>
+            </a:r>
+            <a:r>
+              <a:rPr lang="tr-TR" dirty="0" smtClean="0"/>
+              <a:t>)</a:t>
+            </a:r>
+            <a:endParaRPr lang="tr-TR" dirty="0"/>
           </a:p>
         </p:txBody>
       </p:sp>
@@ -8300,6 +8314,60 @@
           </a:bodyPr>
           <a:lstStyle/>
           <a:p>
+            <a:r>
+              <a:rPr lang="tr-TR" dirty="0" err="1" smtClean="0"/>
+              <a:t>Süperblock</a:t>
+            </a:r>
+            <a:r>
+              <a:rPr lang="tr-TR" dirty="0"/>
+              <a:t>, </a:t>
+            </a:r>
+            <a:r>
+              <a:rPr lang="tr-TR" dirty="0" smtClean="0"/>
+              <a:t>dosya sistemi </a:t>
+            </a:r>
+            <a:r>
+              <a:rPr lang="tr-TR" dirty="0"/>
+              <a:t>hakkında bilgi içerir </a:t>
+            </a:r>
+            <a:r>
+              <a:rPr lang="tr-TR" dirty="0" smtClean="0"/>
+              <a:t>(</a:t>
+            </a:r>
+            <a:r>
+              <a:rPr lang="tr-TR" dirty="0" err="1" smtClean="0"/>
+              <a:t>fs</a:t>
+            </a:r>
+            <a:r>
+              <a:rPr lang="tr-TR" dirty="0" smtClean="0"/>
+              <a:t> tipi, </a:t>
+            </a:r>
+            <a:r>
+              <a:rPr lang="tr-TR" dirty="0"/>
+              <a:t>blok </a:t>
+            </a:r>
+            <a:r>
+              <a:rPr lang="tr-TR" dirty="0" smtClean="0"/>
+              <a:t>sayısı..)</a:t>
+            </a:r>
+          </a:p>
+          <a:p>
+            <a:r>
+              <a:rPr lang="tr-TR" dirty="0" smtClean="0"/>
+              <a:t>i-</a:t>
+            </a:r>
+            <a:r>
+              <a:rPr lang="tr-TR" dirty="0" err="1" smtClean="0"/>
+              <a:t>nodes</a:t>
+            </a:r>
+            <a:r>
+              <a:rPr lang="tr-TR" dirty="0" smtClean="0"/>
+              <a:t> dosyalar </a:t>
+            </a:r>
+            <a:r>
+              <a:rPr lang="tr-TR" dirty="0"/>
+              <a:t>hakkında bilgi içerir</a:t>
+            </a:r>
             <a:endParaRPr lang="tr-TR" dirty="0"/>
           </a:p>
         </p:txBody>
@@ -8377,7 +8445,7 @@
     </p:spTree>
     <p:extLst>
       <p:ext uri="{BB962C8B-B14F-4D97-AF65-F5344CB8AC3E}">
-        <p14:creationId xmlns:p14="http://schemas.microsoft.com/office/powerpoint/2010/main" val="1472963004"/>
+        <p14:creationId xmlns:p14="http://schemas.microsoft.com/office/powerpoint/2010/main" val="3564726964"/>
       </p:ext>
     </p:extLst>
   </p:cSld>
@@ -8427,9 +8495,10 @@
           <a:lstStyle/>
           <a:p>
             <a:r>
-              <a:rPr lang="tr-TR" dirty="0"/>
-              <a:t>Modern Bilgisayarın Bileşenleri:</a:t>
-            </a:r>
+              <a:rPr lang="tr-TR" dirty="0" smtClean="0"/>
+              <a:t>Blokların Dosyalara Tahsisi</a:t>
+            </a:r>
+            <a:endParaRPr lang="tr-TR" dirty="0"/>
           </a:p>
         </p:txBody>
       </p:sp>
@@ -8455,6 +8524,100 @@
           </a:bodyPr>
           <a:lstStyle/>
           <a:p>
+            <a:r>
+              <a:rPr lang="tr-TR" dirty="0"/>
+              <a:t>En önemli uygulama </a:t>
+            </a:r>
+            <a:r>
+              <a:rPr lang="tr-TR" dirty="0" smtClean="0"/>
+              <a:t>sorunu</a:t>
+            </a:r>
+          </a:p>
+          <a:p>
+            <a:r>
+              <a:rPr lang="tr-TR" dirty="0" smtClean="0"/>
+              <a:t>Yöntemler</a:t>
+            </a:r>
+          </a:p>
+          <a:p>
+            <a:pPr lvl="1"/>
+            <a:r>
+              <a:rPr lang="tr-TR" dirty="0" smtClean="0"/>
+              <a:t>Bitişik yer tahsisi (</a:t>
+            </a:r>
+            <a:r>
+              <a:rPr lang="tr-TR" dirty="0" err="1" smtClean="0"/>
+              <a:t>contiguous</a:t>
+            </a:r>
+            <a:r>
+              <a:rPr lang="tr-TR" dirty="0" smtClean="0"/>
+              <a:t>)</a:t>
+            </a:r>
+          </a:p>
+          <a:p>
+            <a:pPr lvl="1"/>
+            <a:r>
+              <a:rPr lang="tr-TR" dirty="0" smtClean="0"/>
+              <a:t>Bağlı </a:t>
+            </a:r>
+            <a:r>
+              <a:rPr lang="tr-TR" dirty="0"/>
+              <a:t>liste </a:t>
+            </a:r>
+            <a:r>
+              <a:rPr lang="tr-TR" dirty="0" smtClean="0"/>
+              <a:t>tahsisi (</a:t>
+            </a:r>
+            <a:r>
+              <a:rPr lang="tr-TR" dirty="0" err="1" smtClean="0"/>
+              <a:t>linked</a:t>
+            </a:r>
+            <a:r>
+              <a:rPr lang="tr-TR" dirty="0" smtClean="0"/>
+              <a:t> </a:t>
+            </a:r>
+            <a:r>
+              <a:rPr lang="tr-TR" dirty="0" err="1" smtClean="0"/>
+              <a:t>list</a:t>
+            </a:r>
+            <a:r>
+              <a:rPr lang="tr-TR" dirty="0" smtClean="0"/>
+              <a:t>)</a:t>
+            </a:r>
+          </a:p>
+          <a:p>
+            <a:pPr lvl="1"/>
+            <a:r>
+              <a:rPr lang="tr-TR" dirty="0" smtClean="0"/>
+              <a:t>Tablo (</a:t>
+            </a:r>
+            <a:r>
+              <a:rPr lang="tr-TR" dirty="0" err="1" smtClean="0"/>
+              <a:t>table</a:t>
+            </a:r>
+            <a:r>
+              <a:rPr lang="tr-TR" dirty="0" smtClean="0"/>
+              <a:t>) </a:t>
+            </a:r>
+            <a:r>
+              <a:rPr lang="tr-TR" dirty="0"/>
+              <a:t>kullanılarak </a:t>
+            </a:r>
+            <a:r>
+              <a:rPr lang="tr-TR" dirty="0" smtClean="0"/>
+              <a:t>bağlı liste tahsisi</a:t>
+            </a:r>
+          </a:p>
+          <a:p>
+            <a:pPr lvl="1"/>
+            <a:r>
+              <a:rPr lang="tr-TR" dirty="0" smtClean="0"/>
+              <a:t>I-</a:t>
+            </a:r>
+            <a:r>
+              <a:rPr lang="tr-TR" dirty="0" err="1" smtClean="0"/>
+              <a:t>nodes</a:t>
+            </a:r>
             <a:endParaRPr lang="tr-TR" dirty="0"/>
           </a:p>
         </p:txBody>
@@ -8532,7 +8695,7 @@
     </p:spTree>
     <p:extLst>
       <p:ext uri="{BB962C8B-B14F-4D97-AF65-F5344CB8AC3E}">
-        <p14:creationId xmlns:p14="http://schemas.microsoft.com/office/powerpoint/2010/main" val="3856806702"/>
+        <p14:creationId xmlns:p14="http://schemas.microsoft.com/office/powerpoint/2010/main" val="1472963004"/>
       </p:ext>
     </p:extLst>
   </p:cSld>
@@ -8770,9 +8933,10 @@
           <a:lstStyle/>
           <a:p>
             <a:r>
-              <a:rPr lang="tr-TR" dirty="0"/>
-              <a:t>Modern Bilgisayarın Bileşenleri:</a:t>
-            </a:r>
+              <a:rPr lang="tr-TR" dirty="0" smtClean="0"/>
+              <a:t>Bitişik Yer Tahsisi</a:t>
+            </a:r>
+            <a:endParaRPr lang="tr-TR" dirty="0"/>
           </a:p>
         </p:txBody>
       </p:sp>
@@ -8798,6 +8962,29 @@
           </a:bodyPr>
           <a:lstStyle/>
           <a:p>
+            <a:pPr marL="0" indent="0">
+              <a:buNone/>
+            </a:pPr>
+            <a:r>
+              <a:rPr lang="tr-TR" dirty="0"/>
+              <a:t>(a) 7 dosya için bitişik disk alanı tahsisi</a:t>
+            </a:r>
+            <a:r>
+              <a:rPr lang="tr-TR" dirty="0" smtClean="0"/>
+              <a:t>. (</a:t>
+            </a:r>
+            <a:r>
+              <a:rPr lang="tr-TR" dirty="0"/>
+              <a:t>b) D ve F dosyaları </a:t>
+            </a:r>
+            <a:r>
+              <a:rPr lang="tr-TR" dirty="0" smtClean="0"/>
+              <a:t>kaldırıldıktan </a:t>
+            </a:r>
+            <a:r>
+              <a:rPr lang="tr-TR" dirty="0"/>
+              <a:t>sonra diskin durumu.</a:t>
+            </a:r>
             <a:endParaRPr lang="tr-TR" dirty="0"/>
           </a:p>
         </p:txBody>
@@ -8872,10 +9059,64 @@
           </a:p>
         </p:txBody>
       </p:sp>
+      <p:pic>
+        <p:nvPicPr>
+          <p:cNvPr id="7" name="Picture 6" descr="D:\b\b4\IBM\04-10.jpg"/>
+          <p:cNvPicPr>
+            <a:picLocks noChangeAspect="1" noChangeArrowheads="1"/>
+          </p:cNvPicPr>
+          <p:nvPr/>
+        </p:nvPicPr>
+        <p:blipFill>
+          <a:blip r:embed="rId2">
+            <a:extLst>
+              <a:ext uri="{28A0092B-C50C-407E-A947-70E740481C1C}">
+                <a14:useLocalDpi xmlns:a14="http://schemas.microsoft.com/office/drawing/2010/main" val="0"/>
+              </a:ext>
+            </a:extLst>
+          </a:blip>
+          <a:srcRect/>
+          <a:stretch>
+            <a:fillRect/>
+          </a:stretch>
+        </p:blipFill>
+        <p:spPr bwMode="auto">
+          <a:xfrm>
+            <a:off x="2598556" y="2675162"/>
+            <a:ext cx="6994888" cy="3613719"/>
+          </a:xfrm>
+          <a:prstGeom prst="rect">
+            <a:avLst/>
+          </a:prstGeom>
+          <a:noFill/>
+          <a:ln>
+            <a:noFill/>
+          </a:ln>
+          <a:extLst>
+            <a:ext uri="{909E8E84-426E-40DD-AFC4-6F175D3DCCD1}">
+              <a14:hiddenFill xmlns:a14="http://schemas.microsoft.com/office/drawing/2010/main">
+                <a:solidFill>
+                  <a:srgbClr val="FFFFFF"/>
+                </a:solidFill>
+              </a14:hiddenFill>
+            </a:ext>
+            <a:ext uri="{91240B29-F687-4F45-9708-019B960494DF}">
+              <a14:hiddenLine xmlns:a14="http://schemas.microsoft.com/office/drawing/2010/main" w="9525">
+                <a:solidFill>
+                  <a:srgbClr val="000000"/>
+                </a:solidFill>
+                <a:miter lim="800000"/>
+                <a:headEnd/>
+                <a:tailEnd/>
+              </a14:hiddenLine>
+            </a:ext>
+          </a:extLst>
+        </p:spPr>
+      </p:pic>
     </p:spTree>
     <p:extLst>
       <p:ext uri="{BB962C8B-B14F-4D97-AF65-F5344CB8AC3E}">
-        <p14:creationId xmlns:p14="http://schemas.microsoft.com/office/powerpoint/2010/main" val="1959626843"/>
+        <p14:creationId xmlns:p14="http://schemas.microsoft.com/office/powerpoint/2010/main" val="3856806702"/>
       </p:ext>
     </p:extLst>
   </p:cSld>
@@ -8925,9 +9166,10 @@
           <a:lstStyle/>
           <a:p>
             <a:r>
-              <a:rPr lang="tr-TR" dirty="0"/>
-              <a:t>Modern Bilgisayarın Bileşenleri:</a:t>
-            </a:r>
+              <a:rPr lang="tr-TR" dirty="0" smtClean="0"/>
+              <a:t>Bitişik Yer Tahsisi</a:t>
+            </a:r>
+            <a:endParaRPr lang="tr-TR" dirty="0"/>
           </a:p>
         </p:txBody>
       </p:sp>
@@ -8953,6 +9195,120 @@
           </a:bodyPr>
           <a:lstStyle/>
           <a:p>
+            <a:r>
+              <a:rPr lang="tr-TR" dirty="0" smtClean="0"/>
+              <a:t>Uygulaması kolay</a:t>
+            </a:r>
+          </a:p>
+          <a:p>
+            <a:r>
+              <a:rPr lang="tr-TR" dirty="0" smtClean="0"/>
+              <a:t>Okuma </a:t>
+            </a:r>
+            <a:r>
+              <a:rPr lang="tr-TR" dirty="0"/>
+              <a:t>performansı harika. </a:t>
+            </a:r>
+          </a:p>
+          <a:p>
+            <a:r>
+              <a:rPr lang="tr-TR" dirty="0" smtClean="0"/>
+              <a:t>Dosyadaki </a:t>
+            </a:r>
+            <a:r>
+              <a:rPr lang="tr-TR" dirty="0"/>
+              <a:t>ilk bloğu bulmak için yalnızca bir </a:t>
+            </a:r>
+            <a:r>
+              <a:rPr lang="tr-TR" dirty="0" smtClean="0"/>
+              <a:t>arama (</a:t>
+            </a:r>
+            <a:r>
+              <a:rPr lang="tr-TR" dirty="0" err="1" smtClean="0"/>
+              <a:t>seek</a:t>
+            </a:r>
+            <a:r>
+              <a:rPr lang="tr-TR" dirty="0" smtClean="0"/>
+              <a:t>) yeterli. </a:t>
+            </a:r>
+          </a:p>
+          <a:p>
+            <a:r>
+              <a:rPr lang="tr-TR" dirty="0" smtClean="0"/>
+              <a:t>Disk </a:t>
+            </a:r>
+            <a:r>
+              <a:rPr lang="tr-TR" dirty="0"/>
+              <a:t>zamanla </a:t>
+            </a:r>
+            <a:r>
+              <a:rPr lang="tr-TR" dirty="0" smtClean="0"/>
+              <a:t>parçalanır (</a:t>
+            </a:r>
+            <a:r>
+              <a:rPr lang="tr-TR" dirty="0" err="1" smtClean="0"/>
+              <a:t>fragmented</a:t>
+            </a:r>
+            <a:r>
+              <a:rPr lang="tr-TR" dirty="0" smtClean="0"/>
+              <a:t>)</a:t>
+            </a:r>
+          </a:p>
+          <a:p>
+            <a:r>
+              <a:rPr lang="tr-TR" dirty="0" smtClean="0"/>
+              <a:t>CD-ROM'lar</a:t>
+            </a:r>
+            <a:r>
+              <a:rPr lang="tr-TR" dirty="0"/>
+              <a:t>, </a:t>
+            </a:r>
+            <a:r>
+              <a:rPr lang="tr-TR" dirty="0" smtClean="0"/>
+              <a:t>dosya sistemi </a:t>
+            </a:r>
+            <a:r>
+              <a:rPr lang="tr-TR" dirty="0"/>
+              <a:t>boyutu </a:t>
+            </a:r>
+            <a:r>
+              <a:rPr lang="tr-TR" dirty="0" smtClean="0"/>
+              <a:t>sabit olduğu için </a:t>
+            </a:r>
+            <a:r>
+              <a:rPr lang="tr-TR" dirty="0"/>
+              <a:t>bitişik </a:t>
+            </a:r>
+            <a:r>
+              <a:rPr lang="tr-TR" dirty="0" smtClean="0"/>
+              <a:t>yer tahsisi kullanır</a:t>
+            </a:r>
+          </a:p>
+          <a:p>
+            <a:r>
+              <a:rPr lang="tr-TR" dirty="0" smtClean="0"/>
+              <a:t>DVD'ler </a:t>
+            </a:r>
+            <a:r>
+              <a:rPr lang="tr-TR" dirty="0"/>
+              <a:t>birkaç ardışık 1 GB dosyada saklanır çünkü DVD standardı </a:t>
+            </a:r>
+            <a:r>
+              <a:rPr lang="tr-TR" dirty="0" smtClean="0"/>
+              <a:t>maksimum </a:t>
+            </a:r>
+            <a:r>
+              <a:rPr lang="tr-TR" dirty="0"/>
+              <a:t>1 GB </a:t>
+            </a:r>
+            <a:r>
+              <a:rPr lang="tr-TR" dirty="0" smtClean="0"/>
+              <a:t>dosya boyutuna </a:t>
+            </a:r>
+            <a:r>
+              <a:rPr lang="tr-TR" dirty="0"/>
+              <a:t>izin verir</a:t>
+            </a:r>
             <a:endParaRPr lang="tr-TR" dirty="0"/>
           </a:p>
         </p:txBody>
@@ -9030,7 +9386,7 @@
     </p:spTree>
     <p:extLst>
       <p:ext uri="{BB962C8B-B14F-4D97-AF65-F5344CB8AC3E}">
-        <p14:creationId xmlns:p14="http://schemas.microsoft.com/office/powerpoint/2010/main" val="1961094817"/>
+        <p14:creationId xmlns:p14="http://schemas.microsoft.com/office/powerpoint/2010/main" val="3295765861"/>
       </p:ext>
     </p:extLst>
   </p:cSld>
@@ -9080,9 +9436,10 @@
           <a:lstStyle/>
           <a:p>
             <a:r>
-              <a:rPr lang="tr-TR" dirty="0"/>
-              <a:t>Modern Bilgisayarın Bileşenleri:</a:t>
-            </a:r>
+              <a:rPr lang="tr-TR" dirty="0" smtClean="0"/>
+              <a:t>Bağlı Liste Yer Tahsisi</a:t>
+            </a:r>
+            <a:endParaRPr lang="tr-TR" dirty="0"/>
           </a:p>
         </p:txBody>
       </p:sp>
@@ -9108,6 +9465,18 @@
           </a:bodyPr>
           <a:lstStyle/>
           <a:p>
+            <a:r>
+              <a:rPr lang="tr-TR" dirty="0"/>
+              <a:t>Bir </a:t>
+            </a:r>
+            <a:r>
+              <a:rPr lang="tr-TR" dirty="0" smtClean="0"/>
+              <a:t>dosyayı, disk bloklarından bağlı liste </a:t>
+            </a:r>
+            <a:r>
+              <a:rPr lang="tr-TR" dirty="0"/>
+              <a:t>olarak saklamak.</a:t>
+            </a:r>
             <a:endParaRPr lang="tr-TR" dirty="0"/>
           </a:p>
         </p:txBody>
@@ -9182,10 +9551,64 @@
           </a:p>
         </p:txBody>
       </p:sp>
+      <p:pic>
+        <p:nvPicPr>
+          <p:cNvPr id="7" name="Picture 6" descr="D:\b\b4\IBM\04-11.jpg"/>
+          <p:cNvPicPr>
+            <a:picLocks noChangeAspect="1" noChangeArrowheads="1"/>
+          </p:cNvPicPr>
+          <p:nvPr/>
+        </p:nvPicPr>
+        <p:blipFill>
+          <a:blip r:embed="rId2">
+            <a:extLst>
+              <a:ext uri="{28A0092B-C50C-407E-A947-70E740481C1C}">
+                <a14:useLocalDpi xmlns:a14="http://schemas.microsoft.com/office/drawing/2010/main" val="0"/>
+              </a:ext>
+            </a:extLst>
+          </a:blip>
+          <a:srcRect/>
+          <a:stretch>
+            <a:fillRect/>
+          </a:stretch>
+        </p:blipFill>
+        <p:spPr bwMode="auto">
+          <a:xfrm>
+            <a:off x="3441383" y="2323070"/>
+            <a:ext cx="5309234" cy="3817430"/>
+          </a:xfrm>
+          <a:prstGeom prst="rect">
+            <a:avLst/>
+          </a:prstGeom>
+          <a:noFill/>
+          <a:ln>
+            <a:noFill/>
+          </a:ln>
+          <a:extLst>
+            <a:ext uri="{909E8E84-426E-40DD-AFC4-6F175D3DCCD1}">
+              <a14:hiddenFill xmlns:a14="http://schemas.microsoft.com/office/drawing/2010/main">
+                <a:solidFill>
+                  <a:srgbClr val="FFFFFF"/>
+                </a:solidFill>
+              </a14:hiddenFill>
+            </a:ext>
+            <a:ext uri="{91240B29-F687-4F45-9708-019B960494DF}">
+              <a14:hiddenLine xmlns:a14="http://schemas.microsoft.com/office/drawing/2010/main" w="9525">
+                <a:solidFill>
+                  <a:srgbClr val="000000"/>
+                </a:solidFill>
+                <a:miter lim="800000"/>
+                <a:headEnd/>
+                <a:tailEnd/>
+              </a14:hiddenLine>
+            </a:ext>
+          </a:extLst>
+        </p:spPr>
+      </p:pic>
     </p:spTree>
     <p:extLst>
       <p:ext uri="{BB962C8B-B14F-4D97-AF65-F5344CB8AC3E}">
-        <p14:creationId xmlns:p14="http://schemas.microsoft.com/office/powerpoint/2010/main" val="3925928824"/>
+        <p14:creationId xmlns:p14="http://schemas.microsoft.com/office/powerpoint/2010/main" val="1959626843"/>
       </p:ext>
     </p:extLst>
   </p:cSld>
@@ -9235,9 +9658,10 @@
           <a:lstStyle/>
           <a:p>
             <a:r>
-              <a:rPr lang="tr-TR" dirty="0"/>
-              <a:t>Modern Bilgisayarın Bileşenleri:</a:t>
-            </a:r>
+              <a:rPr lang="tr-TR" dirty="0" smtClean="0"/>
+              <a:t>Bağlı Liste Yer Tahsisi</a:t>
+            </a:r>
+            <a:endParaRPr lang="tr-TR" dirty="0"/>
           </a:p>
         </p:txBody>
       </p:sp>
@@ -9263,6 +9687,53 @@
           </a:bodyPr>
           <a:lstStyle/>
           <a:p>
+            <a:r>
+              <a:rPr lang="tr-TR" dirty="0" smtClean="0"/>
+              <a:t>İyi</a:t>
+            </a:r>
+          </a:p>
+          <a:p>
+            <a:r>
+              <a:rPr lang="tr-TR" dirty="0" smtClean="0"/>
+              <a:t>Parçalanma sorunu olmaz</a:t>
+            </a:r>
+          </a:p>
+          <a:p>
+            <a:endParaRPr lang="tr-TR" dirty="0"/>
+          </a:p>
+          <a:p>
+            <a:r>
+              <a:rPr lang="tr-TR" dirty="0" smtClean="0"/>
+              <a:t>Kötü</a:t>
+            </a:r>
+          </a:p>
+          <a:p>
+            <a:r>
+              <a:rPr lang="tr-TR" dirty="0" smtClean="0"/>
+              <a:t>Rastgele </a:t>
+            </a:r>
+            <a:r>
+              <a:rPr lang="tr-TR" dirty="0"/>
+              <a:t>erişim yavaş</a:t>
+            </a:r>
+            <a:r>
+              <a:rPr lang="tr-TR" dirty="0" smtClean="0"/>
+              <a:t>.</a:t>
+            </a:r>
+          </a:p>
+          <a:p>
+            <a:r>
+              <a:rPr lang="tr-TR" dirty="0" smtClean="0"/>
+              <a:t>Bir </a:t>
+            </a:r>
+            <a:r>
+              <a:rPr lang="tr-TR" dirty="0"/>
+              <a:t>bloğa ulaşmak için işaretçileri </a:t>
+            </a:r>
+            <a:r>
+              <a:rPr lang="tr-TR" dirty="0" smtClean="0"/>
+              <a:t>takip etmek gerekir</a:t>
+            </a:r>
             <a:endParaRPr lang="tr-TR" dirty="0"/>
           </a:p>
         </p:txBody>
@@ -9340,7 +9811,7 @@
     </p:spTree>
     <p:extLst>
       <p:ext uri="{BB962C8B-B14F-4D97-AF65-F5344CB8AC3E}">
-        <p14:creationId xmlns:p14="http://schemas.microsoft.com/office/powerpoint/2010/main" val="568544002"/>
+        <p14:creationId xmlns:p14="http://schemas.microsoft.com/office/powerpoint/2010/main" val="2640488012"/>
       </p:ext>
     </p:extLst>
   </p:cSld>
@@ -9390,9 +9861,10 @@
           <a:lstStyle/>
           <a:p>
             <a:r>
-              <a:rPr lang="tr-TR" dirty="0"/>
-              <a:t>Modern Bilgisayarın Bileşenleri:</a:t>
-            </a:r>
+              <a:rPr lang="tr-TR" dirty="0" smtClean="0"/>
+              <a:t>Tablo Kullanılarak Bağlı Liste Yer Tahsisi</a:t>
+            </a:r>
+            <a:endParaRPr lang="tr-TR" dirty="0"/>
           </a:p>
         </p:txBody>
       </p:sp>
@@ -9418,6 +9890,36 @@
           </a:bodyPr>
           <a:lstStyle/>
           <a:p>
+            <a:r>
+              <a:rPr lang="tr-TR" dirty="0" smtClean="0"/>
+              <a:t>İşaretçiler (</a:t>
+            </a:r>
+            <a:r>
+              <a:rPr lang="tr-TR" dirty="0" err="1" smtClean="0"/>
+              <a:t>pointer</a:t>
+            </a:r>
+            <a:r>
+              <a:rPr lang="tr-TR" dirty="0" smtClean="0"/>
+              <a:t>) bellekte bi</a:t>
+            </a:r>
+            <a:r>
+              <a:rPr lang="tr-TR" dirty="0" smtClean="0"/>
+              <a:t>r tabloda tutulur</a:t>
+            </a:r>
+          </a:p>
+          <a:p>
+            <a:r>
+              <a:rPr lang="en-US" dirty="0"/>
+              <a:t>File Allocation Table (FAT)</a:t>
+            </a:r>
+          </a:p>
+          <a:p>
+            <a:r>
+              <a:rPr lang="en-US" dirty="0"/>
+              <a:t>Windows</a:t>
+            </a:r>
+          </a:p>
+          <a:p>
             <a:endParaRPr lang="tr-TR" dirty="0"/>
           </a:p>
         </p:txBody>
@@ -9495,7 +9997,7 @@
     </p:spTree>
     <p:extLst>
       <p:ext uri="{BB962C8B-B14F-4D97-AF65-F5344CB8AC3E}">
-        <p14:creationId xmlns:p14="http://schemas.microsoft.com/office/powerpoint/2010/main" val="1213255256"/>
+        <p14:creationId xmlns:p14="http://schemas.microsoft.com/office/powerpoint/2010/main" val="1961094817"/>
       </p:ext>
     </p:extLst>
   </p:cSld>
@@ -9544,6 +10046,10 @@
           <a:bodyPr/>
           <a:lstStyle/>
           <a:p>
+            <a:r>
+              <a:rPr lang="tr-TR" dirty="0"/>
+              <a:t>Tablo Kullanılarak Bağlı Liste Yer Tahsisi</a:t>
+            </a:r>
             <a:endParaRPr lang="tr-TR" dirty="0"/>
           </a:p>
         </p:txBody>
@@ -9570,31 +10076,22 @@
           </a:bodyPr>
           <a:lstStyle/>
           <a:p>
-            <a:endParaRPr lang="tr-TR" dirty="0" smtClean="0"/>
-          </a:p>
-          <a:p>
-            <a:endParaRPr lang="tr-TR" dirty="0"/>
-          </a:p>
-          <a:p>
-            <a:endParaRPr lang="tr-TR" dirty="0" smtClean="0"/>
-          </a:p>
-          <a:p>
-            <a:pPr marL="0" indent="0" algn="ctr">
-              <a:buNone/>
-            </a:pPr>
-            <a:r>
-              <a:rPr lang="tr-TR" dirty="0" smtClean="0"/>
-              <a:t>SON</a:t>
-            </a:r>
-            <a:endParaRPr lang="tr-TR" dirty="0"/>
-          </a:p>
-          <a:p>
-            <a:endParaRPr lang="tr-TR" dirty="0"/>
-          </a:p>
-          <a:p>
-            <a:endParaRPr lang="tr-TR" dirty="0"/>
-          </a:p>
-          <a:p>
+            <a:r>
+              <a:rPr lang="tr-TR" dirty="0"/>
+              <a:t>Ana bellekte bir dosya </a:t>
+            </a:r>
+            <a:r>
+              <a:rPr lang="tr-TR" dirty="0" smtClean="0"/>
+              <a:t>tahsis tablosu </a:t>
+            </a:r>
+            <a:r>
+              <a:rPr lang="tr-TR" dirty="0"/>
+              <a:t>kullanarak bağlantılı liste </a:t>
+            </a:r>
+            <a:r>
+              <a:rPr lang="tr-TR" dirty="0" smtClean="0"/>
+              <a:t>yer tahsisi.</a:t>
+            </a:r>
             <a:endParaRPr lang="tr-TR" dirty="0"/>
           </a:p>
         </p:txBody>
@@ -9669,10 +10166,855 @@
           </a:p>
         </p:txBody>
       </p:sp>
+      <p:pic>
+        <p:nvPicPr>
+          <p:cNvPr id="7" name="Picture 2"/>
+          <p:cNvPicPr>
+            <a:picLocks noChangeArrowheads="1"/>
+          </p:cNvPicPr>
+          <p:nvPr/>
+        </p:nvPicPr>
+        <p:blipFill>
+          <a:blip r:embed="rId2">
+            <a:extLst>
+              <a:ext uri="{28A0092B-C50C-407E-A947-70E740481C1C}">
+                <a14:useLocalDpi xmlns:a14="http://schemas.microsoft.com/office/drawing/2010/main" val="0"/>
+              </a:ext>
+            </a:extLst>
+          </a:blip>
+          <a:srcRect/>
+          <a:stretch>
+            <a:fillRect/>
+          </a:stretch>
+        </p:blipFill>
+        <p:spPr bwMode="auto">
+          <a:xfrm>
+            <a:off x="4008326" y="2318544"/>
+            <a:ext cx="3625850" cy="3970338"/>
+          </a:xfrm>
+          <a:prstGeom prst="rect">
+            <a:avLst/>
+          </a:prstGeom>
+          <a:noFill/>
+          <a:ln>
+            <a:noFill/>
+          </a:ln>
+          <a:extLst>
+            <a:ext uri="{909E8E84-426E-40DD-AFC4-6F175D3DCCD1}">
+              <a14:hiddenFill xmlns:a14="http://schemas.microsoft.com/office/drawing/2010/main">
+                <a:solidFill>
+                  <a:srgbClr val="FFFFFF"/>
+                </a:solidFill>
+              </a14:hiddenFill>
+            </a:ext>
+            <a:ext uri="{91240B29-F687-4F45-9708-019B960494DF}">
+              <a14:hiddenLine xmlns:a14="http://schemas.microsoft.com/office/drawing/2010/main" w="9525">
+                <a:solidFill>
+                  <a:srgbClr val="000000"/>
+                </a:solidFill>
+                <a:miter lim="800000"/>
+                <a:headEnd/>
+                <a:tailEnd/>
+              </a14:hiddenLine>
+            </a:ext>
+          </a:extLst>
+        </p:spPr>
+      </p:pic>
     </p:spTree>
     <p:extLst>
       <p:ext uri="{BB962C8B-B14F-4D97-AF65-F5344CB8AC3E}">
-        <p14:creationId xmlns:p14="http://schemas.microsoft.com/office/powerpoint/2010/main" val="2824592776"/>
+        <p14:creationId xmlns:p14="http://schemas.microsoft.com/office/powerpoint/2010/main" val="382451692"/>
+      </p:ext>
+    </p:extLst>
+  </p:cSld>
+  <p:clrMapOvr>
+    <a:masterClrMapping/>
+  </p:clrMapOvr>
+  <p:timing>
+    <p:tnLst>
+      <p:par>
+        <p:cTn id="1" dur="indefinite" restart="never" nodeType="tmRoot"/>
+      </p:par>
+    </p:tnLst>
+  </p:timing>
+</p:sld>
+</file>
+
+<file path=ppt/slides/slide36.xml><?xml version="1.0" encoding="utf-8"?>
+<p:sld xmlns:a="http://schemas.openxmlformats.org/drawingml/2006/main" xmlns:r="http://schemas.openxmlformats.org/officeDocument/2006/relationships" xmlns:p="http://schemas.openxmlformats.org/presentationml/2006/main">
+  <p:cSld>
+    <p:spTree>
+      <p:nvGrpSpPr>
+        <p:cNvPr id="1" name=""/>
+        <p:cNvGrpSpPr/>
+        <p:nvPr/>
+      </p:nvGrpSpPr>
+      <p:grpSpPr>
+        <a:xfrm>
+          <a:off x="0" y="0"/>
+          <a:ext cx="0" cy="0"/>
+          <a:chOff x="0" y="0"/>
+          <a:chExt cx="0" cy="0"/>
+        </a:xfrm>
+      </p:grpSpPr>
+      <p:sp>
+        <p:nvSpPr>
+          <p:cNvPr id="2" name="Title 1"/>
+          <p:cNvSpPr>
+            <a:spLocks noGrp="1"/>
+          </p:cNvSpPr>
+          <p:nvPr>
+            <p:ph type="title"/>
+          </p:nvPr>
+        </p:nvSpPr>
+        <p:spPr/>
+        <p:txBody>
+          <a:bodyPr/>
+          <a:lstStyle/>
+          <a:p>
+            <a:r>
+              <a:rPr lang="tr-TR" dirty="0"/>
+              <a:t>Tablo Kullanılarak Bağlı Liste Yer Tahsisi</a:t>
+            </a:r>
+            <a:endParaRPr lang="tr-TR" dirty="0"/>
+          </a:p>
+        </p:txBody>
+      </p:sp>
+      <p:sp>
+        <p:nvSpPr>
+          <p:cNvPr id="3" name="Content Placeholder 2"/>
+          <p:cNvSpPr>
+            <a:spLocks noGrp="1"/>
+          </p:cNvSpPr>
+          <p:nvPr>
+            <p:ph idx="1"/>
+          </p:nvPr>
+        </p:nvSpPr>
+        <p:spPr>
+          <a:xfrm>
+            <a:off x="838200" y="1825625"/>
+            <a:ext cx="10515600" cy="4680000"/>
+          </a:xfrm>
+        </p:spPr>
+        <p:txBody>
+          <a:bodyPr>
+            <a:normAutofit/>
+          </a:bodyPr>
+          <a:lstStyle/>
+          <a:p>
+            <a:r>
+              <a:rPr lang="tr-TR" dirty="0" smtClean="0"/>
+              <a:t>Tablonun boyutu gerçekten büyük oluyor</a:t>
+            </a:r>
+          </a:p>
+          <a:p>
+            <a:r>
+              <a:rPr lang="tr-TR" dirty="0" smtClean="0"/>
+              <a:t>Örneğin</a:t>
+            </a:r>
+            <a:r>
+              <a:rPr lang="tr-TR" dirty="0"/>
+              <a:t>, 1 KB bloklu 200 GB disk, 600 MB'lık bir tabloya ihtiyaç </a:t>
+            </a:r>
+            <a:r>
+              <a:rPr lang="tr-TR" dirty="0" smtClean="0"/>
+              <a:t>duyar</a:t>
+            </a:r>
+          </a:p>
+          <a:p>
+            <a:r>
+              <a:rPr lang="tr-TR" dirty="0" smtClean="0"/>
+              <a:t>Tablo </a:t>
+            </a:r>
+            <a:r>
+              <a:rPr lang="tr-TR" dirty="0"/>
+              <a:t>boyutunun büyümesi, disk boyutunun büyümesiyle </a:t>
+            </a:r>
+            <a:r>
+              <a:rPr lang="tr-TR" dirty="0" smtClean="0"/>
+              <a:t>doğru orantılıdır</a:t>
+            </a:r>
+            <a:endParaRPr lang="tr-TR" dirty="0"/>
+          </a:p>
+        </p:txBody>
+      </p:sp>
+      <p:sp>
+        <p:nvSpPr>
+          <p:cNvPr id="4" name="Date Placeholder 3"/>
+          <p:cNvSpPr>
+            <a:spLocks noGrp="1"/>
+          </p:cNvSpPr>
+          <p:nvPr>
+            <p:ph type="dt" sz="half" idx="10"/>
+          </p:nvPr>
+        </p:nvSpPr>
+        <p:spPr/>
+        <p:txBody>
+          <a:bodyPr/>
+          <a:lstStyle/>
+          <a:p>
+            <a:r>
+              <a:rPr lang="en-US" smtClean="0"/>
+              <a:t>1/20/2023</a:t>
+            </a:r>
+            <a:endParaRPr lang="en-US" dirty="0"/>
+          </a:p>
+        </p:txBody>
+      </p:sp>
+      <p:sp>
+        <p:nvSpPr>
+          <p:cNvPr id="5" name="Footer Placeholder 4"/>
+          <p:cNvSpPr>
+            <a:spLocks noGrp="1"/>
+          </p:cNvSpPr>
+          <p:nvPr>
+            <p:ph type="ftr" sz="quarter" idx="11"/>
+          </p:nvPr>
+        </p:nvSpPr>
+        <p:spPr/>
+        <p:txBody>
+          <a:bodyPr/>
+          <a:lstStyle/>
+          <a:p>
+            <a:r>
+              <a:rPr lang="en-US" smtClean="0"/>
+              <a:t>Sercan KÜLCÜ, Tanenbaum, Modern Operating Systems 3e kitabından faydalanılmıştır. Tüm hakları saklıdır.</a:t>
+            </a:r>
+            <a:endParaRPr lang="en-US" dirty="0"/>
+          </a:p>
+        </p:txBody>
+      </p:sp>
+      <p:sp>
+        <p:nvSpPr>
+          <p:cNvPr id="6" name="Slide Number Placeholder 5"/>
+          <p:cNvSpPr>
+            <a:spLocks noGrp="1"/>
+          </p:cNvSpPr>
+          <p:nvPr>
+            <p:ph type="sldNum" sz="quarter" idx="12"/>
+          </p:nvPr>
+        </p:nvSpPr>
+        <p:spPr/>
+        <p:txBody>
+          <a:bodyPr/>
+          <a:lstStyle/>
+          <a:p>
+            <a:fld id="{D57F1E4F-1CFF-5643-939E-217C01CDF565}" type="slidenum">
+              <a:rPr lang="en-US" smtClean="0"/>
+              <a:pPr/>
+              <a:t>36</a:t>
+            </a:fld>
+            <a:endParaRPr lang="en-US" dirty="0"/>
+          </a:p>
+        </p:txBody>
+      </p:sp>
+    </p:spTree>
+    <p:extLst>
+      <p:ext uri="{BB962C8B-B14F-4D97-AF65-F5344CB8AC3E}">
+        <p14:creationId xmlns:p14="http://schemas.microsoft.com/office/powerpoint/2010/main" val="268381056"/>
+      </p:ext>
+    </p:extLst>
+  </p:cSld>
+  <p:clrMapOvr>
+    <a:masterClrMapping/>
+  </p:clrMapOvr>
+  <p:timing>
+    <p:tnLst>
+      <p:par>
+        <p:cTn id="1" dur="indefinite" restart="never" nodeType="tmRoot"/>
+      </p:par>
+    </p:tnLst>
+  </p:timing>
+</p:sld>
+</file>
+
+<file path=ppt/slides/slide37.xml><?xml version="1.0" encoding="utf-8"?>
+<p:sld xmlns:a="http://schemas.openxmlformats.org/drawingml/2006/main" xmlns:r="http://schemas.openxmlformats.org/officeDocument/2006/relationships" xmlns:p="http://schemas.openxmlformats.org/presentationml/2006/main">
+  <p:cSld>
+    <p:spTree>
+      <p:nvGrpSpPr>
+        <p:cNvPr id="1" name=""/>
+        <p:cNvGrpSpPr/>
+        <p:nvPr/>
+      </p:nvGrpSpPr>
+      <p:grpSpPr>
+        <a:xfrm>
+          <a:off x="0" y="0"/>
+          <a:ext cx="0" cy="0"/>
+          <a:chOff x="0" y="0"/>
+          <a:chExt cx="0" cy="0"/>
+        </a:xfrm>
+      </p:grpSpPr>
+      <p:sp>
+        <p:nvSpPr>
+          <p:cNvPr id="2" name="Title 1"/>
+          <p:cNvSpPr>
+            <a:spLocks noGrp="1"/>
+          </p:cNvSpPr>
+          <p:nvPr>
+            <p:ph type="title"/>
+          </p:nvPr>
+        </p:nvSpPr>
+        <p:spPr/>
+        <p:txBody>
+          <a:bodyPr/>
+          <a:lstStyle/>
+          <a:p>
+            <a:r>
+              <a:rPr lang="tr-TR" dirty="0" smtClean="0"/>
+              <a:t>I-</a:t>
+            </a:r>
+            <a:r>
+              <a:rPr lang="tr-TR" dirty="0" err="1" smtClean="0"/>
+              <a:t>nodes</a:t>
+            </a:r>
+            <a:endParaRPr lang="tr-TR" dirty="0"/>
+          </a:p>
+        </p:txBody>
+      </p:sp>
+      <p:sp>
+        <p:nvSpPr>
+          <p:cNvPr id="3" name="Content Placeholder 2"/>
+          <p:cNvSpPr>
+            <a:spLocks noGrp="1"/>
+          </p:cNvSpPr>
+          <p:nvPr>
+            <p:ph idx="1"/>
+          </p:nvPr>
+        </p:nvSpPr>
+        <p:spPr>
+          <a:xfrm>
+            <a:off x="838200" y="1825625"/>
+            <a:ext cx="10515600" cy="4680000"/>
+          </a:xfrm>
+        </p:spPr>
+        <p:txBody>
+          <a:bodyPr>
+            <a:normAutofit/>
+          </a:bodyPr>
+          <a:lstStyle/>
+          <a:p>
+            <a:r>
+              <a:rPr lang="tr-TR" dirty="0"/>
+              <a:t>Veri yapısını yalnızca etkin dosyalar için bellekte </a:t>
+            </a:r>
+            <a:r>
+              <a:rPr lang="tr-TR" dirty="0" smtClean="0"/>
+              <a:t>tutar</a:t>
+            </a:r>
+          </a:p>
+          <a:p>
+            <a:r>
+              <a:rPr lang="tr-TR" dirty="0" smtClean="0"/>
+              <a:t>Veri </a:t>
+            </a:r>
+            <a:r>
+              <a:rPr lang="tr-TR" dirty="0"/>
+              <a:t>yapısı, blokların disk adreslerini ve dosyaların özniteliklerini </a:t>
+            </a:r>
+            <a:r>
+              <a:rPr lang="tr-TR" dirty="0" smtClean="0"/>
+              <a:t>listeler</a:t>
+            </a:r>
+          </a:p>
+          <a:p>
+            <a:r>
+              <a:rPr lang="tr-TR" dirty="0" smtClean="0"/>
+              <a:t>K </a:t>
+            </a:r>
+            <a:r>
+              <a:rPr lang="tr-TR" dirty="0"/>
+              <a:t>aktif dosya, dosya başına N blok =&gt; </a:t>
+            </a:r>
+            <a:r>
+              <a:rPr lang="tr-TR" dirty="0" smtClean="0"/>
+              <a:t>en fazla </a:t>
+            </a:r>
+            <a:r>
+              <a:rPr lang="tr-TR" dirty="0"/>
+              <a:t>k*n </a:t>
+            </a:r>
+            <a:r>
+              <a:rPr lang="tr-TR" dirty="0" smtClean="0"/>
+              <a:t>blok</a:t>
+            </a:r>
+          </a:p>
+          <a:p>
+            <a:r>
+              <a:rPr lang="tr-TR" dirty="0" smtClean="0"/>
+              <a:t>Büyüme </a:t>
+            </a:r>
+            <a:r>
+              <a:rPr lang="tr-TR" dirty="0"/>
+              <a:t>sorununu </a:t>
+            </a:r>
+            <a:r>
+              <a:rPr lang="tr-TR" dirty="0" smtClean="0"/>
+              <a:t>çözer</a:t>
+            </a:r>
+          </a:p>
+          <a:p>
+            <a:r>
+              <a:rPr lang="tr-TR" dirty="0" smtClean="0"/>
+              <a:t>N ne kadar büyük olabilir?</a:t>
+            </a:r>
+          </a:p>
+          <a:p>
+            <a:r>
+              <a:rPr lang="tr-TR" dirty="0"/>
+              <a:t>Tablodaki son giriş, diğer disk bloklarına işaretçiler içeren disk bloğuna işaret eder.</a:t>
+            </a:r>
+            <a:endParaRPr lang="tr-TR" dirty="0"/>
+          </a:p>
+        </p:txBody>
+      </p:sp>
+      <p:sp>
+        <p:nvSpPr>
+          <p:cNvPr id="4" name="Date Placeholder 3"/>
+          <p:cNvSpPr>
+            <a:spLocks noGrp="1"/>
+          </p:cNvSpPr>
+          <p:nvPr>
+            <p:ph type="dt" sz="half" idx="10"/>
+          </p:nvPr>
+        </p:nvSpPr>
+        <p:spPr/>
+        <p:txBody>
+          <a:bodyPr/>
+          <a:lstStyle/>
+          <a:p>
+            <a:r>
+              <a:rPr lang="en-US" smtClean="0"/>
+              <a:t>1/20/2023</a:t>
+            </a:r>
+            <a:endParaRPr lang="en-US" dirty="0"/>
+          </a:p>
+        </p:txBody>
+      </p:sp>
+      <p:sp>
+        <p:nvSpPr>
+          <p:cNvPr id="5" name="Footer Placeholder 4"/>
+          <p:cNvSpPr>
+            <a:spLocks noGrp="1"/>
+          </p:cNvSpPr>
+          <p:nvPr>
+            <p:ph type="ftr" sz="quarter" idx="11"/>
+          </p:nvPr>
+        </p:nvSpPr>
+        <p:spPr/>
+        <p:txBody>
+          <a:bodyPr/>
+          <a:lstStyle/>
+          <a:p>
+            <a:r>
+              <a:rPr lang="en-US" smtClean="0"/>
+              <a:t>Sercan KÜLCÜ, Tanenbaum, Modern Operating Systems 3e kitabından faydalanılmıştır. Tüm hakları saklıdır.</a:t>
+            </a:r>
+            <a:endParaRPr lang="en-US" dirty="0"/>
+          </a:p>
+        </p:txBody>
+      </p:sp>
+      <p:sp>
+        <p:nvSpPr>
+          <p:cNvPr id="6" name="Slide Number Placeholder 5"/>
+          <p:cNvSpPr>
+            <a:spLocks noGrp="1"/>
+          </p:cNvSpPr>
+          <p:nvPr>
+            <p:ph type="sldNum" sz="quarter" idx="12"/>
+          </p:nvPr>
+        </p:nvSpPr>
+        <p:spPr/>
+        <p:txBody>
+          <a:bodyPr/>
+          <a:lstStyle/>
+          <a:p>
+            <a:fld id="{D57F1E4F-1CFF-5643-939E-217C01CDF565}" type="slidenum">
+              <a:rPr lang="en-US" smtClean="0"/>
+              <a:pPr/>
+              <a:t>37</a:t>
+            </a:fld>
+            <a:endParaRPr lang="en-US" dirty="0"/>
+          </a:p>
+        </p:txBody>
+      </p:sp>
+    </p:spTree>
+    <p:extLst>
+      <p:ext uri="{BB962C8B-B14F-4D97-AF65-F5344CB8AC3E}">
+        <p14:creationId xmlns:p14="http://schemas.microsoft.com/office/powerpoint/2010/main" val="3925928824"/>
+      </p:ext>
+    </p:extLst>
+  </p:cSld>
+  <p:clrMapOvr>
+    <a:masterClrMapping/>
+  </p:clrMapOvr>
+  <p:timing>
+    <p:tnLst>
+      <p:par>
+        <p:cTn id="1" dur="indefinite" restart="never" nodeType="tmRoot"/>
+      </p:par>
+    </p:tnLst>
+  </p:timing>
+</p:sld>
+</file>
+
+<file path=ppt/slides/slide38.xml><?xml version="1.0" encoding="utf-8"?>
+<p:sld xmlns:a="http://schemas.openxmlformats.org/drawingml/2006/main" xmlns:r="http://schemas.openxmlformats.org/officeDocument/2006/relationships" xmlns:p="http://schemas.openxmlformats.org/presentationml/2006/main">
+  <p:cSld>
+    <p:spTree>
+      <p:nvGrpSpPr>
+        <p:cNvPr id="1" name=""/>
+        <p:cNvGrpSpPr/>
+        <p:nvPr/>
+      </p:nvGrpSpPr>
+      <p:grpSpPr>
+        <a:xfrm>
+          <a:off x="0" y="0"/>
+          <a:ext cx="0" cy="0"/>
+          <a:chOff x="0" y="0"/>
+          <a:chExt cx="0" cy="0"/>
+        </a:xfrm>
+      </p:grpSpPr>
+      <p:sp>
+        <p:nvSpPr>
+          <p:cNvPr id="2" name="Title 1"/>
+          <p:cNvSpPr>
+            <a:spLocks noGrp="1"/>
+          </p:cNvSpPr>
+          <p:nvPr>
+            <p:ph type="title"/>
+          </p:nvPr>
+        </p:nvSpPr>
+        <p:spPr/>
+        <p:txBody>
+          <a:bodyPr/>
+          <a:lstStyle/>
+          <a:p>
+            <a:r>
+              <a:rPr lang="tr-TR" dirty="0" smtClean="0"/>
+              <a:t>Örnek I-</a:t>
+            </a:r>
+            <a:r>
+              <a:rPr lang="tr-TR" dirty="0" err="1" smtClean="0"/>
+              <a:t>node</a:t>
+            </a:r>
+            <a:endParaRPr lang="tr-TR" dirty="0"/>
+          </a:p>
+        </p:txBody>
+      </p:sp>
+      <p:sp>
+        <p:nvSpPr>
+          <p:cNvPr id="3" name="Content Placeholder 2"/>
+          <p:cNvSpPr>
+            <a:spLocks noGrp="1"/>
+          </p:cNvSpPr>
+          <p:nvPr>
+            <p:ph idx="1"/>
+          </p:nvPr>
+        </p:nvSpPr>
+        <p:spPr>
+          <a:xfrm>
+            <a:off x="838200" y="1825625"/>
+            <a:ext cx="10515600" cy="4680000"/>
+          </a:xfrm>
+        </p:spPr>
+        <p:txBody>
+          <a:bodyPr>
+            <a:normAutofit/>
+          </a:bodyPr>
+          <a:lstStyle/>
+          <a:p>
+            <a:r>
+              <a:rPr lang="tr-TR" dirty="0" smtClean="0"/>
+              <a:t>.</a:t>
+            </a:r>
+            <a:endParaRPr lang="tr-TR" dirty="0"/>
+          </a:p>
+        </p:txBody>
+      </p:sp>
+      <p:sp>
+        <p:nvSpPr>
+          <p:cNvPr id="4" name="Date Placeholder 3"/>
+          <p:cNvSpPr>
+            <a:spLocks noGrp="1"/>
+          </p:cNvSpPr>
+          <p:nvPr>
+            <p:ph type="dt" sz="half" idx="10"/>
+          </p:nvPr>
+        </p:nvSpPr>
+        <p:spPr/>
+        <p:txBody>
+          <a:bodyPr/>
+          <a:lstStyle/>
+          <a:p>
+            <a:r>
+              <a:rPr lang="en-US" smtClean="0"/>
+              <a:t>1/20/2023</a:t>
+            </a:r>
+            <a:endParaRPr lang="en-US" dirty="0"/>
+          </a:p>
+        </p:txBody>
+      </p:sp>
+      <p:sp>
+        <p:nvSpPr>
+          <p:cNvPr id="5" name="Footer Placeholder 4"/>
+          <p:cNvSpPr>
+            <a:spLocks noGrp="1"/>
+          </p:cNvSpPr>
+          <p:nvPr>
+            <p:ph type="ftr" sz="quarter" idx="11"/>
+          </p:nvPr>
+        </p:nvSpPr>
+        <p:spPr/>
+        <p:txBody>
+          <a:bodyPr/>
+          <a:lstStyle/>
+          <a:p>
+            <a:r>
+              <a:rPr lang="en-US" smtClean="0"/>
+              <a:t>Sercan KÜLCÜ, Tanenbaum, Modern Operating Systems 3e kitabından faydalanılmıştır. Tüm hakları saklıdır.</a:t>
+            </a:r>
+            <a:endParaRPr lang="en-US" dirty="0"/>
+          </a:p>
+        </p:txBody>
+      </p:sp>
+      <p:sp>
+        <p:nvSpPr>
+          <p:cNvPr id="6" name="Slide Number Placeholder 5"/>
+          <p:cNvSpPr>
+            <a:spLocks noGrp="1"/>
+          </p:cNvSpPr>
+          <p:nvPr>
+            <p:ph type="sldNum" sz="quarter" idx="12"/>
+          </p:nvPr>
+        </p:nvSpPr>
+        <p:spPr/>
+        <p:txBody>
+          <a:bodyPr/>
+          <a:lstStyle/>
+          <a:p>
+            <a:fld id="{D57F1E4F-1CFF-5643-939E-217C01CDF565}" type="slidenum">
+              <a:rPr lang="en-US" smtClean="0"/>
+              <a:pPr/>
+              <a:t>38</a:t>
+            </a:fld>
+            <a:endParaRPr lang="en-US" dirty="0"/>
+          </a:p>
+        </p:txBody>
+      </p:sp>
+      <p:pic>
+        <p:nvPicPr>
+          <p:cNvPr id="7" name="Picture 6" descr="D:\b\b4\IBM\04-13.jpg"/>
+          <p:cNvPicPr>
+            <a:picLocks noChangeAspect="1" noChangeArrowheads="1"/>
+          </p:cNvPicPr>
+          <p:nvPr/>
+        </p:nvPicPr>
+        <p:blipFill>
+          <a:blip r:embed="rId2">
+            <a:extLst>
+              <a:ext uri="{28A0092B-C50C-407E-A947-70E740481C1C}">
+                <a14:useLocalDpi xmlns:a14="http://schemas.microsoft.com/office/drawing/2010/main" val="0"/>
+              </a:ext>
+            </a:extLst>
+          </a:blip>
+          <a:srcRect/>
+          <a:stretch>
+            <a:fillRect/>
+          </a:stretch>
+        </p:blipFill>
+        <p:spPr bwMode="auto">
+          <a:xfrm>
+            <a:off x="3482591" y="1808039"/>
+            <a:ext cx="4677319" cy="4332461"/>
+          </a:xfrm>
+          <a:prstGeom prst="rect">
+            <a:avLst/>
+          </a:prstGeom>
+          <a:noFill/>
+          <a:ln>
+            <a:noFill/>
+          </a:ln>
+          <a:extLst>
+            <a:ext uri="{909E8E84-426E-40DD-AFC4-6F175D3DCCD1}">
+              <a14:hiddenFill xmlns:a14="http://schemas.microsoft.com/office/drawing/2010/main">
+                <a:solidFill>
+                  <a:srgbClr val="FFFFFF"/>
+                </a:solidFill>
+              </a14:hiddenFill>
+            </a:ext>
+            <a:ext uri="{91240B29-F687-4F45-9708-019B960494DF}">
+              <a14:hiddenLine xmlns:a14="http://schemas.microsoft.com/office/drawing/2010/main" w="9525">
+                <a:solidFill>
+                  <a:srgbClr val="000000"/>
+                </a:solidFill>
+                <a:miter lim="800000"/>
+                <a:headEnd/>
+                <a:tailEnd/>
+              </a14:hiddenLine>
+            </a:ext>
+          </a:extLst>
+        </p:spPr>
+      </p:pic>
+    </p:spTree>
+    <p:extLst>
+      <p:ext uri="{BB962C8B-B14F-4D97-AF65-F5344CB8AC3E}">
+        <p14:creationId xmlns:p14="http://schemas.microsoft.com/office/powerpoint/2010/main" val="568544002"/>
+      </p:ext>
+    </p:extLst>
+  </p:cSld>
+  <p:clrMapOvr>
+    <a:masterClrMapping/>
+  </p:clrMapOvr>
+  <p:timing>
+    <p:tnLst>
+      <p:par>
+        <p:cTn id="1" dur="indefinite" restart="never" nodeType="tmRoot"/>
+      </p:par>
+    </p:tnLst>
+  </p:timing>
+</p:sld>
+</file>
+
+<file path=ppt/slides/slide39.xml><?xml version="1.0" encoding="utf-8"?>
+<p:sld xmlns:a="http://schemas.openxmlformats.org/drawingml/2006/main" xmlns:r="http://schemas.openxmlformats.org/officeDocument/2006/relationships" xmlns:p="http://schemas.openxmlformats.org/presentationml/2006/main">
+  <p:cSld>
+    <p:spTree>
+      <p:nvGrpSpPr>
+        <p:cNvPr id="1" name=""/>
+        <p:cNvGrpSpPr/>
+        <p:nvPr/>
+      </p:nvGrpSpPr>
+      <p:grpSpPr>
+        <a:xfrm>
+          <a:off x="0" y="0"/>
+          <a:ext cx="0" cy="0"/>
+          <a:chOff x="0" y="0"/>
+          <a:chExt cx="0" cy="0"/>
+        </a:xfrm>
+      </p:grpSpPr>
+      <p:sp>
+        <p:nvSpPr>
+          <p:cNvPr id="2" name="Title 1"/>
+          <p:cNvSpPr>
+            <a:spLocks noGrp="1"/>
+          </p:cNvSpPr>
+          <p:nvPr>
+            <p:ph type="title"/>
+          </p:nvPr>
+        </p:nvSpPr>
+        <p:spPr/>
+        <p:txBody>
+          <a:bodyPr/>
+          <a:lstStyle/>
+          <a:p>
+            <a:r>
+              <a:rPr lang="tr-TR" dirty="0"/>
+              <a:t>Modern Bilgisayarın Bileşenleri:</a:t>
+            </a:r>
+          </a:p>
+        </p:txBody>
+      </p:sp>
+      <p:sp>
+        <p:nvSpPr>
+          <p:cNvPr id="3" name="Content Placeholder 2"/>
+          <p:cNvSpPr>
+            <a:spLocks noGrp="1"/>
+          </p:cNvSpPr>
+          <p:nvPr>
+            <p:ph idx="1"/>
+          </p:nvPr>
+        </p:nvSpPr>
+        <p:spPr>
+          <a:xfrm>
+            <a:off x="838200" y="1825625"/>
+            <a:ext cx="10515600" cy="4680000"/>
+          </a:xfrm>
+        </p:spPr>
+        <p:txBody>
+          <a:bodyPr>
+            <a:normAutofit/>
+          </a:bodyPr>
+          <a:lstStyle/>
+          <a:p>
+            <a:endParaRPr lang="tr-TR" dirty="0"/>
+          </a:p>
+        </p:txBody>
+      </p:sp>
+      <p:sp>
+        <p:nvSpPr>
+          <p:cNvPr id="4" name="Date Placeholder 3"/>
+          <p:cNvSpPr>
+            <a:spLocks noGrp="1"/>
+          </p:cNvSpPr>
+          <p:nvPr>
+            <p:ph type="dt" sz="half" idx="10"/>
+          </p:nvPr>
+        </p:nvSpPr>
+        <p:spPr/>
+        <p:txBody>
+          <a:bodyPr/>
+          <a:lstStyle/>
+          <a:p>
+            <a:r>
+              <a:rPr lang="en-US" smtClean="0"/>
+              <a:t>1/20/2023</a:t>
+            </a:r>
+            <a:endParaRPr lang="en-US" dirty="0"/>
+          </a:p>
+        </p:txBody>
+      </p:sp>
+      <p:sp>
+        <p:nvSpPr>
+          <p:cNvPr id="5" name="Footer Placeholder 4"/>
+          <p:cNvSpPr>
+            <a:spLocks noGrp="1"/>
+          </p:cNvSpPr>
+          <p:nvPr>
+            <p:ph type="ftr" sz="quarter" idx="11"/>
+          </p:nvPr>
+        </p:nvSpPr>
+        <p:spPr/>
+        <p:txBody>
+          <a:bodyPr/>
+          <a:lstStyle/>
+          <a:p>
+            <a:r>
+              <a:rPr lang="en-US" smtClean="0"/>
+              <a:t>Sercan KÜLCÜ, Tanenbaum, Modern Operating Systems 3e kitabından faydalanılmıştır. Tüm hakları saklıdır.</a:t>
+            </a:r>
+            <a:endParaRPr lang="en-US" dirty="0"/>
+          </a:p>
+        </p:txBody>
+      </p:sp>
+      <p:sp>
+        <p:nvSpPr>
+          <p:cNvPr id="6" name="Slide Number Placeholder 5"/>
+          <p:cNvSpPr>
+            <a:spLocks noGrp="1"/>
+          </p:cNvSpPr>
+          <p:nvPr>
+            <p:ph type="sldNum" sz="quarter" idx="12"/>
+          </p:nvPr>
+        </p:nvSpPr>
+        <p:spPr/>
+        <p:txBody>
+          <a:bodyPr/>
+          <a:lstStyle/>
+          <a:p>
+            <a:fld id="{D57F1E4F-1CFF-5643-939E-217C01CDF565}" type="slidenum">
+              <a:rPr lang="en-US" smtClean="0"/>
+              <a:pPr/>
+              <a:t>39</a:t>
+            </a:fld>
+            <a:endParaRPr lang="en-US" dirty="0"/>
+          </a:p>
+        </p:txBody>
+      </p:sp>
+    </p:spTree>
+    <p:extLst>
+      <p:ext uri="{BB962C8B-B14F-4D97-AF65-F5344CB8AC3E}">
+        <p14:creationId xmlns:p14="http://schemas.microsoft.com/office/powerpoint/2010/main" val="1213255256"/>
       </p:ext>
     </p:extLst>
   </p:cSld>
@@ -9883,6 +11225,183 @@
     <p:extLst>
       <p:ext uri="{BB962C8B-B14F-4D97-AF65-F5344CB8AC3E}">
         <p14:creationId xmlns:p14="http://schemas.microsoft.com/office/powerpoint/2010/main" val="2416809997"/>
+      </p:ext>
+    </p:extLst>
+  </p:cSld>
+  <p:clrMapOvr>
+    <a:masterClrMapping/>
+  </p:clrMapOvr>
+  <p:timing>
+    <p:tnLst>
+      <p:par>
+        <p:cTn id="1" dur="indefinite" restart="never" nodeType="tmRoot"/>
+      </p:par>
+    </p:tnLst>
+  </p:timing>
+</p:sld>
+</file>
+
+<file path=ppt/slides/slide40.xml><?xml version="1.0" encoding="utf-8"?>
+<p:sld xmlns:a="http://schemas.openxmlformats.org/drawingml/2006/main" xmlns:r="http://schemas.openxmlformats.org/officeDocument/2006/relationships" xmlns:p="http://schemas.openxmlformats.org/presentationml/2006/main">
+  <p:cSld>
+    <p:spTree>
+      <p:nvGrpSpPr>
+        <p:cNvPr id="1" name=""/>
+        <p:cNvGrpSpPr/>
+        <p:nvPr/>
+      </p:nvGrpSpPr>
+      <p:grpSpPr>
+        <a:xfrm>
+          <a:off x="0" y="0"/>
+          <a:ext cx="0" cy="0"/>
+          <a:chOff x="0" y="0"/>
+          <a:chExt cx="0" cy="0"/>
+        </a:xfrm>
+      </p:grpSpPr>
+      <p:sp>
+        <p:nvSpPr>
+          <p:cNvPr id="2" name="Title 1"/>
+          <p:cNvSpPr>
+            <a:spLocks noGrp="1"/>
+          </p:cNvSpPr>
+          <p:nvPr>
+            <p:ph type="title"/>
+          </p:nvPr>
+        </p:nvSpPr>
+        <p:spPr/>
+        <p:txBody>
+          <a:bodyPr/>
+          <a:lstStyle/>
+          <a:p>
+            <a:endParaRPr lang="tr-TR" dirty="0"/>
+          </a:p>
+        </p:txBody>
+      </p:sp>
+      <p:sp>
+        <p:nvSpPr>
+          <p:cNvPr id="3" name="Content Placeholder 2"/>
+          <p:cNvSpPr>
+            <a:spLocks noGrp="1"/>
+          </p:cNvSpPr>
+          <p:nvPr>
+            <p:ph idx="1"/>
+          </p:nvPr>
+        </p:nvSpPr>
+        <p:spPr>
+          <a:xfrm>
+            <a:off x="838200" y="1825625"/>
+            <a:ext cx="10515600" cy="4680000"/>
+          </a:xfrm>
+        </p:spPr>
+        <p:txBody>
+          <a:bodyPr>
+            <a:normAutofit/>
+          </a:bodyPr>
+          <a:lstStyle/>
+          <a:p>
+            <a:endParaRPr lang="tr-TR" dirty="0" smtClean="0"/>
+          </a:p>
+          <a:p>
+            <a:endParaRPr lang="tr-TR" dirty="0"/>
+          </a:p>
+          <a:p>
+            <a:endParaRPr lang="tr-TR" dirty="0" smtClean="0"/>
+          </a:p>
+          <a:p>
+            <a:pPr marL="0" indent="0" algn="ctr">
+              <a:buNone/>
+            </a:pPr>
+            <a:r>
+              <a:rPr lang="tr-TR" dirty="0" smtClean="0"/>
+              <a:t>SON</a:t>
+            </a:r>
+            <a:endParaRPr lang="tr-TR" dirty="0"/>
+          </a:p>
+          <a:p>
+            <a:endParaRPr lang="tr-TR" dirty="0"/>
+          </a:p>
+          <a:p>
+            <a:endParaRPr lang="tr-TR" dirty="0"/>
+          </a:p>
+          <a:p>
+            <a:endParaRPr lang="tr-TR" dirty="0"/>
+          </a:p>
+        </p:txBody>
+      </p:sp>
+      <p:sp>
+        <p:nvSpPr>
+          <p:cNvPr id="4" name="Date Placeholder 3"/>
+          <p:cNvSpPr>
+            <a:spLocks noGrp="1"/>
+          </p:cNvSpPr>
+          <p:nvPr>
+            <p:ph type="dt" sz="half" idx="10"/>
+          </p:nvPr>
+        </p:nvSpPr>
+        <p:spPr/>
+        <p:txBody>
+          <a:bodyPr/>
+          <a:lstStyle/>
+          <a:p>
+            <a:r>
+              <a:rPr lang="en-US" smtClean="0"/>
+              <a:t>1/20/2023</a:t>
+            </a:r>
+            <a:endParaRPr lang="en-US" dirty="0"/>
+          </a:p>
+        </p:txBody>
+      </p:sp>
+      <p:sp>
+        <p:nvSpPr>
+          <p:cNvPr id="5" name="Footer Placeholder 4"/>
+          <p:cNvSpPr>
+            <a:spLocks noGrp="1"/>
+          </p:cNvSpPr>
+          <p:nvPr>
+            <p:ph type="ftr" sz="quarter" idx="11"/>
+          </p:nvPr>
+        </p:nvSpPr>
+        <p:spPr/>
+        <p:txBody>
+          <a:bodyPr/>
+          <a:lstStyle/>
+          <a:p>
+            <a:r>
+              <a:rPr lang="en-US" smtClean="0"/>
+              <a:t>Sercan KÜLCÜ, Tanenbaum, Modern Operating Systems 3e kitabından faydalanılmıştır. Tüm hakları saklıdır.</a:t>
+            </a:r>
+            <a:endParaRPr lang="en-US" dirty="0"/>
+          </a:p>
+        </p:txBody>
+      </p:sp>
+      <p:sp>
+        <p:nvSpPr>
+          <p:cNvPr id="6" name="Slide Number Placeholder 5"/>
+          <p:cNvSpPr>
+            <a:spLocks noGrp="1"/>
+          </p:cNvSpPr>
+          <p:nvPr>
+            <p:ph type="sldNum" sz="quarter" idx="12"/>
+          </p:nvPr>
+        </p:nvSpPr>
+        <p:spPr/>
+        <p:txBody>
+          <a:bodyPr/>
+          <a:lstStyle/>
+          <a:p>
+            <a:fld id="{D57F1E4F-1CFF-5643-939E-217C01CDF565}" type="slidenum">
+              <a:rPr lang="en-US" smtClean="0"/>
+              <a:pPr/>
+              <a:t>40</a:t>
+            </a:fld>
+            <a:endParaRPr lang="en-US" dirty="0"/>
+          </a:p>
+        </p:txBody>
+      </p:sp>
+    </p:spTree>
+    <p:extLst>
+      <p:ext uri="{BB962C8B-B14F-4D97-AF65-F5344CB8AC3E}">
+        <p14:creationId xmlns:p14="http://schemas.microsoft.com/office/powerpoint/2010/main" val="2824592776"/>
       </p:ext>
     </p:extLst>
   </p:cSld>

--- a/files/os/4_Bolum_4_Dosya.pptx
+++ b/files/os/4_Bolum_4_Dosya.pptx
@@ -5,7 +5,7 @@
     <p:sldMasterId id="2147483935" r:id="rId1"/>
   </p:sldMasterIdLst>
   <p:notesMasterIdLst>
-    <p:notesMasterId r:id="rId42"/>
+    <p:notesMasterId r:id="rId51"/>
   </p:notesMasterIdLst>
   <p:sldIdLst>
     <p:sldId id="256" r:id="rId2"/>
@@ -47,7 +47,16 @@
     <p:sldId id="343" r:id="rId38"/>
     <p:sldId id="344" r:id="rId39"/>
     <p:sldId id="329" r:id="rId40"/>
-    <p:sldId id="312" r:id="rId41"/>
+    <p:sldId id="359" r:id="rId41"/>
+    <p:sldId id="351" r:id="rId42"/>
+    <p:sldId id="352" r:id="rId43"/>
+    <p:sldId id="353" r:id="rId44"/>
+    <p:sldId id="354" r:id="rId45"/>
+    <p:sldId id="355" r:id="rId46"/>
+    <p:sldId id="356" r:id="rId47"/>
+    <p:sldId id="357" r:id="rId48"/>
+    <p:sldId id="358" r:id="rId49"/>
+    <p:sldId id="312" r:id="rId50"/>
   </p:sldIdLst>
   <p:sldSz cx="12192000" cy="6858000"/>
   <p:notesSz cx="6858000" cy="9144000"/>
@@ -10909,9 +10918,10 @@
           <a:lstStyle/>
           <a:p>
             <a:r>
-              <a:rPr lang="tr-TR" dirty="0"/>
-              <a:t>Modern Bilgisayarın Bileşenleri:</a:t>
-            </a:r>
+              <a:rPr lang="tr-TR" dirty="0" smtClean="0"/>
+              <a:t>Dizinler</a:t>
+            </a:r>
+            <a:endParaRPr lang="tr-TR" dirty="0"/>
           </a:p>
         </p:txBody>
       </p:sp>
@@ -10937,6 +10947,85 @@
           </a:bodyPr>
           <a:lstStyle/>
           <a:p>
+            <a:r>
+              <a:rPr lang="tr-TR" dirty="0" smtClean="0"/>
+              <a:t>Open file, </a:t>
+            </a:r>
+            <a:r>
+              <a:rPr lang="tr-TR" dirty="0"/>
+              <a:t>dizini bulmak için kullanılan yol </a:t>
+            </a:r>
+            <a:r>
+              <a:rPr lang="tr-TR" dirty="0" smtClean="0"/>
+              <a:t>adı (</a:t>
+            </a:r>
+            <a:r>
+              <a:rPr lang="tr-TR" dirty="0" err="1" smtClean="0"/>
+              <a:t>path</a:t>
+            </a:r>
+            <a:r>
+              <a:rPr lang="tr-TR" dirty="0" smtClean="0"/>
+              <a:t>)</a:t>
+            </a:r>
+          </a:p>
+          <a:p>
+            <a:r>
+              <a:rPr lang="tr-TR" dirty="0" smtClean="0"/>
+              <a:t>Dizin</a:t>
+            </a:r>
+            <a:r>
+              <a:rPr lang="tr-TR" dirty="0"/>
+              <a:t>, </a:t>
+            </a:r>
+            <a:r>
+              <a:rPr lang="tr-TR" dirty="0" smtClean="0"/>
+              <a:t>aşağıdakileri bilgileri kullanarak blok adreslerini belirtir</a:t>
+            </a:r>
+          </a:p>
+          <a:p>
+            <a:pPr lvl="1"/>
+            <a:r>
+              <a:rPr lang="tr-TR" dirty="0" smtClean="0"/>
+              <a:t>İlk </a:t>
+            </a:r>
+            <a:r>
+              <a:rPr lang="tr-TR" dirty="0"/>
+              <a:t>bloğun adresi (</a:t>
+            </a:r>
+            <a:r>
+              <a:rPr lang="tr-TR" dirty="0" smtClean="0"/>
+              <a:t>bitişik yer)</a:t>
+            </a:r>
+          </a:p>
+          <a:p>
+            <a:pPr lvl="1"/>
+            <a:r>
+              <a:rPr lang="tr-TR" dirty="0" smtClean="0"/>
+              <a:t>İlk </a:t>
+            </a:r>
+            <a:r>
+              <a:rPr lang="tr-TR" dirty="0"/>
+              <a:t>bloğun sayısı (</a:t>
+            </a:r>
+            <a:r>
+              <a:rPr lang="tr-TR" dirty="0" smtClean="0"/>
+              <a:t>bağlı liste)</a:t>
+            </a:r>
+          </a:p>
+          <a:p>
+            <a:pPr lvl="1"/>
+            <a:r>
+              <a:rPr lang="tr-TR" dirty="0" smtClean="0"/>
+              <a:t>i-</a:t>
+            </a:r>
+            <a:r>
+              <a:rPr lang="tr-TR" dirty="0" err="1" smtClean="0"/>
+              <a:t>node</a:t>
+            </a:r>
+            <a:r>
+              <a:rPr lang="tr-TR" dirty="0" smtClean="0"/>
+              <a:t> sayısı</a:t>
+            </a:r>
             <a:endParaRPr lang="tr-TR" dirty="0"/>
           </a:p>
         </p:txBody>
@@ -11273,6 +11362,10 @@
           <a:bodyPr/>
           <a:lstStyle/>
           <a:p>
+            <a:r>
+              <a:rPr lang="tr-TR" dirty="0" smtClean="0"/>
+              <a:t>Dizinler</a:t>
+            </a:r>
             <a:endParaRPr lang="tr-TR" dirty="0"/>
           </a:p>
         </p:txBody>
@@ -11299,6 +11392,1621 @@
           </a:bodyPr>
           <a:lstStyle/>
           <a:p>
+            <a:pPr marL="0" indent="0">
+              <a:buNone/>
+            </a:pPr>
+            <a:r>
+              <a:rPr lang="tr-TR" dirty="0"/>
+              <a:t>(a) disk adresleri ve nitelikleri </a:t>
+            </a:r>
+            <a:r>
+              <a:rPr lang="tr-TR" dirty="0" smtClean="0"/>
+              <a:t>ile </a:t>
+            </a:r>
+            <a:r>
+              <a:rPr lang="tr-TR" dirty="0"/>
+              <a:t>sabit boyutlu girişler (DOS) </a:t>
+            </a:r>
+            <a:r>
+              <a:rPr lang="tr-TR" dirty="0" smtClean="0"/>
+              <a:t>(</a:t>
+            </a:r>
+            <a:r>
+              <a:rPr lang="tr-TR" dirty="0"/>
+              <a:t>b) her giriş bir </a:t>
+            </a:r>
+            <a:r>
+              <a:rPr lang="tr-TR" dirty="0" smtClean="0"/>
+              <a:t>i-</a:t>
+            </a:r>
+            <a:r>
+              <a:rPr lang="tr-TR" dirty="0" err="1" smtClean="0"/>
+              <a:t>node</a:t>
+            </a:r>
+            <a:r>
+              <a:rPr lang="tr-TR" dirty="0" smtClean="0"/>
+              <a:t> </a:t>
+            </a:r>
+            <a:r>
+              <a:rPr lang="tr-TR" dirty="0"/>
+              <a:t>ifade eder. Dizin girişi öznitelikleri içerir. (Unix)</a:t>
+            </a:r>
+            <a:endParaRPr lang="tr-TR" dirty="0"/>
+          </a:p>
+        </p:txBody>
+      </p:sp>
+      <p:sp>
+        <p:nvSpPr>
+          <p:cNvPr id="4" name="Date Placeholder 3"/>
+          <p:cNvSpPr>
+            <a:spLocks noGrp="1"/>
+          </p:cNvSpPr>
+          <p:nvPr>
+            <p:ph type="dt" sz="half" idx="10"/>
+          </p:nvPr>
+        </p:nvSpPr>
+        <p:spPr/>
+        <p:txBody>
+          <a:bodyPr/>
+          <a:lstStyle/>
+          <a:p>
+            <a:r>
+              <a:rPr lang="en-US" smtClean="0"/>
+              <a:t>1/20/2023</a:t>
+            </a:r>
+            <a:endParaRPr lang="en-US" dirty="0"/>
+          </a:p>
+        </p:txBody>
+      </p:sp>
+      <p:sp>
+        <p:nvSpPr>
+          <p:cNvPr id="5" name="Footer Placeholder 4"/>
+          <p:cNvSpPr>
+            <a:spLocks noGrp="1"/>
+          </p:cNvSpPr>
+          <p:nvPr>
+            <p:ph type="ftr" sz="quarter" idx="11"/>
+          </p:nvPr>
+        </p:nvSpPr>
+        <p:spPr/>
+        <p:txBody>
+          <a:bodyPr/>
+          <a:lstStyle/>
+          <a:p>
+            <a:r>
+              <a:rPr lang="en-US" smtClean="0"/>
+              <a:t>Sercan KÜLCÜ, Tanenbaum, Modern Operating Systems 3e kitabından faydalanılmıştır. Tüm hakları saklıdır.</a:t>
+            </a:r>
+            <a:endParaRPr lang="en-US" dirty="0"/>
+          </a:p>
+        </p:txBody>
+      </p:sp>
+      <p:sp>
+        <p:nvSpPr>
+          <p:cNvPr id="6" name="Slide Number Placeholder 5"/>
+          <p:cNvSpPr>
+            <a:spLocks noGrp="1"/>
+          </p:cNvSpPr>
+          <p:nvPr>
+            <p:ph type="sldNum" sz="quarter" idx="12"/>
+          </p:nvPr>
+        </p:nvSpPr>
+        <p:spPr/>
+        <p:txBody>
+          <a:bodyPr/>
+          <a:lstStyle/>
+          <a:p>
+            <a:fld id="{D57F1E4F-1CFF-5643-939E-217C01CDF565}" type="slidenum">
+              <a:rPr lang="en-US" smtClean="0"/>
+              <a:pPr/>
+              <a:t>40</a:t>
+            </a:fld>
+            <a:endParaRPr lang="en-US" dirty="0"/>
+          </a:p>
+        </p:txBody>
+      </p:sp>
+      <p:pic>
+        <p:nvPicPr>
+          <p:cNvPr id="7" name="Picture 6" descr="D:\b\b4\IBM\04-14.jpg"/>
+          <p:cNvPicPr>
+            <a:picLocks noChangeAspect="1" noChangeArrowheads="1"/>
+          </p:cNvPicPr>
+          <p:nvPr/>
+        </p:nvPicPr>
+        <p:blipFill>
+          <a:blip r:embed="rId2">
+            <a:extLst>
+              <a:ext uri="{28A0092B-C50C-407E-A947-70E740481C1C}">
+                <a14:useLocalDpi xmlns:a14="http://schemas.microsoft.com/office/drawing/2010/main" val="0"/>
+              </a:ext>
+            </a:extLst>
+          </a:blip>
+          <a:srcRect/>
+          <a:stretch>
+            <a:fillRect/>
+          </a:stretch>
+        </p:blipFill>
+        <p:spPr bwMode="auto">
+          <a:xfrm>
+            <a:off x="2590800" y="2986063"/>
+            <a:ext cx="7010400" cy="2562225"/>
+          </a:xfrm>
+          <a:prstGeom prst="rect">
+            <a:avLst/>
+          </a:prstGeom>
+          <a:noFill/>
+          <a:ln>
+            <a:noFill/>
+          </a:ln>
+          <a:extLst>
+            <a:ext uri="{909E8E84-426E-40DD-AFC4-6F175D3DCCD1}">
+              <a14:hiddenFill xmlns:a14="http://schemas.microsoft.com/office/drawing/2010/main">
+                <a:solidFill>
+                  <a:srgbClr val="FFFFFF"/>
+                </a:solidFill>
+              </a14:hiddenFill>
+            </a:ext>
+            <a:ext uri="{91240B29-F687-4F45-9708-019B960494DF}">
+              <a14:hiddenLine xmlns:a14="http://schemas.microsoft.com/office/drawing/2010/main" w="9525">
+                <a:solidFill>
+                  <a:srgbClr val="000000"/>
+                </a:solidFill>
+                <a:miter lim="800000"/>
+                <a:headEnd/>
+                <a:tailEnd/>
+              </a14:hiddenLine>
+            </a:ext>
+          </a:extLst>
+        </p:spPr>
+      </p:pic>
+    </p:spTree>
+    <p:extLst>
+      <p:ext uri="{BB962C8B-B14F-4D97-AF65-F5344CB8AC3E}">
+        <p14:creationId xmlns:p14="http://schemas.microsoft.com/office/powerpoint/2010/main" val="443314117"/>
+      </p:ext>
+    </p:extLst>
+  </p:cSld>
+  <p:clrMapOvr>
+    <a:masterClrMapping/>
+  </p:clrMapOvr>
+  <p:timing>
+    <p:tnLst>
+      <p:par>
+        <p:cTn id="1" dur="indefinite" restart="never" nodeType="tmRoot"/>
+      </p:par>
+    </p:tnLst>
+  </p:timing>
+</p:sld>
+</file>
+
+<file path=ppt/slides/slide41.xml><?xml version="1.0" encoding="utf-8"?>
+<p:sld xmlns:a="http://schemas.openxmlformats.org/drawingml/2006/main" xmlns:r="http://schemas.openxmlformats.org/officeDocument/2006/relationships" xmlns:p="http://schemas.openxmlformats.org/presentationml/2006/main">
+  <p:cSld>
+    <p:spTree>
+      <p:nvGrpSpPr>
+        <p:cNvPr id="1" name=""/>
+        <p:cNvGrpSpPr/>
+        <p:nvPr/>
+      </p:nvGrpSpPr>
+      <p:grpSpPr>
+        <a:xfrm>
+          <a:off x="0" y="0"/>
+          <a:ext cx="0" cy="0"/>
+          <a:chOff x="0" y="0"/>
+          <a:chExt cx="0" cy="0"/>
+        </a:xfrm>
+      </p:grpSpPr>
+      <p:sp>
+        <p:nvSpPr>
+          <p:cNvPr id="2" name="Title 1"/>
+          <p:cNvSpPr>
+            <a:spLocks noGrp="1"/>
+          </p:cNvSpPr>
+          <p:nvPr>
+            <p:ph type="title"/>
+          </p:nvPr>
+        </p:nvSpPr>
+        <p:spPr/>
+        <p:txBody>
+          <a:bodyPr/>
+          <a:lstStyle/>
+          <a:p>
+            <a:r>
+              <a:rPr lang="tr-TR" dirty="0" smtClean="0"/>
+              <a:t>Dizinler</a:t>
+            </a:r>
+            <a:endParaRPr lang="tr-TR" dirty="0"/>
+          </a:p>
+        </p:txBody>
+      </p:sp>
+      <p:sp>
+        <p:nvSpPr>
+          <p:cNvPr id="3" name="Content Placeholder 2"/>
+          <p:cNvSpPr>
+            <a:spLocks noGrp="1"/>
+          </p:cNvSpPr>
+          <p:nvPr>
+            <p:ph idx="1"/>
+          </p:nvPr>
+        </p:nvSpPr>
+        <p:spPr>
+          <a:xfrm>
+            <a:off x="838200" y="1825625"/>
+            <a:ext cx="10515600" cy="4680000"/>
+          </a:xfrm>
+        </p:spPr>
+        <p:txBody>
+          <a:bodyPr>
+            <a:normAutofit/>
+          </a:bodyPr>
+          <a:lstStyle/>
+          <a:p>
+            <a:r>
+              <a:rPr lang="tr-TR" dirty="0"/>
+              <a:t>Değişken uzunluklu adlarla nasıl başa çıkarız</a:t>
+            </a:r>
+            <a:r>
+              <a:rPr lang="tr-TR" dirty="0" smtClean="0"/>
+              <a:t>?</a:t>
+            </a:r>
+          </a:p>
+          <a:p>
+            <a:r>
+              <a:rPr lang="tr-TR" dirty="0" smtClean="0"/>
+              <a:t>Çok uzun adlar problem</a:t>
+            </a:r>
+          </a:p>
+          <a:p>
+            <a:r>
+              <a:rPr lang="tr-TR" dirty="0" smtClean="0"/>
+              <a:t>İki yaklaşım</a:t>
+            </a:r>
+          </a:p>
+          <a:p>
+            <a:pPr lvl="1"/>
+            <a:r>
+              <a:rPr lang="tr-TR" dirty="0" smtClean="0"/>
+              <a:t>Sabit </a:t>
+            </a:r>
+            <a:r>
+              <a:rPr lang="tr-TR" dirty="0"/>
+              <a:t>başlık ve ardından değişken uzunluklu </a:t>
+            </a:r>
+            <a:r>
+              <a:rPr lang="tr-TR" dirty="0" smtClean="0"/>
+              <a:t>adlar</a:t>
+            </a:r>
+          </a:p>
+          <a:p>
+            <a:pPr lvl="1"/>
+            <a:r>
+              <a:rPr lang="tr-TR" dirty="0" smtClean="0"/>
+              <a:t>Yığın </a:t>
+            </a:r>
+            <a:r>
+              <a:rPr lang="tr-TR" dirty="0"/>
+              <a:t>işaretçisi adları işaret eder</a:t>
+            </a:r>
+            <a:endParaRPr lang="tr-TR" dirty="0"/>
+          </a:p>
+        </p:txBody>
+      </p:sp>
+      <p:sp>
+        <p:nvSpPr>
+          <p:cNvPr id="4" name="Date Placeholder 3"/>
+          <p:cNvSpPr>
+            <a:spLocks noGrp="1"/>
+          </p:cNvSpPr>
+          <p:nvPr>
+            <p:ph type="dt" sz="half" idx="10"/>
+          </p:nvPr>
+        </p:nvSpPr>
+        <p:spPr/>
+        <p:txBody>
+          <a:bodyPr/>
+          <a:lstStyle/>
+          <a:p>
+            <a:r>
+              <a:rPr lang="en-US" smtClean="0"/>
+              <a:t>1/20/2023</a:t>
+            </a:r>
+            <a:endParaRPr lang="en-US" dirty="0"/>
+          </a:p>
+        </p:txBody>
+      </p:sp>
+      <p:sp>
+        <p:nvSpPr>
+          <p:cNvPr id="5" name="Footer Placeholder 4"/>
+          <p:cNvSpPr>
+            <a:spLocks noGrp="1"/>
+          </p:cNvSpPr>
+          <p:nvPr>
+            <p:ph type="ftr" sz="quarter" idx="11"/>
+          </p:nvPr>
+        </p:nvSpPr>
+        <p:spPr/>
+        <p:txBody>
+          <a:bodyPr/>
+          <a:lstStyle/>
+          <a:p>
+            <a:r>
+              <a:rPr lang="en-US" smtClean="0"/>
+              <a:t>Sercan KÜLCÜ, Tanenbaum, Modern Operating Systems 3e kitabından faydalanılmıştır. Tüm hakları saklıdır.</a:t>
+            </a:r>
+            <a:endParaRPr lang="en-US" dirty="0"/>
+          </a:p>
+        </p:txBody>
+      </p:sp>
+      <p:sp>
+        <p:nvSpPr>
+          <p:cNvPr id="6" name="Slide Number Placeholder 5"/>
+          <p:cNvSpPr>
+            <a:spLocks noGrp="1"/>
+          </p:cNvSpPr>
+          <p:nvPr>
+            <p:ph type="sldNum" sz="quarter" idx="12"/>
+          </p:nvPr>
+        </p:nvSpPr>
+        <p:spPr/>
+        <p:txBody>
+          <a:bodyPr/>
+          <a:lstStyle/>
+          <a:p>
+            <a:fld id="{D57F1E4F-1CFF-5643-939E-217C01CDF565}" type="slidenum">
+              <a:rPr lang="en-US" smtClean="0"/>
+              <a:pPr/>
+              <a:t>41</a:t>
+            </a:fld>
+            <a:endParaRPr lang="en-US" dirty="0"/>
+          </a:p>
+        </p:txBody>
+      </p:sp>
+    </p:spTree>
+    <p:extLst>
+      <p:ext uri="{BB962C8B-B14F-4D97-AF65-F5344CB8AC3E}">
+        <p14:creationId xmlns:p14="http://schemas.microsoft.com/office/powerpoint/2010/main" val="941410904"/>
+      </p:ext>
+    </p:extLst>
+  </p:cSld>
+  <p:clrMapOvr>
+    <a:masterClrMapping/>
+  </p:clrMapOvr>
+  <p:timing>
+    <p:tnLst>
+      <p:par>
+        <p:cTn id="1" dur="indefinite" restart="never" nodeType="tmRoot"/>
+      </p:par>
+    </p:tnLst>
+  </p:timing>
+</p:sld>
+</file>
+
+<file path=ppt/slides/slide42.xml><?xml version="1.0" encoding="utf-8"?>
+<p:sld xmlns:a="http://schemas.openxmlformats.org/drawingml/2006/main" xmlns:r="http://schemas.openxmlformats.org/officeDocument/2006/relationships" xmlns:p="http://schemas.openxmlformats.org/presentationml/2006/main">
+  <p:cSld>
+    <p:spTree>
+      <p:nvGrpSpPr>
+        <p:cNvPr id="1" name=""/>
+        <p:cNvGrpSpPr/>
+        <p:nvPr/>
+      </p:nvGrpSpPr>
+      <p:grpSpPr>
+        <a:xfrm>
+          <a:off x="0" y="0"/>
+          <a:ext cx="0" cy="0"/>
+          <a:chOff x="0" y="0"/>
+          <a:chExt cx="0" cy="0"/>
+        </a:xfrm>
+      </p:grpSpPr>
+      <p:sp>
+        <p:nvSpPr>
+          <p:cNvPr id="2" name="Title 1"/>
+          <p:cNvSpPr>
+            <a:spLocks noGrp="1"/>
+          </p:cNvSpPr>
+          <p:nvPr>
+            <p:ph type="title"/>
+          </p:nvPr>
+        </p:nvSpPr>
+        <p:spPr/>
+        <p:txBody>
+          <a:bodyPr/>
+          <a:lstStyle/>
+          <a:p>
+            <a:r>
+              <a:rPr lang="tr-TR" dirty="0" smtClean="0"/>
+              <a:t>Dizinler</a:t>
+            </a:r>
+            <a:endParaRPr lang="tr-TR" dirty="0"/>
+          </a:p>
+        </p:txBody>
+      </p:sp>
+      <p:sp>
+        <p:nvSpPr>
+          <p:cNvPr id="3" name="Content Placeholder 2"/>
+          <p:cNvSpPr>
+            <a:spLocks noGrp="1"/>
+          </p:cNvSpPr>
+          <p:nvPr>
+            <p:ph idx="1"/>
+          </p:nvPr>
+        </p:nvSpPr>
+        <p:spPr>
+          <a:xfrm>
+            <a:off x="838200" y="1825625"/>
+            <a:ext cx="10515600" cy="4680000"/>
+          </a:xfrm>
+        </p:spPr>
+        <p:txBody>
+          <a:bodyPr>
+            <a:normAutofit/>
+          </a:bodyPr>
+          <a:lstStyle/>
+          <a:p>
+            <a:r>
+              <a:rPr lang="tr-TR" dirty="0" smtClean="0"/>
+              <a:t>uzun </a:t>
+            </a:r>
+            <a:r>
+              <a:rPr lang="tr-TR" dirty="0"/>
+              <a:t>dosya adlarını </a:t>
+            </a:r>
+            <a:r>
+              <a:rPr lang="tr-TR" dirty="0" smtClean="0"/>
+              <a:t>işleme. </a:t>
+            </a:r>
+            <a:r>
+              <a:rPr lang="tr-TR" dirty="0"/>
+              <a:t>(a) </a:t>
+            </a:r>
+            <a:r>
+              <a:rPr lang="tr-TR" dirty="0" smtClean="0"/>
+              <a:t>Sıralı. </a:t>
+            </a:r>
+            <a:r>
+              <a:rPr lang="tr-TR" dirty="0"/>
+              <a:t>(b) </a:t>
+            </a:r>
+            <a:r>
+              <a:rPr lang="tr-TR" dirty="0" smtClean="0"/>
+              <a:t>yığın içinde.</a:t>
+            </a:r>
+            <a:endParaRPr lang="tr-TR" dirty="0"/>
+          </a:p>
+        </p:txBody>
+      </p:sp>
+      <p:sp>
+        <p:nvSpPr>
+          <p:cNvPr id="4" name="Date Placeholder 3"/>
+          <p:cNvSpPr>
+            <a:spLocks noGrp="1"/>
+          </p:cNvSpPr>
+          <p:nvPr>
+            <p:ph type="dt" sz="half" idx="10"/>
+          </p:nvPr>
+        </p:nvSpPr>
+        <p:spPr/>
+        <p:txBody>
+          <a:bodyPr/>
+          <a:lstStyle/>
+          <a:p>
+            <a:r>
+              <a:rPr lang="en-US" smtClean="0"/>
+              <a:t>1/20/2023</a:t>
+            </a:r>
+            <a:endParaRPr lang="en-US" dirty="0"/>
+          </a:p>
+        </p:txBody>
+      </p:sp>
+      <p:sp>
+        <p:nvSpPr>
+          <p:cNvPr id="5" name="Footer Placeholder 4"/>
+          <p:cNvSpPr>
+            <a:spLocks noGrp="1"/>
+          </p:cNvSpPr>
+          <p:nvPr>
+            <p:ph type="ftr" sz="quarter" idx="11"/>
+          </p:nvPr>
+        </p:nvSpPr>
+        <p:spPr/>
+        <p:txBody>
+          <a:bodyPr/>
+          <a:lstStyle/>
+          <a:p>
+            <a:r>
+              <a:rPr lang="en-US" smtClean="0"/>
+              <a:t>Sercan KÜLCÜ, Tanenbaum, Modern Operating Systems 3e kitabından faydalanılmıştır. Tüm hakları saklıdır.</a:t>
+            </a:r>
+            <a:endParaRPr lang="en-US" dirty="0"/>
+          </a:p>
+        </p:txBody>
+      </p:sp>
+      <p:sp>
+        <p:nvSpPr>
+          <p:cNvPr id="6" name="Slide Number Placeholder 5"/>
+          <p:cNvSpPr>
+            <a:spLocks noGrp="1"/>
+          </p:cNvSpPr>
+          <p:nvPr>
+            <p:ph type="sldNum" sz="quarter" idx="12"/>
+          </p:nvPr>
+        </p:nvSpPr>
+        <p:spPr/>
+        <p:txBody>
+          <a:bodyPr/>
+          <a:lstStyle/>
+          <a:p>
+            <a:fld id="{D57F1E4F-1CFF-5643-939E-217C01CDF565}" type="slidenum">
+              <a:rPr lang="en-US" smtClean="0"/>
+              <a:pPr/>
+              <a:t>42</a:t>
+            </a:fld>
+            <a:endParaRPr lang="en-US" dirty="0"/>
+          </a:p>
+        </p:txBody>
+      </p:sp>
+      <p:pic>
+        <p:nvPicPr>
+          <p:cNvPr id="7" name="Picture 1030" descr="D:\b\b4\IBM\04-15.jpg"/>
+          <p:cNvPicPr>
+            <a:picLocks noChangeAspect="1" noChangeArrowheads="1"/>
+          </p:cNvPicPr>
+          <p:nvPr/>
+        </p:nvPicPr>
+        <p:blipFill>
+          <a:blip r:embed="rId2">
+            <a:extLst>
+              <a:ext uri="{28A0092B-C50C-407E-A947-70E740481C1C}">
+                <a14:useLocalDpi xmlns:a14="http://schemas.microsoft.com/office/drawing/2010/main" val="0"/>
+              </a:ext>
+            </a:extLst>
+          </a:blip>
+          <a:srcRect/>
+          <a:stretch>
+            <a:fillRect/>
+          </a:stretch>
+        </p:blipFill>
+        <p:spPr bwMode="auto">
+          <a:xfrm>
+            <a:off x="3341982" y="2386106"/>
+            <a:ext cx="5508035" cy="3835307"/>
+          </a:xfrm>
+          <a:prstGeom prst="rect">
+            <a:avLst/>
+          </a:prstGeom>
+          <a:noFill/>
+          <a:ln>
+            <a:noFill/>
+          </a:ln>
+          <a:extLst>
+            <a:ext uri="{909E8E84-426E-40DD-AFC4-6F175D3DCCD1}">
+              <a14:hiddenFill xmlns:a14="http://schemas.microsoft.com/office/drawing/2010/main">
+                <a:solidFill>
+                  <a:srgbClr val="FFFFFF"/>
+                </a:solidFill>
+              </a14:hiddenFill>
+            </a:ext>
+            <a:ext uri="{91240B29-F687-4F45-9708-019B960494DF}">
+              <a14:hiddenLine xmlns:a14="http://schemas.microsoft.com/office/drawing/2010/main" w="9525">
+                <a:solidFill>
+                  <a:srgbClr val="000000"/>
+                </a:solidFill>
+                <a:miter lim="800000"/>
+                <a:headEnd/>
+                <a:tailEnd/>
+              </a14:hiddenLine>
+            </a:ext>
+          </a:extLst>
+        </p:spPr>
+      </p:pic>
+    </p:spTree>
+    <p:extLst>
+      <p:ext uri="{BB962C8B-B14F-4D97-AF65-F5344CB8AC3E}">
+        <p14:creationId xmlns:p14="http://schemas.microsoft.com/office/powerpoint/2010/main" val="3220663025"/>
+      </p:ext>
+    </p:extLst>
+  </p:cSld>
+  <p:clrMapOvr>
+    <a:masterClrMapping/>
+  </p:clrMapOvr>
+  <p:timing>
+    <p:tnLst>
+      <p:par>
+        <p:cTn id="1" dur="indefinite" restart="never" nodeType="tmRoot"/>
+      </p:par>
+    </p:tnLst>
+  </p:timing>
+</p:sld>
+</file>
+
+<file path=ppt/slides/slide43.xml><?xml version="1.0" encoding="utf-8"?>
+<p:sld xmlns:a="http://schemas.openxmlformats.org/drawingml/2006/main" xmlns:r="http://schemas.openxmlformats.org/officeDocument/2006/relationships" xmlns:p="http://schemas.openxmlformats.org/presentationml/2006/main">
+  <p:cSld>
+    <p:spTree>
+      <p:nvGrpSpPr>
+        <p:cNvPr id="1" name=""/>
+        <p:cNvGrpSpPr/>
+        <p:nvPr/>
+      </p:nvGrpSpPr>
+      <p:grpSpPr>
+        <a:xfrm>
+          <a:off x="0" y="0"/>
+          <a:ext cx="0" cy="0"/>
+          <a:chOff x="0" y="0"/>
+          <a:chExt cx="0" cy="0"/>
+        </a:xfrm>
+      </p:grpSpPr>
+      <p:sp>
+        <p:nvSpPr>
+          <p:cNvPr id="2" name="Title 1"/>
+          <p:cNvSpPr>
+            <a:spLocks noGrp="1"/>
+          </p:cNvSpPr>
+          <p:nvPr>
+            <p:ph type="title"/>
+          </p:nvPr>
+        </p:nvSpPr>
+        <p:spPr/>
+        <p:txBody>
+          <a:bodyPr/>
+          <a:lstStyle/>
+          <a:p>
+            <a:r>
+              <a:rPr lang="tr-TR" dirty="0"/>
+              <a:t>Modern Bilgisayarın Bileşenleri:</a:t>
+            </a:r>
+          </a:p>
+        </p:txBody>
+      </p:sp>
+      <p:sp>
+        <p:nvSpPr>
+          <p:cNvPr id="3" name="Content Placeholder 2"/>
+          <p:cNvSpPr>
+            <a:spLocks noGrp="1"/>
+          </p:cNvSpPr>
+          <p:nvPr>
+            <p:ph idx="1"/>
+          </p:nvPr>
+        </p:nvSpPr>
+        <p:spPr>
+          <a:xfrm>
+            <a:off x="838200" y="1825625"/>
+            <a:ext cx="10515600" cy="4680000"/>
+          </a:xfrm>
+        </p:spPr>
+        <p:txBody>
+          <a:bodyPr>
+            <a:normAutofit/>
+          </a:bodyPr>
+          <a:lstStyle/>
+          <a:p>
+            <a:endParaRPr lang="tr-TR" dirty="0"/>
+          </a:p>
+        </p:txBody>
+      </p:sp>
+      <p:sp>
+        <p:nvSpPr>
+          <p:cNvPr id="4" name="Date Placeholder 3"/>
+          <p:cNvSpPr>
+            <a:spLocks noGrp="1"/>
+          </p:cNvSpPr>
+          <p:nvPr>
+            <p:ph type="dt" sz="half" idx="10"/>
+          </p:nvPr>
+        </p:nvSpPr>
+        <p:spPr/>
+        <p:txBody>
+          <a:bodyPr/>
+          <a:lstStyle/>
+          <a:p>
+            <a:r>
+              <a:rPr lang="en-US" smtClean="0"/>
+              <a:t>1/20/2023</a:t>
+            </a:r>
+            <a:endParaRPr lang="en-US" dirty="0"/>
+          </a:p>
+        </p:txBody>
+      </p:sp>
+      <p:sp>
+        <p:nvSpPr>
+          <p:cNvPr id="5" name="Footer Placeholder 4"/>
+          <p:cNvSpPr>
+            <a:spLocks noGrp="1"/>
+          </p:cNvSpPr>
+          <p:nvPr>
+            <p:ph type="ftr" sz="quarter" idx="11"/>
+          </p:nvPr>
+        </p:nvSpPr>
+        <p:spPr/>
+        <p:txBody>
+          <a:bodyPr/>
+          <a:lstStyle/>
+          <a:p>
+            <a:r>
+              <a:rPr lang="en-US" smtClean="0"/>
+              <a:t>Sercan KÜLCÜ, Tanenbaum, Modern Operating Systems 3e kitabından faydalanılmıştır. Tüm hakları saklıdır.</a:t>
+            </a:r>
+            <a:endParaRPr lang="en-US" dirty="0"/>
+          </a:p>
+        </p:txBody>
+      </p:sp>
+      <p:sp>
+        <p:nvSpPr>
+          <p:cNvPr id="6" name="Slide Number Placeholder 5"/>
+          <p:cNvSpPr>
+            <a:spLocks noGrp="1"/>
+          </p:cNvSpPr>
+          <p:nvPr>
+            <p:ph type="sldNum" sz="quarter" idx="12"/>
+          </p:nvPr>
+        </p:nvSpPr>
+        <p:spPr/>
+        <p:txBody>
+          <a:bodyPr/>
+          <a:lstStyle/>
+          <a:p>
+            <a:fld id="{D57F1E4F-1CFF-5643-939E-217C01CDF565}" type="slidenum">
+              <a:rPr lang="en-US" smtClean="0"/>
+              <a:pPr/>
+              <a:t>43</a:t>
+            </a:fld>
+            <a:endParaRPr lang="en-US" dirty="0"/>
+          </a:p>
+        </p:txBody>
+      </p:sp>
+    </p:spTree>
+    <p:extLst>
+      <p:ext uri="{BB962C8B-B14F-4D97-AF65-F5344CB8AC3E}">
+        <p14:creationId xmlns:p14="http://schemas.microsoft.com/office/powerpoint/2010/main" val="4250830553"/>
+      </p:ext>
+    </p:extLst>
+  </p:cSld>
+  <p:clrMapOvr>
+    <a:masterClrMapping/>
+  </p:clrMapOvr>
+  <p:timing>
+    <p:tnLst>
+      <p:par>
+        <p:cTn id="1" dur="indefinite" restart="never" nodeType="tmRoot"/>
+      </p:par>
+    </p:tnLst>
+  </p:timing>
+</p:sld>
+</file>
+
+<file path=ppt/slides/slide44.xml><?xml version="1.0" encoding="utf-8"?>
+<p:sld xmlns:a="http://schemas.openxmlformats.org/drawingml/2006/main" xmlns:r="http://schemas.openxmlformats.org/officeDocument/2006/relationships" xmlns:p="http://schemas.openxmlformats.org/presentationml/2006/main">
+  <p:cSld>
+    <p:spTree>
+      <p:nvGrpSpPr>
+        <p:cNvPr id="1" name=""/>
+        <p:cNvGrpSpPr/>
+        <p:nvPr/>
+      </p:nvGrpSpPr>
+      <p:grpSpPr>
+        <a:xfrm>
+          <a:off x="0" y="0"/>
+          <a:ext cx="0" cy="0"/>
+          <a:chOff x="0" y="0"/>
+          <a:chExt cx="0" cy="0"/>
+        </a:xfrm>
+      </p:grpSpPr>
+      <p:sp>
+        <p:nvSpPr>
+          <p:cNvPr id="2" name="Title 1"/>
+          <p:cNvSpPr>
+            <a:spLocks noGrp="1"/>
+          </p:cNvSpPr>
+          <p:nvPr>
+            <p:ph type="title"/>
+          </p:nvPr>
+        </p:nvSpPr>
+        <p:spPr/>
+        <p:txBody>
+          <a:bodyPr/>
+          <a:lstStyle/>
+          <a:p>
+            <a:r>
+              <a:rPr lang="tr-TR" dirty="0"/>
+              <a:t>Modern Bilgisayarın Bileşenleri:</a:t>
+            </a:r>
+          </a:p>
+        </p:txBody>
+      </p:sp>
+      <p:sp>
+        <p:nvSpPr>
+          <p:cNvPr id="3" name="Content Placeholder 2"/>
+          <p:cNvSpPr>
+            <a:spLocks noGrp="1"/>
+          </p:cNvSpPr>
+          <p:nvPr>
+            <p:ph idx="1"/>
+          </p:nvPr>
+        </p:nvSpPr>
+        <p:spPr>
+          <a:xfrm>
+            <a:off x="838200" y="1825625"/>
+            <a:ext cx="10515600" cy="4680000"/>
+          </a:xfrm>
+        </p:spPr>
+        <p:txBody>
+          <a:bodyPr>
+            <a:normAutofit/>
+          </a:bodyPr>
+          <a:lstStyle/>
+          <a:p>
+            <a:endParaRPr lang="tr-TR" dirty="0"/>
+          </a:p>
+        </p:txBody>
+      </p:sp>
+      <p:sp>
+        <p:nvSpPr>
+          <p:cNvPr id="4" name="Date Placeholder 3"/>
+          <p:cNvSpPr>
+            <a:spLocks noGrp="1"/>
+          </p:cNvSpPr>
+          <p:nvPr>
+            <p:ph type="dt" sz="half" idx="10"/>
+          </p:nvPr>
+        </p:nvSpPr>
+        <p:spPr/>
+        <p:txBody>
+          <a:bodyPr/>
+          <a:lstStyle/>
+          <a:p>
+            <a:r>
+              <a:rPr lang="en-US" smtClean="0"/>
+              <a:t>1/20/2023</a:t>
+            </a:r>
+            <a:endParaRPr lang="en-US" dirty="0"/>
+          </a:p>
+        </p:txBody>
+      </p:sp>
+      <p:sp>
+        <p:nvSpPr>
+          <p:cNvPr id="5" name="Footer Placeholder 4"/>
+          <p:cNvSpPr>
+            <a:spLocks noGrp="1"/>
+          </p:cNvSpPr>
+          <p:nvPr>
+            <p:ph type="ftr" sz="quarter" idx="11"/>
+          </p:nvPr>
+        </p:nvSpPr>
+        <p:spPr/>
+        <p:txBody>
+          <a:bodyPr/>
+          <a:lstStyle/>
+          <a:p>
+            <a:r>
+              <a:rPr lang="en-US" smtClean="0"/>
+              <a:t>Sercan KÜLCÜ, Tanenbaum, Modern Operating Systems 3e kitabından faydalanılmıştır. Tüm hakları saklıdır.</a:t>
+            </a:r>
+            <a:endParaRPr lang="en-US" dirty="0"/>
+          </a:p>
+        </p:txBody>
+      </p:sp>
+      <p:sp>
+        <p:nvSpPr>
+          <p:cNvPr id="6" name="Slide Number Placeholder 5"/>
+          <p:cNvSpPr>
+            <a:spLocks noGrp="1"/>
+          </p:cNvSpPr>
+          <p:nvPr>
+            <p:ph type="sldNum" sz="quarter" idx="12"/>
+          </p:nvPr>
+        </p:nvSpPr>
+        <p:spPr/>
+        <p:txBody>
+          <a:bodyPr/>
+          <a:lstStyle/>
+          <a:p>
+            <a:fld id="{D57F1E4F-1CFF-5643-939E-217C01CDF565}" type="slidenum">
+              <a:rPr lang="en-US" smtClean="0"/>
+              <a:pPr/>
+              <a:t>44</a:t>
+            </a:fld>
+            <a:endParaRPr lang="en-US" dirty="0"/>
+          </a:p>
+        </p:txBody>
+      </p:sp>
+    </p:spTree>
+    <p:extLst>
+      <p:ext uri="{BB962C8B-B14F-4D97-AF65-F5344CB8AC3E}">
+        <p14:creationId xmlns:p14="http://schemas.microsoft.com/office/powerpoint/2010/main" val="3986739865"/>
+      </p:ext>
+    </p:extLst>
+  </p:cSld>
+  <p:clrMapOvr>
+    <a:masterClrMapping/>
+  </p:clrMapOvr>
+  <p:timing>
+    <p:tnLst>
+      <p:par>
+        <p:cTn id="1" dur="indefinite" restart="never" nodeType="tmRoot"/>
+      </p:par>
+    </p:tnLst>
+  </p:timing>
+</p:sld>
+</file>
+
+<file path=ppt/slides/slide45.xml><?xml version="1.0" encoding="utf-8"?>
+<p:sld xmlns:a="http://schemas.openxmlformats.org/drawingml/2006/main" xmlns:r="http://schemas.openxmlformats.org/officeDocument/2006/relationships" xmlns:p="http://schemas.openxmlformats.org/presentationml/2006/main">
+  <p:cSld>
+    <p:spTree>
+      <p:nvGrpSpPr>
+        <p:cNvPr id="1" name=""/>
+        <p:cNvGrpSpPr/>
+        <p:nvPr/>
+      </p:nvGrpSpPr>
+      <p:grpSpPr>
+        <a:xfrm>
+          <a:off x="0" y="0"/>
+          <a:ext cx="0" cy="0"/>
+          <a:chOff x="0" y="0"/>
+          <a:chExt cx="0" cy="0"/>
+        </a:xfrm>
+      </p:grpSpPr>
+      <p:sp>
+        <p:nvSpPr>
+          <p:cNvPr id="2" name="Title 1"/>
+          <p:cNvSpPr>
+            <a:spLocks noGrp="1"/>
+          </p:cNvSpPr>
+          <p:nvPr>
+            <p:ph type="title"/>
+          </p:nvPr>
+        </p:nvSpPr>
+        <p:spPr/>
+        <p:txBody>
+          <a:bodyPr/>
+          <a:lstStyle/>
+          <a:p>
+            <a:r>
+              <a:rPr lang="tr-TR" dirty="0"/>
+              <a:t>Modern Bilgisayarın Bileşenleri:</a:t>
+            </a:r>
+          </a:p>
+        </p:txBody>
+      </p:sp>
+      <p:sp>
+        <p:nvSpPr>
+          <p:cNvPr id="3" name="Content Placeholder 2"/>
+          <p:cNvSpPr>
+            <a:spLocks noGrp="1"/>
+          </p:cNvSpPr>
+          <p:nvPr>
+            <p:ph idx="1"/>
+          </p:nvPr>
+        </p:nvSpPr>
+        <p:spPr>
+          <a:xfrm>
+            <a:off x="838200" y="1825625"/>
+            <a:ext cx="10515600" cy="4680000"/>
+          </a:xfrm>
+        </p:spPr>
+        <p:txBody>
+          <a:bodyPr>
+            <a:normAutofit/>
+          </a:bodyPr>
+          <a:lstStyle/>
+          <a:p>
+            <a:endParaRPr lang="tr-TR" dirty="0"/>
+          </a:p>
+        </p:txBody>
+      </p:sp>
+      <p:sp>
+        <p:nvSpPr>
+          <p:cNvPr id="4" name="Date Placeholder 3"/>
+          <p:cNvSpPr>
+            <a:spLocks noGrp="1"/>
+          </p:cNvSpPr>
+          <p:nvPr>
+            <p:ph type="dt" sz="half" idx="10"/>
+          </p:nvPr>
+        </p:nvSpPr>
+        <p:spPr/>
+        <p:txBody>
+          <a:bodyPr/>
+          <a:lstStyle/>
+          <a:p>
+            <a:r>
+              <a:rPr lang="en-US" smtClean="0"/>
+              <a:t>1/20/2023</a:t>
+            </a:r>
+            <a:endParaRPr lang="en-US" dirty="0"/>
+          </a:p>
+        </p:txBody>
+      </p:sp>
+      <p:sp>
+        <p:nvSpPr>
+          <p:cNvPr id="5" name="Footer Placeholder 4"/>
+          <p:cNvSpPr>
+            <a:spLocks noGrp="1"/>
+          </p:cNvSpPr>
+          <p:nvPr>
+            <p:ph type="ftr" sz="quarter" idx="11"/>
+          </p:nvPr>
+        </p:nvSpPr>
+        <p:spPr/>
+        <p:txBody>
+          <a:bodyPr/>
+          <a:lstStyle/>
+          <a:p>
+            <a:r>
+              <a:rPr lang="en-US" smtClean="0"/>
+              <a:t>Sercan KÜLCÜ, Tanenbaum, Modern Operating Systems 3e kitabından faydalanılmıştır. Tüm hakları saklıdır.</a:t>
+            </a:r>
+            <a:endParaRPr lang="en-US" dirty="0"/>
+          </a:p>
+        </p:txBody>
+      </p:sp>
+      <p:sp>
+        <p:nvSpPr>
+          <p:cNvPr id="6" name="Slide Number Placeholder 5"/>
+          <p:cNvSpPr>
+            <a:spLocks noGrp="1"/>
+          </p:cNvSpPr>
+          <p:nvPr>
+            <p:ph type="sldNum" sz="quarter" idx="12"/>
+          </p:nvPr>
+        </p:nvSpPr>
+        <p:spPr/>
+        <p:txBody>
+          <a:bodyPr/>
+          <a:lstStyle/>
+          <a:p>
+            <a:fld id="{D57F1E4F-1CFF-5643-939E-217C01CDF565}" type="slidenum">
+              <a:rPr lang="en-US" smtClean="0"/>
+              <a:pPr/>
+              <a:t>45</a:t>
+            </a:fld>
+            <a:endParaRPr lang="en-US" dirty="0"/>
+          </a:p>
+        </p:txBody>
+      </p:sp>
+    </p:spTree>
+    <p:extLst>
+      <p:ext uri="{BB962C8B-B14F-4D97-AF65-F5344CB8AC3E}">
+        <p14:creationId xmlns:p14="http://schemas.microsoft.com/office/powerpoint/2010/main" val="3566007107"/>
+      </p:ext>
+    </p:extLst>
+  </p:cSld>
+  <p:clrMapOvr>
+    <a:masterClrMapping/>
+  </p:clrMapOvr>
+  <p:timing>
+    <p:tnLst>
+      <p:par>
+        <p:cTn id="1" dur="indefinite" restart="never" nodeType="tmRoot"/>
+      </p:par>
+    </p:tnLst>
+  </p:timing>
+</p:sld>
+</file>
+
+<file path=ppt/slides/slide46.xml><?xml version="1.0" encoding="utf-8"?>
+<p:sld xmlns:a="http://schemas.openxmlformats.org/drawingml/2006/main" xmlns:r="http://schemas.openxmlformats.org/officeDocument/2006/relationships" xmlns:p="http://schemas.openxmlformats.org/presentationml/2006/main">
+  <p:cSld>
+    <p:spTree>
+      <p:nvGrpSpPr>
+        <p:cNvPr id="1" name=""/>
+        <p:cNvGrpSpPr/>
+        <p:nvPr/>
+      </p:nvGrpSpPr>
+      <p:grpSpPr>
+        <a:xfrm>
+          <a:off x="0" y="0"/>
+          <a:ext cx="0" cy="0"/>
+          <a:chOff x="0" y="0"/>
+          <a:chExt cx="0" cy="0"/>
+        </a:xfrm>
+      </p:grpSpPr>
+      <p:sp>
+        <p:nvSpPr>
+          <p:cNvPr id="2" name="Title 1"/>
+          <p:cNvSpPr>
+            <a:spLocks noGrp="1"/>
+          </p:cNvSpPr>
+          <p:nvPr>
+            <p:ph type="title"/>
+          </p:nvPr>
+        </p:nvSpPr>
+        <p:spPr/>
+        <p:txBody>
+          <a:bodyPr/>
+          <a:lstStyle/>
+          <a:p>
+            <a:r>
+              <a:rPr lang="tr-TR" dirty="0"/>
+              <a:t>Modern Bilgisayarın Bileşenleri:</a:t>
+            </a:r>
+          </a:p>
+        </p:txBody>
+      </p:sp>
+      <p:sp>
+        <p:nvSpPr>
+          <p:cNvPr id="3" name="Content Placeholder 2"/>
+          <p:cNvSpPr>
+            <a:spLocks noGrp="1"/>
+          </p:cNvSpPr>
+          <p:nvPr>
+            <p:ph idx="1"/>
+          </p:nvPr>
+        </p:nvSpPr>
+        <p:spPr>
+          <a:xfrm>
+            <a:off x="838200" y="1825625"/>
+            <a:ext cx="10515600" cy="4680000"/>
+          </a:xfrm>
+        </p:spPr>
+        <p:txBody>
+          <a:bodyPr>
+            <a:normAutofit/>
+          </a:bodyPr>
+          <a:lstStyle/>
+          <a:p>
+            <a:endParaRPr lang="tr-TR" dirty="0"/>
+          </a:p>
+        </p:txBody>
+      </p:sp>
+      <p:sp>
+        <p:nvSpPr>
+          <p:cNvPr id="4" name="Date Placeholder 3"/>
+          <p:cNvSpPr>
+            <a:spLocks noGrp="1"/>
+          </p:cNvSpPr>
+          <p:nvPr>
+            <p:ph type="dt" sz="half" idx="10"/>
+          </p:nvPr>
+        </p:nvSpPr>
+        <p:spPr/>
+        <p:txBody>
+          <a:bodyPr/>
+          <a:lstStyle/>
+          <a:p>
+            <a:r>
+              <a:rPr lang="en-US" smtClean="0"/>
+              <a:t>1/20/2023</a:t>
+            </a:r>
+            <a:endParaRPr lang="en-US" dirty="0"/>
+          </a:p>
+        </p:txBody>
+      </p:sp>
+      <p:sp>
+        <p:nvSpPr>
+          <p:cNvPr id="5" name="Footer Placeholder 4"/>
+          <p:cNvSpPr>
+            <a:spLocks noGrp="1"/>
+          </p:cNvSpPr>
+          <p:nvPr>
+            <p:ph type="ftr" sz="quarter" idx="11"/>
+          </p:nvPr>
+        </p:nvSpPr>
+        <p:spPr/>
+        <p:txBody>
+          <a:bodyPr/>
+          <a:lstStyle/>
+          <a:p>
+            <a:r>
+              <a:rPr lang="en-US" smtClean="0"/>
+              <a:t>Sercan KÜLCÜ, Tanenbaum, Modern Operating Systems 3e kitabından faydalanılmıştır. Tüm hakları saklıdır.</a:t>
+            </a:r>
+            <a:endParaRPr lang="en-US" dirty="0"/>
+          </a:p>
+        </p:txBody>
+      </p:sp>
+      <p:sp>
+        <p:nvSpPr>
+          <p:cNvPr id="6" name="Slide Number Placeholder 5"/>
+          <p:cNvSpPr>
+            <a:spLocks noGrp="1"/>
+          </p:cNvSpPr>
+          <p:nvPr>
+            <p:ph type="sldNum" sz="quarter" idx="12"/>
+          </p:nvPr>
+        </p:nvSpPr>
+        <p:spPr/>
+        <p:txBody>
+          <a:bodyPr/>
+          <a:lstStyle/>
+          <a:p>
+            <a:fld id="{D57F1E4F-1CFF-5643-939E-217C01CDF565}" type="slidenum">
+              <a:rPr lang="en-US" smtClean="0"/>
+              <a:pPr/>
+              <a:t>46</a:t>
+            </a:fld>
+            <a:endParaRPr lang="en-US" dirty="0"/>
+          </a:p>
+        </p:txBody>
+      </p:sp>
+    </p:spTree>
+    <p:extLst>
+      <p:ext uri="{BB962C8B-B14F-4D97-AF65-F5344CB8AC3E}">
+        <p14:creationId xmlns:p14="http://schemas.microsoft.com/office/powerpoint/2010/main" val="1188102042"/>
+      </p:ext>
+    </p:extLst>
+  </p:cSld>
+  <p:clrMapOvr>
+    <a:masterClrMapping/>
+  </p:clrMapOvr>
+  <p:timing>
+    <p:tnLst>
+      <p:par>
+        <p:cTn id="1" dur="indefinite" restart="never" nodeType="tmRoot"/>
+      </p:par>
+    </p:tnLst>
+  </p:timing>
+</p:sld>
+</file>
+
+<file path=ppt/slides/slide47.xml><?xml version="1.0" encoding="utf-8"?>
+<p:sld xmlns:a="http://schemas.openxmlformats.org/drawingml/2006/main" xmlns:r="http://schemas.openxmlformats.org/officeDocument/2006/relationships" xmlns:p="http://schemas.openxmlformats.org/presentationml/2006/main">
+  <p:cSld>
+    <p:spTree>
+      <p:nvGrpSpPr>
+        <p:cNvPr id="1" name=""/>
+        <p:cNvGrpSpPr/>
+        <p:nvPr/>
+      </p:nvGrpSpPr>
+      <p:grpSpPr>
+        <a:xfrm>
+          <a:off x="0" y="0"/>
+          <a:ext cx="0" cy="0"/>
+          <a:chOff x="0" y="0"/>
+          <a:chExt cx="0" cy="0"/>
+        </a:xfrm>
+      </p:grpSpPr>
+      <p:sp>
+        <p:nvSpPr>
+          <p:cNvPr id="2" name="Title 1"/>
+          <p:cNvSpPr>
+            <a:spLocks noGrp="1"/>
+          </p:cNvSpPr>
+          <p:nvPr>
+            <p:ph type="title"/>
+          </p:nvPr>
+        </p:nvSpPr>
+        <p:spPr/>
+        <p:txBody>
+          <a:bodyPr/>
+          <a:lstStyle/>
+          <a:p>
+            <a:r>
+              <a:rPr lang="tr-TR" dirty="0"/>
+              <a:t>Modern Bilgisayarın Bileşenleri:</a:t>
+            </a:r>
+          </a:p>
+        </p:txBody>
+      </p:sp>
+      <p:sp>
+        <p:nvSpPr>
+          <p:cNvPr id="3" name="Content Placeholder 2"/>
+          <p:cNvSpPr>
+            <a:spLocks noGrp="1"/>
+          </p:cNvSpPr>
+          <p:nvPr>
+            <p:ph idx="1"/>
+          </p:nvPr>
+        </p:nvSpPr>
+        <p:spPr>
+          <a:xfrm>
+            <a:off x="838200" y="1825625"/>
+            <a:ext cx="10515600" cy="4680000"/>
+          </a:xfrm>
+        </p:spPr>
+        <p:txBody>
+          <a:bodyPr>
+            <a:normAutofit/>
+          </a:bodyPr>
+          <a:lstStyle/>
+          <a:p>
+            <a:endParaRPr lang="tr-TR" dirty="0"/>
+          </a:p>
+        </p:txBody>
+      </p:sp>
+      <p:sp>
+        <p:nvSpPr>
+          <p:cNvPr id="4" name="Date Placeholder 3"/>
+          <p:cNvSpPr>
+            <a:spLocks noGrp="1"/>
+          </p:cNvSpPr>
+          <p:nvPr>
+            <p:ph type="dt" sz="half" idx="10"/>
+          </p:nvPr>
+        </p:nvSpPr>
+        <p:spPr/>
+        <p:txBody>
+          <a:bodyPr/>
+          <a:lstStyle/>
+          <a:p>
+            <a:r>
+              <a:rPr lang="en-US" smtClean="0"/>
+              <a:t>1/20/2023</a:t>
+            </a:r>
+            <a:endParaRPr lang="en-US" dirty="0"/>
+          </a:p>
+        </p:txBody>
+      </p:sp>
+      <p:sp>
+        <p:nvSpPr>
+          <p:cNvPr id="5" name="Footer Placeholder 4"/>
+          <p:cNvSpPr>
+            <a:spLocks noGrp="1"/>
+          </p:cNvSpPr>
+          <p:nvPr>
+            <p:ph type="ftr" sz="quarter" idx="11"/>
+          </p:nvPr>
+        </p:nvSpPr>
+        <p:spPr/>
+        <p:txBody>
+          <a:bodyPr/>
+          <a:lstStyle/>
+          <a:p>
+            <a:r>
+              <a:rPr lang="en-US" smtClean="0"/>
+              <a:t>Sercan KÜLCÜ, Tanenbaum, Modern Operating Systems 3e kitabından faydalanılmıştır. Tüm hakları saklıdır.</a:t>
+            </a:r>
+            <a:endParaRPr lang="en-US" dirty="0"/>
+          </a:p>
+        </p:txBody>
+      </p:sp>
+      <p:sp>
+        <p:nvSpPr>
+          <p:cNvPr id="6" name="Slide Number Placeholder 5"/>
+          <p:cNvSpPr>
+            <a:spLocks noGrp="1"/>
+          </p:cNvSpPr>
+          <p:nvPr>
+            <p:ph type="sldNum" sz="quarter" idx="12"/>
+          </p:nvPr>
+        </p:nvSpPr>
+        <p:spPr/>
+        <p:txBody>
+          <a:bodyPr/>
+          <a:lstStyle/>
+          <a:p>
+            <a:fld id="{D57F1E4F-1CFF-5643-939E-217C01CDF565}" type="slidenum">
+              <a:rPr lang="en-US" smtClean="0"/>
+              <a:pPr/>
+              <a:t>47</a:t>
+            </a:fld>
+            <a:endParaRPr lang="en-US" dirty="0"/>
+          </a:p>
+        </p:txBody>
+      </p:sp>
+    </p:spTree>
+    <p:extLst>
+      <p:ext uri="{BB962C8B-B14F-4D97-AF65-F5344CB8AC3E}">
+        <p14:creationId xmlns:p14="http://schemas.microsoft.com/office/powerpoint/2010/main" val="1370784790"/>
+      </p:ext>
+    </p:extLst>
+  </p:cSld>
+  <p:clrMapOvr>
+    <a:masterClrMapping/>
+  </p:clrMapOvr>
+  <p:timing>
+    <p:tnLst>
+      <p:par>
+        <p:cTn id="1" dur="indefinite" restart="never" nodeType="tmRoot"/>
+      </p:par>
+    </p:tnLst>
+  </p:timing>
+</p:sld>
+</file>
+
+<file path=ppt/slides/slide48.xml><?xml version="1.0" encoding="utf-8"?>
+<p:sld xmlns:a="http://schemas.openxmlformats.org/drawingml/2006/main" xmlns:r="http://schemas.openxmlformats.org/officeDocument/2006/relationships" xmlns:p="http://schemas.openxmlformats.org/presentationml/2006/main">
+  <p:cSld>
+    <p:spTree>
+      <p:nvGrpSpPr>
+        <p:cNvPr id="1" name=""/>
+        <p:cNvGrpSpPr/>
+        <p:nvPr/>
+      </p:nvGrpSpPr>
+      <p:grpSpPr>
+        <a:xfrm>
+          <a:off x="0" y="0"/>
+          <a:ext cx="0" cy="0"/>
+          <a:chOff x="0" y="0"/>
+          <a:chExt cx="0" cy="0"/>
+        </a:xfrm>
+      </p:grpSpPr>
+      <p:sp>
+        <p:nvSpPr>
+          <p:cNvPr id="2" name="Title 1"/>
+          <p:cNvSpPr>
+            <a:spLocks noGrp="1"/>
+          </p:cNvSpPr>
+          <p:nvPr>
+            <p:ph type="title"/>
+          </p:nvPr>
+        </p:nvSpPr>
+        <p:spPr/>
+        <p:txBody>
+          <a:bodyPr/>
+          <a:lstStyle/>
+          <a:p>
+            <a:r>
+              <a:rPr lang="tr-TR" dirty="0"/>
+              <a:t>Modern Bilgisayarın Bileşenleri:</a:t>
+            </a:r>
+          </a:p>
+        </p:txBody>
+      </p:sp>
+      <p:sp>
+        <p:nvSpPr>
+          <p:cNvPr id="3" name="Content Placeholder 2"/>
+          <p:cNvSpPr>
+            <a:spLocks noGrp="1"/>
+          </p:cNvSpPr>
+          <p:nvPr>
+            <p:ph idx="1"/>
+          </p:nvPr>
+        </p:nvSpPr>
+        <p:spPr>
+          <a:xfrm>
+            <a:off x="838200" y="1825625"/>
+            <a:ext cx="10515600" cy="4680000"/>
+          </a:xfrm>
+        </p:spPr>
+        <p:txBody>
+          <a:bodyPr>
+            <a:normAutofit/>
+          </a:bodyPr>
+          <a:lstStyle/>
+          <a:p>
+            <a:endParaRPr lang="tr-TR" dirty="0"/>
+          </a:p>
+        </p:txBody>
+      </p:sp>
+      <p:sp>
+        <p:nvSpPr>
+          <p:cNvPr id="4" name="Date Placeholder 3"/>
+          <p:cNvSpPr>
+            <a:spLocks noGrp="1"/>
+          </p:cNvSpPr>
+          <p:nvPr>
+            <p:ph type="dt" sz="half" idx="10"/>
+          </p:nvPr>
+        </p:nvSpPr>
+        <p:spPr/>
+        <p:txBody>
+          <a:bodyPr/>
+          <a:lstStyle/>
+          <a:p>
+            <a:r>
+              <a:rPr lang="en-US" smtClean="0"/>
+              <a:t>1/20/2023</a:t>
+            </a:r>
+            <a:endParaRPr lang="en-US" dirty="0"/>
+          </a:p>
+        </p:txBody>
+      </p:sp>
+      <p:sp>
+        <p:nvSpPr>
+          <p:cNvPr id="5" name="Footer Placeholder 4"/>
+          <p:cNvSpPr>
+            <a:spLocks noGrp="1"/>
+          </p:cNvSpPr>
+          <p:nvPr>
+            <p:ph type="ftr" sz="quarter" idx="11"/>
+          </p:nvPr>
+        </p:nvSpPr>
+        <p:spPr/>
+        <p:txBody>
+          <a:bodyPr/>
+          <a:lstStyle/>
+          <a:p>
+            <a:r>
+              <a:rPr lang="en-US" smtClean="0"/>
+              <a:t>Sercan KÜLCÜ, Tanenbaum, Modern Operating Systems 3e kitabından faydalanılmıştır. Tüm hakları saklıdır.</a:t>
+            </a:r>
+            <a:endParaRPr lang="en-US" dirty="0"/>
+          </a:p>
+        </p:txBody>
+      </p:sp>
+      <p:sp>
+        <p:nvSpPr>
+          <p:cNvPr id="6" name="Slide Number Placeholder 5"/>
+          <p:cNvSpPr>
+            <a:spLocks noGrp="1"/>
+          </p:cNvSpPr>
+          <p:nvPr>
+            <p:ph type="sldNum" sz="quarter" idx="12"/>
+          </p:nvPr>
+        </p:nvSpPr>
+        <p:spPr/>
+        <p:txBody>
+          <a:bodyPr/>
+          <a:lstStyle/>
+          <a:p>
+            <a:fld id="{D57F1E4F-1CFF-5643-939E-217C01CDF565}" type="slidenum">
+              <a:rPr lang="en-US" smtClean="0"/>
+              <a:pPr/>
+              <a:t>48</a:t>
+            </a:fld>
+            <a:endParaRPr lang="en-US" dirty="0"/>
+          </a:p>
+        </p:txBody>
+      </p:sp>
+    </p:spTree>
+    <p:extLst>
+      <p:ext uri="{BB962C8B-B14F-4D97-AF65-F5344CB8AC3E}">
+        <p14:creationId xmlns:p14="http://schemas.microsoft.com/office/powerpoint/2010/main" val="2081545440"/>
+      </p:ext>
+    </p:extLst>
+  </p:cSld>
+  <p:clrMapOvr>
+    <a:masterClrMapping/>
+  </p:clrMapOvr>
+  <p:timing>
+    <p:tnLst>
+      <p:par>
+        <p:cTn id="1" dur="indefinite" restart="never" nodeType="tmRoot"/>
+      </p:par>
+    </p:tnLst>
+  </p:timing>
+</p:sld>
+</file>
+
+<file path=ppt/slides/slide49.xml><?xml version="1.0" encoding="utf-8"?>
+<p:sld xmlns:a="http://schemas.openxmlformats.org/drawingml/2006/main" xmlns:r="http://schemas.openxmlformats.org/officeDocument/2006/relationships" xmlns:p="http://schemas.openxmlformats.org/presentationml/2006/main">
+  <p:cSld>
+    <p:spTree>
+      <p:nvGrpSpPr>
+        <p:cNvPr id="1" name=""/>
+        <p:cNvGrpSpPr/>
+        <p:nvPr/>
+      </p:nvGrpSpPr>
+      <p:grpSpPr>
+        <a:xfrm>
+          <a:off x="0" y="0"/>
+          <a:ext cx="0" cy="0"/>
+          <a:chOff x="0" y="0"/>
+          <a:chExt cx="0" cy="0"/>
+        </a:xfrm>
+      </p:grpSpPr>
+      <p:sp>
+        <p:nvSpPr>
+          <p:cNvPr id="2" name="Title 1"/>
+          <p:cNvSpPr>
+            <a:spLocks noGrp="1"/>
+          </p:cNvSpPr>
+          <p:nvPr>
+            <p:ph type="title"/>
+          </p:nvPr>
+        </p:nvSpPr>
+        <p:spPr/>
+        <p:txBody>
+          <a:bodyPr/>
+          <a:lstStyle/>
+          <a:p>
+            <a:endParaRPr lang="tr-TR" dirty="0"/>
+          </a:p>
+        </p:txBody>
+      </p:sp>
+      <p:sp>
+        <p:nvSpPr>
+          <p:cNvPr id="3" name="Content Placeholder 2"/>
+          <p:cNvSpPr>
+            <a:spLocks noGrp="1"/>
+          </p:cNvSpPr>
+          <p:nvPr>
+            <p:ph idx="1"/>
+          </p:nvPr>
+        </p:nvSpPr>
+        <p:spPr>
+          <a:xfrm>
+            <a:off x="838200" y="1825625"/>
+            <a:ext cx="10515600" cy="4680000"/>
+          </a:xfrm>
+        </p:spPr>
+        <p:txBody>
+          <a:bodyPr>
+            <a:normAutofit/>
+          </a:bodyPr>
+          <a:lstStyle/>
+          <a:p>
             <a:endParaRPr lang="tr-TR" dirty="0" smtClean="0"/>
           </a:p>
           <a:p>
@@ -11392,7 +13100,7 @@
             <a:fld id="{D57F1E4F-1CFF-5643-939E-217C01CDF565}" type="slidenum">
               <a:rPr lang="en-US" smtClean="0"/>
               <a:pPr/>
-              <a:t>40</a:t>
+              <a:t>49</a:t>
             </a:fld>
             <a:endParaRPr lang="en-US" dirty="0"/>
           </a:p>

--- a/files/os/4_Bolum_4_Dosya.pptx
+++ b/files/os/4_Bolum_4_Dosya.pptx
@@ -5,7 +5,7 @@
     <p:sldMasterId id="2147483935" r:id="rId1"/>
   </p:sldMasterIdLst>
   <p:notesMasterIdLst>
-    <p:notesMasterId r:id="rId51"/>
+    <p:notesMasterId r:id="rId86"/>
   </p:notesMasterIdLst>
   <p:sldIdLst>
     <p:sldId id="256" r:id="rId2"/>
@@ -53,10 +53,45 @@
     <p:sldId id="353" r:id="rId44"/>
     <p:sldId id="354" r:id="rId45"/>
     <p:sldId id="355" r:id="rId46"/>
-    <p:sldId id="356" r:id="rId47"/>
-    <p:sldId id="357" r:id="rId48"/>
-    <p:sldId id="358" r:id="rId49"/>
-    <p:sldId id="312" r:id="rId50"/>
+    <p:sldId id="360" r:id="rId47"/>
+    <p:sldId id="356" r:id="rId48"/>
+    <p:sldId id="357" r:id="rId49"/>
+    <p:sldId id="361" r:id="rId50"/>
+    <p:sldId id="358" r:id="rId51"/>
+    <p:sldId id="393" r:id="rId52"/>
+    <p:sldId id="362" r:id="rId53"/>
+    <p:sldId id="394" r:id="rId54"/>
+    <p:sldId id="363" r:id="rId55"/>
+    <p:sldId id="364" r:id="rId56"/>
+    <p:sldId id="365" r:id="rId57"/>
+    <p:sldId id="366" r:id="rId58"/>
+    <p:sldId id="367" r:id="rId59"/>
+    <p:sldId id="368" r:id="rId60"/>
+    <p:sldId id="369" r:id="rId61"/>
+    <p:sldId id="370" r:id="rId62"/>
+    <p:sldId id="371" r:id="rId63"/>
+    <p:sldId id="372" r:id="rId64"/>
+    <p:sldId id="373" r:id="rId65"/>
+    <p:sldId id="374" r:id="rId66"/>
+    <p:sldId id="375" r:id="rId67"/>
+    <p:sldId id="376" r:id="rId68"/>
+    <p:sldId id="377" r:id="rId69"/>
+    <p:sldId id="378" r:id="rId70"/>
+    <p:sldId id="379" r:id="rId71"/>
+    <p:sldId id="380" r:id="rId72"/>
+    <p:sldId id="381" r:id="rId73"/>
+    <p:sldId id="382" r:id="rId74"/>
+    <p:sldId id="383" r:id="rId75"/>
+    <p:sldId id="384" r:id="rId76"/>
+    <p:sldId id="385" r:id="rId77"/>
+    <p:sldId id="386" r:id="rId78"/>
+    <p:sldId id="387" r:id="rId79"/>
+    <p:sldId id="388" r:id="rId80"/>
+    <p:sldId id="389" r:id="rId81"/>
+    <p:sldId id="390" r:id="rId82"/>
+    <p:sldId id="391" r:id="rId83"/>
+    <p:sldId id="392" r:id="rId84"/>
+    <p:sldId id="312" r:id="rId85"/>
   </p:sldIdLst>
   <p:sldSz cx="12192000" cy="6858000"/>
   <p:notesSz cx="6858000" cy="9144000"/>
@@ -12052,9 +12087,10 @@
           <a:lstStyle/>
           <a:p>
             <a:r>
-              <a:rPr lang="tr-TR" dirty="0"/>
-              <a:t>Modern Bilgisayarın Bileşenleri:</a:t>
-            </a:r>
+              <a:rPr lang="tr-TR" dirty="0" smtClean="0"/>
+              <a:t>Paylaşımlı Dosyalar</a:t>
+            </a:r>
+            <a:endParaRPr lang="tr-TR" dirty="0"/>
           </a:p>
         </p:txBody>
       </p:sp>
@@ -12080,6 +12116,58 @@
           </a:bodyPr>
           <a:lstStyle/>
           <a:p>
+            <a:r>
+              <a:rPr lang="tr-TR" dirty="0"/>
+              <a:t>Paylaşılan bir dosya içeren </a:t>
+            </a:r>
+            <a:r>
+              <a:rPr lang="tr-TR" dirty="0" smtClean="0"/>
+              <a:t>dosya </a:t>
+            </a:r>
+          </a:p>
+          <a:p>
+            <a:pPr marL="0" indent="0">
+              <a:buNone/>
+            </a:pPr>
+            <a:r>
+              <a:rPr lang="tr-TR" dirty="0" smtClean="0"/>
+              <a:t>sistemi</a:t>
+            </a:r>
+            <a:r>
+              <a:rPr lang="tr-TR" dirty="0"/>
+              <a:t>. Dosya sistemleri </a:t>
+            </a:r>
+            <a:endParaRPr lang="tr-TR" dirty="0" smtClean="0"/>
+          </a:p>
+          <a:p>
+            <a:pPr marL="0" indent="0">
+              <a:buNone/>
+            </a:pPr>
+            <a:r>
+              <a:rPr lang="tr-TR" dirty="0" smtClean="0"/>
+              <a:t>Bir yönlendirilmiş </a:t>
+            </a:r>
+            <a:r>
+              <a:rPr lang="tr-TR" dirty="0" err="1" smtClean="0"/>
+              <a:t>döngüsüz</a:t>
+            </a:r>
+            <a:r>
+              <a:rPr lang="tr-TR" dirty="0" smtClean="0"/>
+              <a:t> </a:t>
+            </a:r>
+          </a:p>
+          <a:p>
+            <a:pPr marL="0" indent="0">
+              <a:buNone/>
+            </a:pPr>
+            <a:r>
+              <a:rPr lang="tr-TR" dirty="0" smtClean="0"/>
+              <a:t>ağaçtır (</a:t>
+            </a:r>
+            <a:r>
+              <a:rPr lang="tr-TR" dirty="0"/>
+              <a:t>DAG)</a:t>
+            </a:r>
             <a:endParaRPr lang="tr-TR" dirty="0"/>
           </a:p>
         </p:txBody>
@@ -12154,6 +12242,60 @@
           </a:p>
         </p:txBody>
       </p:sp>
+      <p:pic>
+        <p:nvPicPr>
+          <p:cNvPr id="7" name="Picture 6" descr="D:\b\b4\IBM\04-16.jpg"/>
+          <p:cNvPicPr>
+            <a:picLocks noChangeAspect="1" noChangeArrowheads="1"/>
+          </p:cNvPicPr>
+          <p:nvPr/>
+        </p:nvPicPr>
+        <p:blipFill>
+          <a:blip r:embed="rId2">
+            <a:extLst>
+              <a:ext uri="{28A0092B-C50C-407E-A947-70E740481C1C}">
+                <a14:useLocalDpi xmlns:a14="http://schemas.microsoft.com/office/drawing/2010/main" val="0"/>
+              </a:ext>
+            </a:extLst>
+          </a:blip>
+          <a:srcRect/>
+          <a:stretch>
+            <a:fillRect/>
+          </a:stretch>
+        </p:blipFill>
+        <p:spPr bwMode="auto">
+          <a:xfrm>
+            <a:off x="6555295" y="1162595"/>
+            <a:ext cx="4996625" cy="4729711"/>
+          </a:xfrm>
+          <a:prstGeom prst="rect">
+            <a:avLst/>
+          </a:prstGeom>
+          <a:noFill/>
+          <a:ln>
+            <a:noFill/>
+          </a:ln>
+          <a:extLst>
+            <a:ext uri="{909E8E84-426E-40DD-AFC4-6F175D3DCCD1}">
+              <a14:hiddenFill xmlns:a14="http://schemas.microsoft.com/office/drawing/2010/main">
+                <a:solidFill>
+                  <a:srgbClr val="FFFFFF"/>
+                </a:solidFill>
+              </a14:hiddenFill>
+            </a:ext>
+            <a:ext uri="{91240B29-F687-4F45-9708-019B960494DF}">
+              <a14:hiddenLine xmlns:a14="http://schemas.microsoft.com/office/drawing/2010/main" w="9525">
+                <a:solidFill>
+                  <a:srgbClr val="000000"/>
+                </a:solidFill>
+                <a:miter lim="800000"/>
+                <a:headEnd/>
+                <a:tailEnd/>
+              </a14:hiddenLine>
+            </a:ext>
+          </a:extLst>
+        </p:spPr>
+      </p:pic>
     </p:spTree>
     <p:extLst>
       <p:ext uri="{BB962C8B-B14F-4D97-AF65-F5344CB8AC3E}">
@@ -12208,8 +12350,9 @@
           <a:p>
             <a:r>
               <a:rPr lang="tr-TR" dirty="0"/>
-              <a:t>Modern Bilgisayarın Bileşenleri:</a:t>
-            </a:r>
+              <a:t>Paylaşımlı Dosyalar</a:t>
+            </a:r>
+            <a:endParaRPr lang="tr-TR" dirty="0"/>
           </a:p>
         </p:txBody>
       </p:sp>
@@ -12235,6 +12378,82 @@
           </a:bodyPr>
           <a:lstStyle/>
           <a:p>
+            <a:r>
+              <a:rPr lang="tr-TR" dirty="0"/>
+              <a:t>B veya C yeni bloklar eklerse, diğer sahip nasıl öğrenir</a:t>
+            </a:r>
+            <a:r>
+              <a:rPr lang="tr-TR" dirty="0" smtClean="0"/>
+              <a:t>?</a:t>
+            </a:r>
+          </a:p>
+          <a:p>
+            <a:r>
+              <a:rPr lang="tr-TR" dirty="0" smtClean="0"/>
+              <a:t>Paylaşılan </a:t>
+            </a:r>
+            <a:r>
+              <a:rPr lang="tr-TR" dirty="0"/>
+              <a:t>dosyalar için özel i-</a:t>
+            </a:r>
+            <a:r>
+              <a:rPr lang="tr-TR" dirty="0" err="1"/>
+              <a:t>node</a:t>
+            </a:r>
+            <a:r>
+              <a:rPr lang="tr-TR" dirty="0"/>
+              <a:t> </a:t>
+            </a:r>
+            <a:r>
+              <a:rPr lang="tr-TR" dirty="0" smtClean="0"/>
+              <a:t>kullan - dosyanın </a:t>
+            </a:r>
+            <a:r>
+              <a:rPr lang="tr-TR" dirty="0"/>
+              <a:t>paylaşıldığını </a:t>
+            </a:r>
+            <a:r>
+              <a:rPr lang="tr-TR" dirty="0" smtClean="0"/>
+              <a:t>gösterir</a:t>
+            </a:r>
+          </a:p>
+          <a:p>
+            <a:r>
+              <a:rPr lang="tr-TR" dirty="0"/>
+              <a:t>Sembolik bağlantı (</a:t>
+            </a:r>
+            <a:r>
+              <a:rPr lang="tr-TR" dirty="0" err="1"/>
+              <a:t>symbolic</a:t>
+            </a:r>
+            <a:r>
+              <a:rPr lang="tr-TR" dirty="0"/>
+              <a:t> </a:t>
+            </a:r>
+            <a:r>
+              <a:rPr lang="tr-TR" dirty="0" smtClean="0"/>
+              <a:t>link) </a:t>
+            </a:r>
+            <a:r>
+              <a:rPr lang="tr-TR" dirty="0"/>
+              <a:t>kullanın - sahibi C ise, B'nin dizinine konulan özel bir dosya. Bağlı </a:t>
+            </a:r>
+            <a:r>
+              <a:rPr lang="tr-TR" dirty="0" smtClean="0"/>
+              <a:t>(</a:t>
+            </a:r>
+            <a:r>
+              <a:rPr lang="tr-TR" dirty="0" err="1" smtClean="0"/>
+              <a:t>linked</a:t>
+            </a:r>
+            <a:r>
+              <a:rPr lang="tr-TR" dirty="0" smtClean="0"/>
+              <a:t>) olduğu </a:t>
+            </a:r>
+            <a:r>
+              <a:rPr lang="tr-TR" dirty="0"/>
+              <a:t>dosyanın yol adını içerir</a:t>
+            </a:r>
             <a:endParaRPr lang="tr-TR" dirty="0"/>
           </a:p>
         </p:txBody>
@@ -12362,9 +12581,18 @@
           <a:lstStyle/>
           <a:p>
             <a:r>
-              <a:rPr lang="tr-TR" dirty="0"/>
-              <a:t>Modern Bilgisayarın Bileşenleri:</a:t>
-            </a:r>
+              <a:rPr lang="tr-TR" dirty="0" smtClean="0"/>
+              <a:t>I-</a:t>
+            </a:r>
+            <a:r>
+              <a:rPr lang="tr-TR" dirty="0" err="1" smtClean="0"/>
+              <a:t>node</a:t>
+            </a:r>
+            <a:r>
+              <a:rPr lang="tr-TR" dirty="0" smtClean="0"/>
+              <a:t> Problem</a:t>
+            </a:r>
+            <a:endParaRPr lang="tr-TR" dirty="0"/>
           </a:p>
         </p:txBody>
       </p:sp>
@@ -12390,6 +12618,78 @@
           </a:bodyPr>
           <a:lstStyle/>
           <a:p>
+            <a:r>
+              <a:rPr lang="tr-TR" dirty="0"/>
+              <a:t>C dosyayı kaldırırsa, B'nin dizini paylaşılan dosya için hala i-</a:t>
+            </a:r>
+            <a:r>
+              <a:rPr lang="tr-TR" dirty="0" err="1"/>
+              <a:t>node'u</a:t>
+            </a:r>
+            <a:r>
+              <a:rPr lang="tr-TR" dirty="0"/>
+              <a:t> işaret eder</a:t>
+            </a:r>
+            <a:r>
+              <a:rPr lang="tr-TR" dirty="0" smtClean="0"/>
+              <a:t>.</a:t>
+            </a:r>
+          </a:p>
+          <a:p>
+            <a:r>
+              <a:rPr lang="tr-TR" dirty="0" smtClean="0"/>
+              <a:t>i-</a:t>
+            </a:r>
+            <a:r>
+              <a:rPr lang="tr-TR" dirty="0" err="1" smtClean="0"/>
+              <a:t>node</a:t>
+            </a:r>
+            <a:r>
+              <a:rPr lang="tr-TR" dirty="0" smtClean="0"/>
+              <a:t> </a:t>
+            </a:r>
+            <a:r>
+              <a:rPr lang="tr-TR" dirty="0"/>
+              <a:t>başka bir dosya için yeniden kullanılırsa, B'nin girişi </a:t>
+            </a:r>
+            <a:r>
+              <a:rPr lang="tr-TR" dirty="0" smtClean="0"/>
+              <a:t>noktası yanlış </a:t>
+            </a:r>
+            <a:r>
+              <a:rPr lang="tr-TR" dirty="0"/>
+              <a:t>i-</a:t>
+            </a:r>
+            <a:r>
+              <a:rPr lang="tr-TR" dirty="0" err="1"/>
+              <a:t>node'u</a:t>
+            </a:r>
+            <a:r>
+              <a:rPr lang="tr-TR" dirty="0"/>
+              <a:t> gösterir</a:t>
+            </a:r>
+            <a:r>
+              <a:rPr lang="tr-TR" dirty="0" smtClean="0"/>
+              <a:t>.</a:t>
+            </a:r>
+          </a:p>
+          <a:p>
+            <a:r>
+              <a:rPr lang="tr-TR" dirty="0" smtClean="0"/>
+              <a:t>Çözüm</a:t>
+            </a:r>
+            <a:r>
+              <a:rPr lang="tr-TR" dirty="0"/>
+              <a:t>, i-</a:t>
+            </a:r>
+            <a:r>
+              <a:rPr lang="tr-TR" dirty="0" err="1"/>
+              <a:t>node'dan</a:t>
+            </a:r>
+            <a:r>
+              <a:rPr lang="tr-TR" dirty="0"/>
+              <a:t> çıkmak ve sahip sayısını azaltmaktır.</a:t>
+            </a:r>
             <a:endParaRPr lang="tr-TR" dirty="0"/>
           </a:p>
         </p:txBody>
@@ -12517,9 +12817,18 @@
           <a:lstStyle/>
           <a:p>
             <a:r>
-              <a:rPr lang="tr-TR" dirty="0"/>
-              <a:t>Modern Bilgisayarın Bileşenleri:</a:t>
-            </a:r>
+              <a:rPr lang="tr-TR" dirty="0" smtClean="0"/>
+              <a:t>I-</a:t>
+            </a:r>
+            <a:r>
+              <a:rPr lang="tr-TR" dirty="0" err="1" smtClean="0"/>
+              <a:t>node</a:t>
+            </a:r>
+            <a:r>
+              <a:rPr lang="tr-TR" dirty="0" smtClean="0"/>
+              <a:t> Problem</a:t>
+            </a:r>
+            <a:endParaRPr lang="tr-TR" dirty="0"/>
           </a:p>
         </p:txBody>
       </p:sp>
@@ -12545,6 +12854,13 @@
           </a:bodyPr>
           <a:lstStyle/>
           <a:p>
+            <a:pPr marL="0" indent="0">
+              <a:buNone/>
+            </a:pPr>
+            <a:r>
+              <a:rPr lang="tr-TR" dirty="0"/>
+              <a:t>(a) Bağlamadan önceki durum. (b) Bağlantı oluşturulduktan sonra. (c) Orijinal sahibi dosyayı kaldırdıktan sonra.</a:t>
+            </a:r>
             <a:endParaRPr lang="tr-TR" dirty="0"/>
           </a:p>
         </p:txBody>
@@ -12619,10 +12935,64 @@
           </a:p>
         </p:txBody>
       </p:sp>
+      <p:pic>
+        <p:nvPicPr>
+          <p:cNvPr id="7" name="Picture 6" descr="D:\b\b4\IBM\04-17.jpg"/>
+          <p:cNvPicPr>
+            <a:picLocks noChangeAspect="1" noChangeArrowheads="1"/>
+          </p:cNvPicPr>
+          <p:nvPr/>
+        </p:nvPicPr>
+        <p:blipFill>
+          <a:blip r:embed="rId2">
+            <a:extLst>
+              <a:ext uri="{28A0092B-C50C-407E-A947-70E740481C1C}">
+                <a14:useLocalDpi xmlns:a14="http://schemas.microsoft.com/office/drawing/2010/main" val="0"/>
+              </a:ext>
+            </a:extLst>
+          </a:blip>
+          <a:srcRect/>
+          <a:stretch>
+            <a:fillRect/>
+          </a:stretch>
+        </p:blipFill>
+        <p:spPr bwMode="auto">
+          <a:xfrm>
+            <a:off x="2648484" y="2836821"/>
+            <a:ext cx="6345534" cy="3303679"/>
+          </a:xfrm>
+          <a:prstGeom prst="rect">
+            <a:avLst/>
+          </a:prstGeom>
+          <a:noFill/>
+          <a:ln>
+            <a:noFill/>
+          </a:ln>
+          <a:extLst>
+            <a:ext uri="{909E8E84-426E-40DD-AFC4-6F175D3DCCD1}">
+              <a14:hiddenFill xmlns:a14="http://schemas.microsoft.com/office/drawing/2010/main">
+                <a:solidFill>
+                  <a:srgbClr val="FFFFFF"/>
+                </a:solidFill>
+              </a14:hiddenFill>
+            </a:ext>
+            <a:ext uri="{91240B29-F687-4F45-9708-019B960494DF}">
+              <a14:hiddenLine xmlns:a14="http://schemas.microsoft.com/office/drawing/2010/main" w="9525">
+                <a:solidFill>
+                  <a:srgbClr val="000000"/>
+                </a:solidFill>
+                <a:miter lim="800000"/>
+                <a:headEnd/>
+                <a:tailEnd/>
+              </a14:hiddenLine>
+            </a:ext>
+          </a:extLst>
+        </p:spPr>
+      </p:pic>
     </p:spTree>
     <p:extLst>
       <p:ext uri="{BB962C8B-B14F-4D97-AF65-F5344CB8AC3E}">
-        <p14:creationId xmlns:p14="http://schemas.microsoft.com/office/powerpoint/2010/main" val="1188102042"/>
+        <p14:creationId xmlns:p14="http://schemas.microsoft.com/office/powerpoint/2010/main" val="4112848398"/>
       </p:ext>
     </p:extLst>
   </p:cSld>
@@ -12672,9 +13042,10 @@
           <a:lstStyle/>
           <a:p>
             <a:r>
-              <a:rPr lang="tr-TR" dirty="0"/>
-              <a:t>Modern Bilgisayarın Bileşenleri:</a:t>
-            </a:r>
+              <a:rPr lang="tr-TR" dirty="0" smtClean="0"/>
+              <a:t>Sembolik Bağlantı</a:t>
+            </a:r>
+            <a:endParaRPr lang="tr-TR" dirty="0"/>
           </a:p>
         </p:txBody>
       </p:sp>
@@ -12700,6 +13071,38 @@
           </a:bodyPr>
           <a:lstStyle/>
           <a:p>
+            <a:r>
+              <a:rPr lang="tr-TR" dirty="0"/>
+              <a:t>Sembolik bağlantı sorunu </a:t>
+            </a:r>
+            <a:r>
+              <a:rPr lang="tr-TR" dirty="0" smtClean="0"/>
+              <a:t>çözer</a:t>
+            </a:r>
+          </a:p>
+          <a:p>
+            <a:r>
+              <a:rPr lang="tr-TR" dirty="0" smtClean="0"/>
+              <a:t>Çok </a:t>
+            </a:r>
+            <a:r>
+              <a:rPr lang="tr-TR" dirty="0"/>
+              <a:t>fazla sembolik bağlantıya sahip olabilir ve bunların takip edilmesi zaman alır</a:t>
+            </a:r>
+            <a:r>
+              <a:rPr lang="tr-TR" dirty="0" smtClean="0"/>
+              <a:t>.</a:t>
+            </a:r>
+          </a:p>
+          <a:p>
+            <a:r>
+              <a:rPr lang="tr-TR" dirty="0" smtClean="0"/>
+              <a:t>Büyük </a:t>
+            </a:r>
+            <a:r>
+              <a:rPr lang="tr-TR" dirty="0"/>
+              <a:t>avantaj - diğer makinelerdeki dosyalara işaret edebilir</a:t>
+            </a:r>
             <a:endParaRPr lang="tr-TR" dirty="0"/>
           </a:p>
         </p:txBody>
@@ -12777,7 +13180,7 @@
     </p:spTree>
     <p:extLst>
       <p:ext uri="{BB962C8B-B14F-4D97-AF65-F5344CB8AC3E}">
-        <p14:creationId xmlns:p14="http://schemas.microsoft.com/office/powerpoint/2010/main" val="1370784790"/>
+        <p14:creationId xmlns:p14="http://schemas.microsoft.com/office/powerpoint/2010/main" val="1188102042"/>
       </p:ext>
     </p:extLst>
   </p:cSld>
@@ -12827,9 +13230,22 @@
           <a:lstStyle/>
           <a:p>
             <a:r>
-              <a:rPr lang="tr-TR" dirty="0"/>
-              <a:t>Modern Bilgisayarın Bileşenleri:</a:t>
-            </a:r>
+              <a:rPr lang="tr-TR" dirty="0" smtClean="0"/>
+              <a:t>Günlük (</a:t>
+            </a:r>
+            <a:r>
+              <a:rPr lang="tr-TR" dirty="0" err="1" smtClean="0"/>
+              <a:t>log</a:t>
+            </a:r>
+            <a:r>
+              <a:rPr lang="tr-TR" dirty="0" smtClean="0"/>
+              <a:t>) </a:t>
+            </a:r>
+            <a:r>
+              <a:rPr lang="tr-TR" dirty="0"/>
+              <a:t>Yapılandırılmış Dosya Sistemi</a:t>
+            </a:r>
+            <a:endParaRPr lang="tr-TR" dirty="0"/>
           </a:p>
         </p:txBody>
       </p:sp>
@@ -12855,6 +13271,176 @@
           </a:bodyPr>
           <a:lstStyle/>
           <a:p>
+            <a:r>
+              <a:rPr lang="tr-TR" dirty="0"/>
+              <a:t>CPU daha hızlı, diskler ve bellekler daha büyük </a:t>
+            </a:r>
+            <a:r>
+              <a:rPr lang="tr-TR" dirty="0" smtClean="0"/>
+              <a:t>ancak </a:t>
+            </a:r>
+            <a:r>
+              <a:rPr lang="tr-TR" dirty="0"/>
+              <a:t>disk arama süresi </a:t>
+            </a:r>
+            <a:r>
+              <a:rPr lang="tr-TR" dirty="0" smtClean="0"/>
+              <a:t>azalmadı</a:t>
+            </a:r>
+          </a:p>
+          <a:p>
+            <a:r>
+              <a:rPr lang="tr-TR" dirty="0" smtClean="0"/>
+              <a:t>Daha </a:t>
+            </a:r>
+            <a:r>
+              <a:rPr lang="tr-TR" dirty="0"/>
+              <a:t>büyük önbellekler - önbellekten okuma </a:t>
+            </a:r>
+            <a:r>
+              <a:rPr lang="tr-TR" dirty="0" smtClean="0"/>
+              <a:t>yapabilir</a:t>
+            </a:r>
+          </a:p>
+          <a:p>
+            <a:r>
+              <a:rPr lang="tr-TR" dirty="0" smtClean="0"/>
+              <a:t>Diskteki verilerin </a:t>
+            </a:r>
+            <a:r>
+              <a:rPr lang="tr-TR" dirty="0"/>
+              <a:t>güncellenmesi gerektiğinden yazma </a:t>
+            </a:r>
+            <a:r>
+              <a:rPr lang="tr-TR" dirty="0" smtClean="0"/>
+              <a:t>işlemleri optimize edilmeli</a:t>
+            </a:r>
+          </a:p>
+          <a:p>
+            <a:r>
+              <a:rPr lang="tr-TR" dirty="0" smtClean="0"/>
+              <a:t>Disk </a:t>
+            </a:r>
+            <a:r>
+              <a:rPr lang="tr-TR" dirty="0" err="1" smtClean="0"/>
+              <a:t>log-collect</a:t>
+            </a:r>
+            <a:r>
+              <a:rPr lang="tr-TR" dirty="0" smtClean="0"/>
+              <a:t> </a:t>
+            </a:r>
+            <a:r>
+              <a:rPr lang="tr-TR" dirty="0"/>
+              <a:t>olarak </a:t>
+            </a:r>
+            <a:r>
+              <a:rPr lang="tr-TR" dirty="0" smtClean="0"/>
+              <a:t>yapılandırılır </a:t>
+            </a:r>
+            <a:r>
+              <a:rPr lang="tr-TR" dirty="0"/>
+              <a:t>ve </a:t>
+            </a:r>
+            <a:r>
+              <a:rPr lang="tr-TR" dirty="0" err="1" smtClean="0"/>
+              <a:t>logları</a:t>
+            </a:r>
+            <a:r>
+              <a:rPr lang="tr-TR" dirty="0" smtClean="0"/>
+              <a:t> periyodik </a:t>
+            </a:r>
+            <a:r>
+              <a:rPr lang="tr-TR" dirty="0"/>
+              <a:t>olarak diskteki bir </a:t>
+            </a:r>
+            <a:r>
+              <a:rPr lang="tr-TR" dirty="0" err="1"/>
+              <a:t>segmente</a:t>
+            </a:r>
+            <a:r>
+              <a:rPr lang="tr-TR" dirty="0"/>
+              <a:t> </a:t>
+            </a:r>
+            <a:r>
+              <a:rPr lang="tr-TR" dirty="0" smtClean="0"/>
+              <a:t>gönderir. Yazma işlemleri çok </a:t>
+            </a:r>
+            <a:r>
+              <a:rPr lang="tr-TR" dirty="0"/>
+              <a:t>küçük olma </a:t>
+            </a:r>
+            <a:r>
+              <a:rPr lang="tr-TR" dirty="0" smtClean="0"/>
+              <a:t>eğilimindedir</a:t>
+            </a:r>
+          </a:p>
+          <a:p>
+            <a:r>
+              <a:rPr lang="tr-TR" dirty="0" err="1" smtClean="0"/>
+              <a:t>Segment</a:t>
+            </a:r>
+            <a:r>
+              <a:rPr lang="tr-TR" dirty="0"/>
+              <a:t>, içerik özetine sahiptir (</a:t>
+            </a:r>
+            <a:r>
+              <a:rPr lang="tr-TR" dirty="0" smtClean="0"/>
+              <a:t>i-</a:t>
+            </a:r>
+            <a:r>
+              <a:rPr lang="tr-TR" dirty="0" err="1" smtClean="0"/>
+              <a:t>nodes</a:t>
+            </a:r>
+            <a:r>
+              <a:rPr lang="tr-TR" dirty="0" smtClean="0"/>
+              <a:t>, </a:t>
+            </a:r>
+            <a:r>
+              <a:rPr lang="tr-TR" dirty="0"/>
+              <a:t>dizinler</a:t>
+            </a:r>
+            <a:r>
+              <a:rPr lang="tr-TR" dirty="0" smtClean="0"/>
+              <a:t>….).</a:t>
+            </a:r>
+          </a:p>
+          <a:p>
+            <a:r>
+              <a:rPr lang="tr-TR" dirty="0" smtClean="0"/>
+              <a:t>i-</a:t>
+            </a:r>
+            <a:r>
+              <a:rPr lang="tr-TR" dirty="0" err="1" smtClean="0"/>
+              <a:t>node</a:t>
+            </a:r>
+            <a:r>
+              <a:rPr lang="tr-TR" dirty="0" smtClean="0"/>
+              <a:t> haritası </a:t>
+            </a:r>
+            <a:r>
+              <a:rPr lang="tr-TR" dirty="0"/>
+              <a:t>diskte </a:t>
+            </a:r>
+            <a:r>
+              <a:rPr lang="tr-TR" dirty="0" smtClean="0"/>
+              <a:t>tutulur </a:t>
+            </a:r>
+            <a:r>
+              <a:rPr lang="tr-TR" dirty="0"/>
+              <a:t>ve i-</a:t>
+            </a:r>
+            <a:r>
+              <a:rPr lang="tr-TR" dirty="0" err="1"/>
+              <a:t>node'ları</a:t>
+            </a:r>
+            <a:r>
+              <a:rPr lang="tr-TR" dirty="0"/>
+              <a:t> bulmak için bellekte önbelleğe </a:t>
+            </a:r>
+            <a:r>
+              <a:rPr lang="tr-TR" dirty="0" smtClean="0"/>
+              <a:t>alınır</a:t>
+            </a:r>
             <a:endParaRPr lang="tr-TR" dirty="0"/>
           </a:p>
         </p:txBody>
@@ -12932,7 +13518,7 @@
     </p:spTree>
     <p:extLst>
       <p:ext uri="{BB962C8B-B14F-4D97-AF65-F5344CB8AC3E}">
-        <p14:creationId xmlns:p14="http://schemas.microsoft.com/office/powerpoint/2010/main" val="2081545440"/>
+        <p14:creationId xmlns:p14="http://schemas.microsoft.com/office/powerpoint/2010/main" val="1370784790"/>
       </p:ext>
     </p:extLst>
   </p:cSld>
@@ -12981,6 +13567,26 @@
           <a:bodyPr/>
           <a:lstStyle/>
           <a:p>
+            <a:r>
+              <a:rPr lang="tr-TR" dirty="0"/>
+              <a:t>Günlük </a:t>
+            </a:r>
+            <a:r>
+              <a:rPr lang="tr-TR" dirty="0" smtClean="0"/>
+              <a:t>(</a:t>
+            </a:r>
+            <a:r>
+              <a:rPr lang="tr-TR" dirty="0" err="1" smtClean="0"/>
+              <a:t>log</a:t>
+            </a:r>
+            <a:r>
+              <a:rPr lang="tr-TR" dirty="0" smtClean="0"/>
+              <a:t>) Yapılandırılmış </a:t>
+            </a:r>
+            <a:r>
+              <a:rPr lang="tr-TR" dirty="0"/>
+              <a:t>Dosya Sistemi</a:t>
+            </a:r>
             <a:endParaRPr lang="tr-TR" dirty="0"/>
           </a:p>
         </p:txBody>
@@ -13007,31 +13613,82 @@
           </a:bodyPr>
           <a:lstStyle/>
           <a:p>
+            <a:r>
+              <a:rPr lang="tr-TR" dirty="0"/>
+              <a:t>Temizleyici iş parçacığı günlüğü sıkıştırır. </a:t>
+            </a:r>
             <a:endParaRPr lang="tr-TR" dirty="0" smtClean="0"/>
           </a:p>
           <a:p>
-            <a:endParaRPr lang="tr-TR" dirty="0"/>
-          </a:p>
-          <a:p>
+            <a:r>
+              <a:rPr lang="tr-TR" dirty="0" err="1" smtClean="0"/>
+              <a:t>Segmenti</a:t>
+            </a:r>
+            <a:r>
+              <a:rPr lang="tr-TR" dirty="0" smtClean="0"/>
+              <a:t> </a:t>
+            </a:r>
+            <a:r>
+              <a:rPr lang="tr-TR" dirty="0"/>
+              <a:t>mevcut i-düğümler için tarar, kullanılmayanları atar ve mevcut olanları belleğe gönderir</a:t>
+            </a:r>
+            <a:r>
+              <a:rPr lang="tr-TR" dirty="0" smtClean="0"/>
+              <a:t>.</a:t>
+            </a:r>
+          </a:p>
+          <a:p>
+            <a:r>
+              <a:rPr lang="tr-TR" dirty="0" smtClean="0"/>
+              <a:t>Yazıcı </a:t>
+            </a:r>
+            <a:r>
+              <a:rPr lang="tr-TR" dirty="0"/>
+              <a:t>iş parçacığı, mevcut olanları yeni </a:t>
+            </a:r>
+            <a:r>
+              <a:rPr lang="tr-TR" dirty="0" err="1"/>
+              <a:t>segmente</a:t>
+            </a:r>
+            <a:r>
+              <a:rPr lang="tr-TR" dirty="0"/>
+              <a:t> yazar</a:t>
+            </a:r>
+            <a:r>
+              <a:rPr lang="tr-TR" dirty="0" smtClean="0"/>
+              <a:t>.</a:t>
+            </a:r>
+          </a:p>
+          <a:p>
+            <a:r>
+              <a:rPr lang="tr-TR" dirty="0" smtClean="0"/>
+              <a:t>Unix'te </a:t>
+            </a:r>
+            <a:r>
+              <a:rPr lang="tr-TR" dirty="0"/>
+              <a:t>iyi çalışır. </a:t>
+            </a:r>
             <a:endParaRPr lang="tr-TR" dirty="0" smtClean="0"/>
           </a:p>
           <a:p>
-            <a:pPr marL="0" indent="0" algn="ctr">
-              <a:buNone/>
-            </a:pPr>
-            <a:r>
-              <a:rPr lang="tr-TR" dirty="0" smtClean="0"/>
-              <a:t>SON</a:t>
-            </a:r>
-            <a:endParaRPr lang="tr-TR" dirty="0"/>
-          </a:p>
-          <a:p>
-            <a:endParaRPr lang="tr-TR" dirty="0"/>
-          </a:p>
-          <a:p>
-            <a:endParaRPr lang="tr-TR" dirty="0"/>
-          </a:p>
-          <a:p>
+            <a:r>
+              <a:rPr lang="tr-TR" dirty="0" smtClean="0"/>
+              <a:t>Çoğu </a:t>
+            </a:r>
+            <a:r>
+              <a:rPr lang="tr-TR" dirty="0"/>
+              <a:t>dosya sistemiyle uyumlu </a:t>
+            </a:r>
+            <a:r>
+              <a:rPr lang="tr-TR" dirty="0" smtClean="0"/>
+              <a:t>değil</a:t>
+            </a:r>
+          </a:p>
+          <a:p>
+            <a:r>
+              <a:rPr lang="tr-TR" dirty="0" smtClean="0"/>
+              <a:t>Kullanılmıyor</a:t>
+            </a:r>
             <a:endParaRPr lang="tr-TR" dirty="0"/>
           </a:p>
         </p:txBody>
@@ -13109,7 +13766,7 @@
     </p:spTree>
     <p:extLst>
       <p:ext uri="{BB962C8B-B14F-4D97-AF65-F5344CB8AC3E}">
-        <p14:creationId xmlns:p14="http://schemas.microsoft.com/office/powerpoint/2010/main" val="2824592776"/>
+        <p14:creationId xmlns:p14="http://schemas.microsoft.com/office/powerpoint/2010/main" val="2933437063"/>
       </p:ext>
     </p:extLst>
   </p:cSld>
@@ -13396,6 +14053,2113 @@
 </p:sld>
 </file>
 
+<file path=ppt/slides/slide50.xml><?xml version="1.0" encoding="utf-8"?>
+<p:sld xmlns:a="http://schemas.openxmlformats.org/drawingml/2006/main" xmlns:r="http://schemas.openxmlformats.org/officeDocument/2006/relationships" xmlns:p="http://schemas.openxmlformats.org/presentationml/2006/main">
+  <p:cSld>
+    <p:spTree>
+      <p:nvGrpSpPr>
+        <p:cNvPr id="1" name=""/>
+        <p:cNvGrpSpPr/>
+        <p:nvPr/>
+      </p:nvGrpSpPr>
+      <p:grpSpPr>
+        <a:xfrm>
+          <a:off x="0" y="0"/>
+          <a:ext cx="0" cy="0"/>
+          <a:chOff x="0" y="0"/>
+          <a:chExt cx="0" cy="0"/>
+        </a:xfrm>
+      </p:grpSpPr>
+      <p:sp>
+        <p:nvSpPr>
+          <p:cNvPr id="2" name="Title 1"/>
+          <p:cNvSpPr>
+            <a:spLocks noGrp="1"/>
+          </p:cNvSpPr>
+          <p:nvPr>
+            <p:ph type="title"/>
+          </p:nvPr>
+        </p:nvSpPr>
+        <p:spPr/>
+        <p:txBody>
+          <a:bodyPr/>
+          <a:lstStyle/>
+          <a:p>
+            <a:r>
+              <a:rPr lang="tr-TR" dirty="0"/>
+              <a:t>Günlük </a:t>
+            </a:r>
+            <a:r>
+              <a:rPr lang="tr-TR" dirty="0" smtClean="0"/>
+              <a:t>(</a:t>
+            </a:r>
+            <a:r>
+              <a:rPr lang="tr-TR" dirty="0" err="1" smtClean="0"/>
+              <a:t>journaling</a:t>
+            </a:r>
+            <a:r>
+              <a:rPr lang="tr-TR" dirty="0" smtClean="0"/>
+              <a:t>) Dosya </a:t>
+            </a:r>
+            <a:r>
+              <a:rPr lang="tr-TR" dirty="0"/>
+              <a:t>Sistemleri</a:t>
+            </a:r>
+            <a:endParaRPr lang="tr-TR" dirty="0"/>
+          </a:p>
+        </p:txBody>
+      </p:sp>
+      <p:sp>
+        <p:nvSpPr>
+          <p:cNvPr id="3" name="Content Placeholder 2"/>
+          <p:cNvSpPr>
+            <a:spLocks noGrp="1"/>
+          </p:cNvSpPr>
+          <p:nvPr>
+            <p:ph idx="1"/>
+          </p:nvPr>
+        </p:nvSpPr>
+        <p:spPr>
+          <a:xfrm>
+            <a:off x="838200" y="1825625"/>
+            <a:ext cx="10515600" cy="4680000"/>
+          </a:xfrm>
+        </p:spPr>
+        <p:txBody>
+          <a:bodyPr>
+            <a:normAutofit/>
+          </a:bodyPr>
+          <a:lstStyle/>
+          <a:p>
+            <a:r>
+              <a:rPr lang="tr-TR" dirty="0"/>
+              <a:t>Çökmeler olduğunda kaybolan dosyalara karşı korunmak </a:t>
+            </a:r>
+            <a:r>
+              <a:rPr lang="tr-TR" dirty="0" smtClean="0"/>
+              <a:t>gerek </a:t>
+            </a:r>
+          </a:p>
+          <a:p>
+            <a:r>
+              <a:rPr lang="tr-TR" dirty="0" smtClean="0"/>
+              <a:t>Bir </a:t>
+            </a:r>
+            <a:r>
+              <a:rPr lang="tr-TR" dirty="0"/>
+              <a:t>dosyanın kaldırılması gerektiğinde </a:t>
+            </a:r>
+            <a:r>
+              <a:rPr lang="tr-TR" dirty="0" smtClean="0"/>
+              <a:t>neler olur</a:t>
+            </a:r>
+          </a:p>
+          <a:p>
+            <a:pPr lvl="1"/>
+            <a:r>
+              <a:rPr lang="tr-TR" dirty="0" smtClean="0"/>
+              <a:t>Dosyayı </a:t>
+            </a:r>
+            <a:r>
+              <a:rPr lang="tr-TR" dirty="0"/>
+              <a:t>bulunduğu dizinden </a:t>
+            </a:r>
+            <a:r>
+              <a:rPr lang="tr-TR" dirty="0" smtClean="0"/>
+              <a:t>kaldır</a:t>
+            </a:r>
+          </a:p>
+          <a:p>
+            <a:pPr lvl="1"/>
+            <a:r>
+              <a:rPr lang="tr-TR" dirty="0" smtClean="0"/>
+              <a:t>i-</a:t>
+            </a:r>
+            <a:r>
+              <a:rPr lang="tr-TR" dirty="0" err="1" smtClean="0"/>
+              <a:t>node'u</a:t>
+            </a:r>
+            <a:r>
+              <a:rPr lang="tr-TR" dirty="0" smtClean="0"/>
+              <a:t> </a:t>
+            </a:r>
+            <a:r>
+              <a:rPr lang="tr-TR" dirty="0"/>
+              <a:t>serbest i-</a:t>
+            </a:r>
+            <a:r>
+              <a:rPr lang="tr-TR" dirty="0" err="1"/>
+              <a:t>node</a:t>
+            </a:r>
+            <a:r>
+              <a:rPr lang="tr-TR" dirty="0"/>
+              <a:t> havuzuna </a:t>
+            </a:r>
+            <a:r>
+              <a:rPr lang="tr-TR" dirty="0" smtClean="0"/>
+              <a:t>bırak</a:t>
+            </a:r>
+          </a:p>
+          <a:p>
+            <a:pPr lvl="1"/>
+            <a:r>
+              <a:rPr lang="tr-TR" dirty="0" smtClean="0"/>
+              <a:t>Tüm </a:t>
+            </a:r>
+            <a:r>
+              <a:rPr lang="tr-TR" dirty="0"/>
+              <a:t>disk bloklarını boş disk blokları havuzuna </a:t>
+            </a:r>
+            <a:r>
+              <a:rPr lang="tr-TR" dirty="0" smtClean="0"/>
+              <a:t>döndür</a:t>
+            </a:r>
+          </a:p>
+          <a:p>
+            <a:pPr lvl="1"/>
+            <a:r>
+              <a:rPr lang="tr-TR" dirty="0" smtClean="0"/>
+              <a:t>Bu </a:t>
+            </a:r>
+            <a:r>
+              <a:rPr lang="tr-TR" dirty="0"/>
+              <a:t>süreçte bir yerde bir çökme olursa ortalık </a:t>
+            </a:r>
+            <a:r>
+              <a:rPr lang="tr-TR" dirty="0" smtClean="0"/>
+              <a:t>karışır</a:t>
+            </a:r>
+            <a:endParaRPr lang="tr-TR" dirty="0"/>
+          </a:p>
+        </p:txBody>
+      </p:sp>
+      <p:sp>
+        <p:nvSpPr>
+          <p:cNvPr id="4" name="Date Placeholder 3"/>
+          <p:cNvSpPr>
+            <a:spLocks noGrp="1"/>
+          </p:cNvSpPr>
+          <p:nvPr>
+            <p:ph type="dt" sz="half" idx="10"/>
+          </p:nvPr>
+        </p:nvSpPr>
+        <p:spPr/>
+        <p:txBody>
+          <a:bodyPr/>
+          <a:lstStyle/>
+          <a:p>
+            <a:r>
+              <a:rPr lang="en-US" smtClean="0"/>
+              <a:t>1/20/2023</a:t>
+            </a:r>
+            <a:endParaRPr lang="en-US" dirty="0"/>
+          </a:p>
+        </p:txBody>
+      </p:sp>
+      <p:sp>
+        <p:nvSpPr>
+          <p:cNvPr id="5" name="Footer Placeholder 4"/>
+          <p:cNvSpPr>
+            <a:spLocks noGrp="1"/>
+          </p:cNvSpPr>
+          <p:nvPr>
+            <p:ph type="ftr" sz="quarter" idx="11"/>
+          </p:nvPr>
+        </p:nvSpPr>
+        <p:spPr/>
+        <p:txBody>
+          <a:bodyPr/>
+          <a:lstStyle/>
+          <a:p>
+            <a:r>
+              <a:rPr lang="en-US" smtClean="0"/>
+              <a:t>Sercan KÜLCÜ, Tanenbaum, Modern Operating Systems 3e kitabından faydalanılmıştır. Tüm hakları saklıdır.</a:t>
+            </a:r>
+            <a:endParaRPr lang="en-US" dirty="0"/>
+          </a:p>
+        </p:txBody>
+      </p:sp>
+      <p:sp>
+        <p:nvSpPr>
+          <p:cNvPr id="6" name="Slide Number Placeholder 5"/>
+          <p:cNvSpPr>
+            <a:spLocks noGrp="1"/>
+          </p:cNvSpPr>
+          <p:nvPr>
+            <p:ph type="sldNum" sz="quarter" idx="12"/>
+          </p:nvPr>
+        </p:nvSpPr>
+        <p:spPr/>
+        <p:txBody>
+          <a:bodyPr/>
+          <a:lstStyle/>
+          <a:p>
+            <a:fld id="{D57F1E4F-1CFF-5643-939E-217C01CDF565}" type="slidenum">
+              <a:rPr lang="en-US" smtClean="0"/>
+              <a:pPr/>
+              <a:t>50</a:t>
+            </a:fld>
+            <a:endParaRPr lang="en-US" dirty="0"/>
+          </a:p>
+        </p:txBody>
+      </p:sp>
+    </p:spTree>
+    <p:extLst>
+      <p:ext uri="{BB962C8B-B14F-4D97-AF65-F5344CB8AC3E}">
+        <p14:creationId xmlns:p14="http://schemas.microsoft.com/office/powerpoint/2010/main" val="2081545440"/>
+      </p:ext>
+    </p:extLst>
+  </p:cSld>
+  <p:clrMapOvr>
+    <a:masterClrMapping/>
+  </p:clrMapOvr>
+  <p:timing>
+    <p:tnLst>
+      <p:par>
+        <p:cTn id="1" dur="indefinite" restart="never" nodeType="tmRoot"/>
+      </p:par>
+    </p:tnLst>
+  </p:timing>
+</p:sld>
+</file>
+
+<file path=ppt/slides/slide51.xml><?xml version="1.0" encoding="utf-8"?>
+<p:sld xmlns:a="http://schemas.openxmlformats.org/drawingml/2006/main" xmlns:r="http://schemas.openxmlformats.org/officeDocument/2006/relationships" xmlns:p="http://schemas.openxmlformats.org/presentationml/2006/main">
+  <p:cSld>
+    <p:spTree>
+      <p:nvGrpSpPr>
+        <p:cNvPr id="1" name=""/>
+        <p:cNvGrpSpPr/>
+        <p:nvPr/>
+      </p:nvGrpSpPr>
+      <p:grpSpPr>
+        <a:xfrm>
+          <a:off x="0" y="0"/>
+          <a:ext cx="0" cy="0"/>
+          <a:chOff x="0" y="0"/>
+          <a:chExt cx="0" cy="0"/>
+        </a:xfrm>
+      </p:grpSpPr>
+      <p:sp>
+        <p:nvSpPr>
+          <p:cNvPr id="2" name="Title 1"/>
+          <p:cNvSpPr>
+            <a:spLocks noGrp="1"/>
+          </p:cNvSpPr>
+          <p:nvPr>
+            <p:ph type="title"/>
+          </p:nvPr>
+        </p:nvSpPr>
+        <p:spPr/>
+        <p:txBody>
+          <a:bodyPr/>
+          <a:lstStyle/>
+          <a:p>
+            <a:r>
+              <a:rPr lang="tr-TR" dirty="0"/>
+              <a:t>Günlük </a:t>
+            </a:r>
+            <a:r>
+              <a:rPr lang="tr-TR" dirty="0" smtClean="0"/>
+              <a:t>(</a:t>
+            </a:r>
+            <a:r>
+              <a:rPr lang="tr-TR" dirty="0" err="1" smtClean="0"/>
+              <a:t>journaling</a:t>
+            </a:r>
+            <a:r>
+              <a:rPr lang="tr-TR" dirty="0" smtClean="0"/>
+              <a:t>) Dosya </a:t>
+            </a:r>
+            <a:r>
+              <a:rPr lang="tr-TR" dirty="0"/>
+              <a:t>Sistemleri</a:t>
+            </a:r>
+            <a:endParaRPr lang="tr-TR" dirty="0"/>
+          </a:p>
+        </p:txBody>
+      </p:sp>
+      <p:sp>
+        <p:nvSpPr>
+          <p:cNvPr id="3" name="Content Placeholder 2"/>
+          <p:cNvSpPr>
+            <a:spLocks noGrp="1"/>
+          </p:cNvSpPr>
+          <p:nvPr>
+            <p:ph idx="1"/>
+          </p:nvPr>
+        </p:nvSpPr>
+        <p:spPr>
+          <a:xfrm>
+            <a:off x="838200" y="1825625"/>
+            <a:ext cx="10515600" cy="4680000"/>
+          </a:xfrm>
+        </p:spPr>
+        <p:txBody>
+          <a:bodyPr>
+            <a:normAutofit/>
+          </a:bodyPr>
+          <a:lstStyle/>
+          <a:p>
+            <a:r>
+              <a:rPr lang="tr-TR" dirty="0"/>
+              <a:t>Eylemleri gerçekleştirmeden önce bir </a:t>
+            </a:r>
+            <a:r>
+              <a:rPr lang="tr-TR" dirty="0" smtClean="0"/>
+              <a:t>günlük tut, günlüğü </a:t>
+            </a:r>
+            <a:r>
+              <a:rPr lang="tr-TR" dirty="0"/>
+              <a:t>diske </a:t>
+            </a:r>
+            <a:r>
+              <a:rPr lang="tr-TR" dirty="0" smtClean="0"/>
+              <a:t>yaz </a:t>
+            </a:r>
+            <a:r>
+              <a:rPr lang="tr-TR" dirty="0"/>
+              <a:t>ve ardından eylemleri </a:t>
+            </a:r>
+            <a:r>
+              <a:rPr lang="tr-TR" dirty="0" smtClean="0"/>
+              <a:t>gerçekleştir. </a:t>
+            </a:r>
+          </a:p>
+          <a:p>
+            <a:r>
+              <a:rPr lang="tr-TR" dirty="0" smtClean="0"/>
+              <a:t>Bir </a:t>
+            </a:r>
+            <a:r>
+              <a:rPr lang="tr-TR" dirty="0"/>
+              <a:t>kazadan </a:t>
+            </a:r>
+            <a:r>
+              <a:rPr lang="tr-TR" dirty="0" smtClean="0"/>
+              <a:t>kurtulabilir mi!</a:t>
+            </a:r>
+          </a:p>
+          <a:p>
+            <a:r>
+              <a:rPr lang="tr-TR" dirty="0" smtClean="0"/>
+              <a:t>Eylemler </a:t>
+            </a:r>
+            <a:r>
+              <a:rPr lang="tr-TR" dirty="0" err="1" smtClean="0"/>
+              <a:t>eşgüçlü</a:t>
+            </a:r>
+            <a:r>
+              <a:rPr lang="tr-TR" dirty="0" smtClean="0"/>
+              <a:t> (</a:t>
+            </a:r>
+            <a:r>
+              <a:rPr lang="en-US" dirty="0">
+                <a:latin typeface="Arial" panose="020B0604020202020204" pitchFamily="34" charset="0"/>
+              </a:rPr>
+              <a:t>idempotent</a:t>
+            </a:r>
+            <a:r>
+              <a:rPr lang="tr-TR" dirty="0" smtClean="0"/>
+              <a:t>) olmalı. Bunu </a:t>
+            </a:r>
+            <a:r>
+              <a:rPr lang="tr-TR" dirty="0"/>
+              <a:t>yapmak için veri </a:t>
+            </a:r>
+            <a:r>
+              <a:rPr lang="tr-TR" dirty="0" smtClean="0"/>
+              <a:t>yapıları düzenlenmeli</a:t>
+            </a:r>
+          </a:p>
+          <a:p>
+            <a:r>
+              <a:rPr lang="tr-TR" dirty="0" smtClean="0"/>
+              <a:t>Blok </a:t>
+            </a:r>
+            <a:r>
+              <a:rPr lang="tr-TR" dirty="0"/>
+              <a:t>n'yi serbest olarak işaretle, </a:t>
+            </a:r>
+            <a:r>
+              <a:rPr lang="tr-TR" dirty="0" err="1"/>
+              <a:t>idempotent</a:t>
+            </a:r>
+            <a:r>
+              <a:rPr lang="tr-TR" dirty="0"/>
+              <a:t> bir işlemdir</a:t>
+            </a:r>
+            <a:r>
+              <a:rPr lang="tr-TR" dirty="0" smtClean="0"/>
+              <a:t>.</a:t>
+            </a:r>
+          </a:p>
+          <a:p>
+            <a:r>
+              <a:rPr lang="tr-TR" dirty="0" smtClean="0"/>
+              <a:t>Bir </a:t>
+            </a:r>
+            <a:r>
+              <a:rPr lang="tr-TR" dirty="0"/>
+              <a:t>listenin sonuna serbest bırakılmış bloklar eklemek </a:t>
+            </a:r>
+            <a:r>
+              <a:rPr lang="tr-TR" dirty="0" err="1"/>
+              <a:t>idempotent</a:t>
+            </a:r>
+            <a:r>
+              <a:rPr lang="tr-TR" dirty="0"/>
+              <a:t> </a:t>
+            </a:r>
+            <a:r>
+              <a:rPr lang="tr-TR" dirty="0" smtClean="0"/>
+              <a:t>değildir</a:t>
+            </a:r>
+          </a:p>
+          <a:p>
+            <a:r>
+              <a:rPr lang="tr-TR" dirty="0" smtClean="0"/>
+              <a:t>NTFS </a:t>
+            </a:r>
+            <a:r>
+              <a:rPr lang="tr-TR" dirty="0"/>
+              <a:t>(Windows) ve Linux günlük kaydı kullanır</a:t>
+            </a:r>
+            <a:endParaRPr lang="tr-TR" dirty="0"/>
+          </a:p>
+        </p:txBody>
+      </p:sp>
+      <p:sp>
+        <p:nvSpPr>
+          <p:cNvPr id="4" name="Date Placeholder 3"/>
+          <p:cNvSpPr>
+            <a:spLocks noGrp="1"/>
+          </p:cNvSpPr>
+          <p:nvPr>
+            <p:ph type="dt" sz="half" idx="10"/>
+          </p:nvPr>
+        </p:nvSpPr>
+        <p:spPr/>
+        <p:txBody>
+          <a:bodyPr/>
+          <a:lstStyle/>
+          <a:p>
+            <a:r>
+              <a:rPr lang="en-US" smtClean="0"/>
+              <a:t>1/20/2023</a:t>
+            </a:r>
+            <a:endParaRPr lang="en-US" dirty="0"/>
+          </a:p>
+        </p:txBody>
+      </p:sp>
+      <p:sp>
+        <p:nvSpPr>
+          <p:cNvPr id="5" name="Footer Placeholder 4"/>
+          <p:cNvSpPr>
+            <a:spLocks noGrp="1"/>
+          </p:cNvSpPr>
+          <p:nvPr>
+            <p:ph type="ftr" sz="quarter" idx="11"/>
+          </p:nvPr>
+        </p:nvSpPr>
+        <p:spPr/>
+        <p:txBody>
+          <a:bodyPr/>
+          <a:lstStyle/>
+          <a:p>
+            <a:r>
+              <a:rPr lang="en-US" smtClean="0"/>
+              <a:t>Sercan KÜLCÜ, Tanenbaum, Modern Operating Systems 3e kitabından faydalanılmıştır. Tüm hakları saklıdır.</a:t>
+            </a:r>
+            <a:endParaRPr lang="en-US" dirty="0"/>
+          </a:p>
+        </p:txBody>
+      </p:sp>
+      <p:sp>
+        <p:nvSpPr>
+          <p:cNvPr id="6" name="Slide Number Placeholder 5"/>
+          <p:cNvSpPr>
+            <a:spLocks noGrp="1"/>
+          </p:cNvSpPr>
+          <p:nvPr>
+            <p:ph type="sldNum" sz="quarter" idx="12"/>
+          </p:nvPr>
+        </p:nvSpPr>
+        <p:spPr/>
+        <p:txBody>
+          <a:bodyPr/>
+          <a:lstStyle/>
+          <a:p>
+            <a:fld id="{D57F1E4F-1CFF-5643-939E-217C01CDF565}" type="slidenum">
+              <a:rPr lang="en-US" smtClean="0"/>
+              <a:pPr/>
+              <a:t>51</a:t>
+            </a:fld>
+            <a:endParaRPr lang="en-US" dirty="0"/>
+          </a:p>
+        </p:txBody>
+      </p:sp>
+    </p:spTree>
+    <p:extLst>
+      <p:ext uri="{BB962C8B-B14F-4D97-AF65-F5344CB8AC3E}">
+        <p14:creationId xmlns:p14="http://schemas.microsoft.com/office/powerpoint/2010/main" val="2306220398"/>
+      </p:ext>
+    </p:extLst>
+  </p:cSld>
+  <p:clrMapOvr>
+    <a:masterClrMapping/>
+  </p:clrMapOvr>
+  <p:timing>
+    <p:tnLst>
+      <p:par>
+        <p:cTn id="1" dur="indefinite" restart="never" nodeType="tmRoot"/>
+      </p:par>
+    </p:tnLst>
+  </p:timing>
+</p:sld>
+</file>
+
+<file path=ppt/slides/slide52.xml><?xml version="1.0" encoding="utf-8"?>
+<p:sld xmlns:a="http://schemas.openxmlformats.org/drawingml/2006/main" xmlns:r="http://schemas.openxmlformats.org/officeDocument/2006/relationships" xmlns:p="http://schemas.openxmlformats.org/presentationml/2006/main">
+  <p:cSld>
+    <p:spTree>
+      <p:nvGrpSpPr>
+        <p:cNvPr id="1" name=""/>
+        <p:cNvGrpSpPr/>
+        <p:nvPr/>
+      </p:nvGrpSpPr>
+      <p:grpSpPr>
+        <a:xfrm>
+          <a:off x="0" y="0"/>
+          <a:ext cx="0" cy="0"/>
+          <a:chOff x="0" y="0"/>
+          <a:chExt cx="0" cy="0"/>
+        </a:xfrm>
+      </p:grpSpPr>
+      <p:sp>
+        <p:nvSpPr>
+          <p:cNvPr id="2" name="Title 1"/>
+          <p:cNvSpPr>
+            <a:spLocks noGrp="1"/>
+          </p:cNvSpPr>
+          <p:nvPr>
+            <p:ph type="title"/>
+          </p:nvPr>
+        </p:nvSpPr>
+        <p:spPr/>
+        <p:txBody>
+          <a:bodyPr/>
+          <a:lstStyle/>
+          <a:p>
+            <a:r>
+              <a:rPr lang="tr-TR" dirty="0" smtClean="0"/>
+              <a:t>Sanal Dosya Sistemleri</a:t>
+            </a:r>
+            <a:endParaRPr lang="tr-TR" dirty="0"/>
+          </a:p>
+        </p:txBody>
+      </p:sp>
+      <p:sp>
+        <p:nvSpPr>
+          <p:cNvPr id="3" name="Content Placeholder 2"/>
+          <p:cNvSpPr>
+            <a:spLocks noGrp="1"/>
+          </p:cNvSpPr>
+          <p:nvPr>
+            <p:ph idx="1"/>
+          </p:nvPr>
+        </p:nvSpPr>
+        <p:spPr>
+          <a:xfrm>
+            <a:off x="838200" y="1825625"/>
+            <a:ext cx="10515600" cy="4680000"/>
+          </a:xfrm>
+        </p:spPr>
+        <p:txBody>
+          <a:bodyPr>
+            <a:normAutofit/>
+          </a:bodyPr>
+          <a:lstStyle/>
+          <a:p>
+            <a:r>
+              <a:rPr lang="tr-TR" dirty="0"/>
+              <a:t>Aynı makinede birden fazla </a:t>
+            </a:r>
+            <a:r>
+              <a:rPr lang="tr-TR" dirty="0" smtClean="0"/>
+              <a:t>dosya sistemi var</a:t>
+            </a:r>
+          </a:p>
+          <a:p>
+            <a:r>
+              <a:rPr lang="tr-TR" dirty="0" smtClean="0"/>
+              <a:t>Windows</a:t>
+            </a:r>
+            <a:r>
+              <a:rPr lang="tr-TR" dirty="0"/>
+              <a:t>, </a:t>
+            </a:r>
+            <a:r>
+              <a:rPr lang="tr-TR" dirty="0" smtClean="0"/>
+              <a:t>dosya sistemi sürücüleri belirtir </a:t>
+            </a:r>
+          </a:p>
+          <a:p>
+            <a:r>
+              <a:rPr lang="tr-TR" dirty="0" smtClean="0"/>
+              <a:t>Unix</a:t>
+            </a:r>
+            <a:r>
+              <a:rPr lang="tr-TR" dirty="0"/>
+              <a:t>, </a:t>
+            </a:r>
+            <a:r>
+              <a:rPr lang="tr-TR" dirty="0" err="1"/>
+              <a:t>VFS'ye</a:t>
+            </a:r>
+            <a:r>
+              <a:rPr lang="tr-TR" dirty="0"/>
+              <a:t> entegre </a:t>
+            </a:r>
+            <a:r>
+              <a:rPr lang="tr-TR" dirty="0" smtClean="0"/>
+              <a:t>olur</a:t>
+            </a:r>
+          </a:p>
+          <a:p>
+            <a:pPr lvl="1"/>
+            <a:r>
+              <a:rPr lang="tr-TR" dirty="0" smtClean="0"/>
+              <a:t>VFS sistem çağrıları kullanıcıdan</a:t>
+            </a:r>
+          </a:p>
+          <a:p>
+            <a:pPr lvl="1"/>
+            <a:r>
+              <a:rPr lang="tr-TR" dirty="0" smtClean="0"/>
+              <a:t>Alt seviye çağrılar gerçek dosya sistemine yapılır</a:t>
+            </a:r>
+          </a:p>
+          <a:p>
+            <a:r>
+              <a:rPr lang="tr-TR" dirty="0" smtClean="0"/>
+              <a:t>Ağ </a:t>
+            </a:r>
+            <a:r>
+              <a:rPr lang="tr-TR" dirty="0"/>
+              <a:t>Dosya Sistemini destekler - dosya uzak bir makinede olabilir</a:t>
+            </a:r>
+            <a:endParaRPr lang="tr-TR" dirty="0"/>
+          </a:p>
+        </p:txBody>
+      </p:sp>
+      <p:sp>
+        <p:nvSpPr>
+          <p:cNvPr id="4" name="Date Placeholder 3"/>
+          <p:cNvSpPr>
+            <a:spLocks noGrp="1"/>
+          </p:cNvSpPr>
+          <p:nvPr>
+            <p:ph type="dt" sz="half" idx="10"/>
+          </p:nvPr>
+        </p:nvSpPr>
+        <p:spPr/>
+        <p:txBody>
+          <a:bodyPr/>
+          <a:lstStyle/>
+          <a:p>
+            <a:r>
+              <a:rPr lang="en-US" smtClean="0"/>
+              <a:t>1/20/2023</a:t>
+            </a:r>
+            <a:endParaRPr lang="en-US" dirty="0"/>
+          </a:p>
+        </p:txBody>
+      </p:sp>
+      <p:sp>
+        <p:nvSpPr>
+          <p:cNvPr id="5" name="Footer Placeholder 4"/>
+          <p:cNvSpPr>
+            <a:spLocks noGrp="1"/>
+          </p:cNvSpPr>
+          <p:nvPr>
+            <p:ph type="ftr" sz="quarter" idx="11"/>
+          </p:nvPr>
+        </p:nvSpPr>
+        <p:spPr/>
+        <p:txBody>
+          <a:bodyPr/>
+          <a:lstStyle/>
+          <a:p>
+            <a:r>
+              <a:rPr lang="en-US" smtClean="0"/>
+              <a:t>Sercan KÜLCÜ, Tanenbaum, Modern Operating Systems 3e kitabından faydalanılmıştır. Tüm hakları saklıdır.</a:t>
+            </a:r>
+            <a:endParaRPr lang="en-US" dirty="0"/>
+          </a:p>
+        </p:txBody>
+      </p:sp>
+      <p:sp>
+        <p:nvSpPr>
+          <p:cNvPr id="6" name="Slide Number Placeholder 5"/>
+          <p:cNvSpPr>
+            <a:spLocks noGrp="1"/>
+          </p:cNvSpPr>
+          <p:nvPr>
+            <p:ph type="sldNum" sz="quarter" idx="12"/>
+          </p:nvPr>
+        </p:nvSpPr>
+        <p:spPr/>
+        <p:txBody>
+          <a:bodyPr/>
+          <a:lstStyle/>
+          <a:p>
+            <a:fld id="{D57F1E4F-1CFF-5643-939E-217C01CDF565}" type="slidenum">
+              <a:rPr lang="en-US" smtClean="0"/>
+              <a:pPr/>
+              <a:t>52</a:t>
+            </a:fld>
+            <a:endParaRPr lang="en-US" dirty="0"/>
+          </a:p>
+        </p:txBody>
+      </p:sp>
+    </p:spTree>
+    <p:extLst>
+      <p:ext uri="{BB962C8B-B14F-4D97-AF65-F5344CB8AC3E}">
+        <p14:creationId xmlns:p14="http://schemas.microsoft.com/office/powerpoint/2010/main" val="615773628"/>
+      </p:ext>
+    </p:extLst>
+  </p:cSld>
+  <p:clrMapOvr>
+    <a:masterClrMapping/>
+  </p:clrMapOvr>
+  <p:timing>
+    <p:tnLst>
+      <p:par>
+        <p:cTn id="1" dur="indefinite" restart="never" nodeType="tmRoot"/>
+      </p:par>
+    </p:tnLst>
+  </p:timing>
+</p:sld>
+</file>
+
+<file path=ppt/slides/slide53.xml><?xml version="1.0" encoding="utf-8"?>
+<p:sld xmlns:a="http://schemas.openxmlformats.org/drawingml/2006/main" xmlns:r="http://schemas.openxmlformats.org/officeDocument/2006/relationships" xmlns:p="http://schemas.openxmlformats.org/presentationml/2006/main">
+  <p:cSld>
+    <p:spTree>
+      <p:nvGrpSpPr>
+        <p:cNvPr id="1" name=""/>
+        <p:cNvGrpSpPr/>
+        <p:nvPr/>
+      </p:nvGrpSpPr>
+      <p:grpSpPr>
+        <a:xfrm>
+          <a:off x="0" y="0"/>
+          <a:ext cx="0" cy="0"/>
+          <a:chOff x="0" y="0"/>
+          <a:chExt cx="0" cy="0"/>
+        </a:xfrm>
+      </p:grpSpPr>
+      <p:sp>
+        <p:nvSpPr>
+          <p:cNvPr id="2" name="Title 1"/>
+          <p:cNvSpPr>
+            <a:spLocks noGrp="1"/>
+          </p:cNvSpPr>
+          <p:nvPr>
+            <p:ph type="title"/>
+          </p:nvPr>
+        </p:nvSpPr>
+        <p:spPr/>
+        <p:txBody>
+          <a:bodyPr/>
+          <a:lstStyle/>
+          <a:p>
+            <a:r>
+              <a:rPr lang="tr-TR" dirty="0" smtClean="0"/>
+              <a:t>Sanal Dosya Sistemleri</a:t>
+            </a:r>
+            <a:endParaRPr lang="tr-TR" dirty="0"/>
+          </a:p>
+        </p:txBody>
+      </p:sp>
+      <p:sp>
+        <p:nvSpPr>
+          <p:cNvPr id="3" name="Content Placeholder 2"/>
+          <p:cNvSpPr>
+            <a:spLocks noGrp="1"/>
+          </p:cNvSpPr>
+          <p:nvPr>
+            <p:ph idx="1"/>
+          </p:nvPr>
+        </p:nvSpPr>
+        <p:spPr>
+          <a:xfrm>
+            <a:off x="838200" y="1825625"/>
+            <a:ext cx="10515600" cy="4680000"/>
+          </a:xfrm>
+        </p:spPr>
+        <p:txBody>
+          <a:bodyPr>
+            <a:normAutofit/>
+          </a:bodyPr>
+          <a:lstStyle/>
+          <a:p>
+            <a:r>
+              <a:rPr lang="tr-TR" dirty="0"/>
+              <a:t>.</a:t>
+            </a:r>
+            <a:endParaRPr lang="tr-TR" dirty="0"/>
+          </a:p>
+        </p:txBody>
+      </p:sp>
+      <p:sp>
+        <p:nvSpPr>
+          <p:cNvPr id="4" name="Date Placeholder 3"/>
+          <p:cNvSpPr>
+            <a:spLocks noGrp="1"/>
+          </p:cNvSpPr>
+          <p:nvPr>
+            <p:ph type="dt" sz="half" idx="10"/>
+          </p:nvPr>
+        </p:nvSpPr>
+        <p:spPr/>
+        <p:txBody>
+          <a:bodyPr/>
+          <a:lstStyle/>
+          <a:p>
+            <a:r>
+              <a:rPr lang="en-US" smtClean="0"/>
+              <a:t>1/20/2023</a:t>
+            </a:r>
+            <a:endParaRPr lang="en-US" dirty="0"/>
+          </a:p>
+        </p:txBody>
+      </p:sp>
+      <p:sp>
+        <p:nvSpPr>
+          <p:cNvPr id="5" name="Footer Placeholder 4"/>
+          <p:cNvSpPr>
+            <a:spLocks noGrp="1"/>
+          </p:cNvSpPr>
+          <p:nvPr>
+            <p:ph type="ftr" sz="quarter" idx="11"/>
+          </p:nvPr>
+        </p:nvSpPr>
+        <p:spPr/>
+        <p:txBody>
+          <a:bodyPr/>
+          <a:lstStyle/>
+          <a:p>
+            <a:r>
+              <a:rPr lang="en-US" smtClean="0"/>
+              <a:t>Sercan KÜLCÜ, Tanenbaum, Modern Operating Systems 3e kitabından faydalanılmıştır. Tüm hakları saklıdır.</a:t>
+            </a:r>
+            <a:endParaRPr lang="en-US" dirty="0"/>
+          </a:p>
+        </p:txBody>
+      </p:sp>
+      <p:sp>
+        <p:nvSpPr>
+          <p:cNvPr id="6" name="Slide Number Placeholder 5"/>
+          <p:cNvSpPr>
+            <a:spLocks noGrp="1"/>
+          </p:cNvSpPr>
+          <p:nvPr>
+            <p:ph type="sldNum" sz="quarter" idx="12"/>
+          </p:nvPr>
+        </p:nvSpPr>
+        <p:spPr/>
+        <p:txBody>
+          <a:bodyPr/>
+          <a:lstStyle/>
+          <a:p>
+            <a:fld id="{D57F1E4F-1CFF-5643-939E-217C01CDF565}" type="slidenum">
+              <a:rPr lang="en-US" smtClean="0"/>
+              <a:pPr/>
+              <a:t>53</a:t>
+            </a:fld>
+            <a:endParaRPr lang="en-US" dirty="0"/>
+          </a:p>
+        </p:txBody>
+      </p:sp>
+      <p:pic>
+        <p:nvPicPr>
+          <p:cNvPr id="7" name="Picture 6" descr="D:\b\b4\IBM\04-18.jpg"/>
+          <p:cNvPicPr>
+            <a:picLocks noChangeAspect="1" noChangeArrowheads="1"/>
+          </p:cNvPicPr>
+          <p:nvPr/>
+        </p:nvPicPr>
+        <p:blipFill>
+          <a:blip r:embed="rId2">
+            <a:extLst>
+              <a:ext uri="{28A0092B-C50C-407E-A947-70E740481C1C}">
+                <a14:useLocalDpi xmlns:a14="http://schemas.microsoft.com/office/drawing/2010/main" val="0"/>
+              </a:ext>
+            </a:extLst>
+          </a:blip>
+          <a:srcRect/>
+          <a:stretch>
+            <a:fillRect/>
+          </a:stretch>
+        </p:blipFill>
+        <p:spPr bwMode="auto">
+          <a:xfrm>
+            <a:off x="2454275" y="2176191"/>
+            <a:ext cx="7283450" cy="3629025"/>
+          </a:xfrm>
+          <a:prstGeom prst="rect">
+            <a:avLst/>
+          </a:prstGeom>
+          <a:noFill/>
+          <a:ln>
+            <a:noFill/>
+          </a:ln>
+          <a:extLst>
+            <a:ext uri="{909E8E84-426E-40DD-AFC4-6F175D3DCCD1}">
+              <a14:hiddenFill xmlns:a14="http://schemas.microsoft.com/office/drawing/2010/main">
+                <a:solidFill>
+                  <a:srgbClr val="FFFFFF"/>
+                </a:solidFill>
+              </a14:hiddenFill>
+            </a:ext>
+            <a:ext uri="{91240B29-F687-4F45-9708-019B960494DF}">
+              <a14:hiddenLine xmlns:a14="http://schemas.microsoft.com/office/drawing/2010/main" w="9525">
+                <a:solidFill>
+                  <a:srgbClr val="000000"/>
+                </a:solidFill>
+                <a:miter lim="800000"/>
+                <a:headEnd/>
+                <a:tailEnd/>
+              </a14:hiddenLine>
+            </a:ext>
+          </a:extLst>
+        </p:spPr>
+      </p:pic>
+    </p:spTree>
+    <p:extLst>
+      <p:ext uri="{BB962C8B-B14F-4D97-AF65-F5344CB8AC3E}">
+        <p14:creationId xmlns:p14="http://schemas.microsoft.com/office/powerpoint/2010/main" val="4220019143"/>
+      </p:ext>
+    </p:extLst>
+  </p:cSld>
+  <p:clrMapOvr>
+    <a:masterClrMapping/>
+  </p:clrMapOvr>
+  <p:timing>
+    <p:tnLst>
+      <p:par>
+        <p:cTn id="1" dur="indefinite" restart="never" nodeType="tmRoot"/>
+      </p:par>
+    </p:tnLst>
+  </p:timing>
+</p:sld>
+</file>
+
+<file path=ppt/slides/slide54.xml><?xml version="1.0" encoding="utf-8"?>
+<p:sld xmlns:a="http://schemas.openxmlformats.org/drawingml/2006/main" xmlns:r="http://schemas.openxmlformats.org/officeDocument/2006/relationships" xmlns:p="http://schemas.openxmlformats.org/presentationml/2006/main">
+  <p:cSld>
+    <p:spTree>
+      <p:nvGrpSpPr>
+        <p:cNvPr id="1" name=""/>
+        <p:cNvGrpSpPr/>
+        <p:nvPr/>
+      </p:nvGrpSpPr>
+      <p:grpSpPr>
+        <a:xfrm>
+          <a:off x="0" y="0"/>
+          <a:ext cx="0" cy="0"/>
+          <a:chOff x="0" y="0"/>
+          <a:chExt cx="0" cy="0"/>
+        </a:xfrm>
+      </p:grpSpPr>
+      <p:sp>
+        <p:nvSpPr>
+          <p:cNvPr id="2" name="Title 1"/>
+          <p:cNvSpPr>
+            <a:spLocks noGrp="1"/>
+          </p:cNvSpPr>
+          <p:nvPr>
+            <p:ph type="title"/>
+          </p:nvPr>
+        </p:nvSpPr>
+        <p:spPr/>
+        <p:txBody>
+          <a:bodyPr/>
+          <a:lstStyle/>
+          <a:p>
+            <a:r>
+              <a:rPr lang="tr-TR" dirty="0"/>
+              <a:t>Sanal Dosya </a:t>
+            </a:r>
+            <a:r>
+              <a:rPr lang="tr-TR" dirty="0" smtClean="0"/>
+              <a:t>Sistemi Nasıl Çalışır</a:t>
+            </a:r>
+            <a:endParaRPr lang="tr-TR" dirty="0"/>
+          </a:p>
+        </p:txBody>
+      </p:sp>
+      <p:sp>
+        <p:nvSpPr>
+          <p:cNvPr id="3" name="Content Placeholder 2"/>
+          <p:cNvSpPr>
+            <a:spLocks noGrp="1"/>
+          </p:cNvSpPr>
+          <p:nvPr>
+            <p:ph idx="1"/>
+          </p:nvPr>
+        </p:nvSpPr>
+        <p:spPr>
+          <a:xfrm>
+            <a:off x="838200" y="1825625"/>
+            <a:ext cx="10515600" cy="4680000"/>
+          </a:xfrm>
+        </p:spPr>
+        <p:txBody>
+          <a:bodyPr>
+            <a:normAutofit/>
+          </a:bodyPr>
+          <a:lstStyle/>
+          <a:p>
+            <a:r>
+              <a:rPr lang="tr-TR" dirty="0"/>
+              <a:t>Dosya sistemi </a:t>
+            </a:r>
+            <a:r>
+              <a:rPr lang="tr-TR" dirty="0" err="1"/>
+              <a:t>VFS'ye</a:t>
+            </a:r>
+            <a:r>
+              <a:rPr lang="tr-TR" dirty="0"/>
+              <a:t> kaydolur </a:t>
+            </a:r>
+            <a:r>
+              <a:rPr lang="tr-TR" dirty="0" smtClean="0"/>
+              <a:t>(önyükleme </a:t>
+            </a:r>
+            <a:r>
+              <a:rPr lang="tr-TR" dirty="0"/>
+              <a:t>sırasında</a:t>
+            </a:r>
+            <a:r>
+              <a:rPr lang="tr-TR" dirty="0" smtClean="0"/>
+              <a:t>)</a:t>
+            </a:r>
+          </a:p>
+          <a:p>
+            <a:r>
+              <a:rPr lang="tr-TR" dirty="0" smtClean="0"/>
+              <a:t>Kayıt </a:t>
+            </a:r>
+            <a:r>
+              <a:rPr lang="tr-TR" dirty="0"/>
+              <a:t>sırasında </a:t>
+            </a:r>
+            <a:r>
+              <a:rPr lang="tr-TR" dirty="0" err="1"/>
+              <a:t>fs</a:t>
+            </a:r>
+            <a:r>
+              <a:rPr lang="tr-TR" dirty="0"/>
+              <a:t>, </a:t>
+            </a:r>
+            <a:r>
+              <a:rPr lang="tr-TR" dirty="0" err="1"/>
+              <a:t>vfs'nin</a:t>
+            </a:r>
+            <a:r>
+              <a:rPr lang="tr-TR" dirty="0"/>
+              <a:t> istediği </a:t>
+            </a:r>
+            <a:r>
+              <a:rPr lang="tr-TR" dirty="0" smtClean="0"/>
+              <a:t>fonksiyon çağrılarının </a:t>
+            </a:r>
+            <a:r>
+              <a:rPr lang="tr-TR" dirty="0"/>
+              <a:t>adres listesini sağlar</a:t>
+            </a:r>
+            <a:r>
+              <a:rPr lang="tr-TR" dirty="0" smtClean="0"/>
+              <a:t>.</a:t>
+            </a:r>
+          </a:p>
+          <a:p>
+            <a:r>
+              <a:rPr lang="tr-TR" dirty="0" err="1" smtClean="0"/>
+              <a:t>Vfs</a:t>
+            </a:r>
+            <a:r>
+              <a:rPr lang="tr-TR" dirty="0"/>
+              <a:t>, yeni </a:t>
+            </a:r>
+            <a:r>
+              <a:rPr lang="tr-TR" dirty="0" err="1"/>
+              <a:t>fs</a:t>
+            </a:r>
+            <a:r>
+              <a:rPr lang="tr-TR" dirty="0"/>
+              <a:t> i-</a:t>
+            </a:r>
+            <a:r>
+              <a:rPr lang="tr-TR" dirty="0" err="1"/>
+              <a:t>node'dan</a:t>
+            </a:r>
+            <a:r>
+              <a:rPr lang="tr-TR" dirty="0"/>
+              <a:t> bilgi alır ve onu bir v-</a:t>
+            </a:r>
+            <a:r>
+              <a:rPr lang="tr-TR" dirty="0" err="1"/>
+              <a:t>node'a</a:t>
+            </a:r>
+            <a:r>
+              <a:rPr lang="tr-TR" dirty="0"/>
+              <a:t> </a:t>
+            </a:r>
+            <a:r>
+              <a:rPr lang="tr-TR" dirty="0" smtClean="0"/>
+              <a:t>yerleştirir</a:t>
+            </a:r>
+          </a:p>
+          <a:p>
+            <a:r>
+              <a:rPr lang="tr-TR" dirty="0" smtClean="0"/>
+              <a:t>Süreç için </a:t>
+            </a:r>
+            <a:r>
+              <a:rPr lang="tr-TR" dirty="0" err="1" smtClean="0"/>
+              <a:t>fd</a:t>
+            </a:r>
+            <a:r>
+              <a:rPr lang="tr-TR" dirty="0" smtClean="0"/>
+              <a:t> (file </a:t>
+            </a:r>
+            <a:r>
+              <a:rPr lang="tr-TR" dirty="0" err="1" smtClean="0"/>
+              <a:t>descriptor</a:t>
+            </a:r>
+            <a:r>
+              <a:rPr lang="tr-TR" dirty="0" smtClean="0"/>
+              <a:t>) </a:t>
+            </a:r>
+            <a:r>
+              <a:rPr lang="tr-TR" dirty="0"/>
+              <a:t>tablosuna giriş </a:t>
+            </a:r>
+            <a:r>
+              <a:rPr lang="tr-TR" dirty="0" smtClean="0"/>
+              <a:t>yapar</a:t>
+            </a:r>
+          </a:p>
+          <a:p>
+            <a:r>
+              <a:rPr lang="tr-TR" dirty="0" smtClean="0"/>
+              <a:t>Süreç bir </a:t>
+            </a:r>
+            <a:r>
+              <a:rPr lang="tr-TR" dirty="0"/>
+              <a:t>çağrı </a:t>
+            </a:r>
+            <a:r>
+              <a:rPr lang="tr-TR" dirty="0" smtClean="0"/>
+              <a:t>yaptığında (</a:t>
+            </a:r>
+            <a:r>
+              <a:rPr lang="tr-TR" dirty="0" err="1" smtClean="0"/>
+              <a:t>örn</a:t>
+            </a:r>
+            <a:r>
+              <a:rPr lang="tr-TR" dirty="0"/>
+              <a:t>. okuma), </a:t>
+            </a:r>
+            <a:r>
+              <a:rPr lang="tr-TR" dirty="0" smtClean="0"/>
+              <a:t>fonksiyon işaretçileri </a:t>
+            </a:r>
+            <a:r>
+              <a:rPr lang="tr-TR"/>
+              <a:t>somut </a:t>
+            </a:r>
+            <a:r>
+              <a:rPr lang="tr-TR" smtClean="0"/>
+              <a:t>fonksiyon çağrılarına </a:t>
+            </a:r>
+            <a:r>
+              <a:rPr lang="tr-TR" dirty="0"/>
+              <a:t>işaret eder</a:t>
+            </a:r>
+            <a:endParaRPr lang="tr-TR" dirty="0"/>
+          </a:p>
+        </p:txBody>
+      </p:sp>
+      <p:sp>
+        <p:nvSpPr>
+          <p:cNvPr id="4" name="Date Placeholder 3"/>
+          <p:cNvSpPr>
+            <a:spLocks noGrp="1"/>
+          </p:cNvSpPr>
+          <p:nvPr>
+            <p:ph type="dt" sz="half" idx="10"/>
+          </p:nvPr>
+        </p:nvSpPr>
+        <p:spPr/>
+        <p:txBody>
+          <a:bodyPr/>
+          <a:lstStyle/>
+          <a:p>
+            <a:r>
+              <a:rPr lang="en-US" smtClean="0"/>
+              <a:t>1/20/2023</a:t>
+            </a:r>
+            <a:endParaRPr lang="en-US" dirty="0"/>
+          </a:p>
+        </p:txBody>
+      </p:sp>
+      <p:sp>
+        <p:nvSpPr>
+          <p:cNvPr id="5" name="Footer Placeholder 4"/>
+          <p:cNvSpPr>
+            <a:spLocks noGrp="1"/>
+          </p:cNvSpPr>
+          <p:nvPr>
+            <p:ph type="ftr" sz="quarter" idx="11"/>
+          </p:nvPr>
+        </p:nvSpPr>
+        <p:spPr/>
+        <p:txBody>
+          <a:bodyPr/>
+          <a:lstStyle/>
+          <a:p>
+            <a:r>
+              <a:rPr lang="en-US" smtClean="0"/>
+              <a:t>Sercan KÜLCÜ, Tanenbaum, Modern Operating Systems 3e kitabından faydalanılmıştır. Tüm hakları saklıdır.</a:t>
+            </a:r>
+            <a:endParaRPr lang="en-US" dirty="0"/>
+          </a:p>
+        </p:txBody>
+      </p:sp>
+      <p:sp>
+        <p:nvSpPr>
+          <p:cNvPr id="6" name="Slide Number Placeholder 5"/>
+          <p:cNvSpPr>
+            <a:spLocks noGrp="1"/>
+          </p:cNvSpPr>
+          <p:nvPr>
+            <p:ph type="sldNum" sz="quarter" idx="12"/>
+          </p:nvPr>
+        </p:nvSpPr>
+        <p:spPr/>
+        <p:txBody>
+          <a:bodyPr/>
+          <a:lstStyle/>
+          <a:p>
+            <a:fld id="{D57F1E4F-1CFF-5643-939E-217C01CDF565}" type="slidenum">
+              <a:rPr lang="en-US" smtClean="0"/>
+              <a:pPr/>
+              <a:t>54</a:t>
+            </a:fld>
+            <a:endParaRPr lang="en-US" dirty="0"/>
+          </a:p>
+        </p:txBody>
+      </p:sp>
+    </p:spTree>
+    <p:extLst>
+      <p:ext uri="{BB962C8B-B14F-4D97-AF65-F5344CB8AC3E}">
+        <p14:creationId xmlns:p14="http://schemas.microsoft.com/office/powerpoint/2010/main" val="809364523"/>
+      </p:ext>
+    </p:extLst>
+  </p:cSld>
+  <p:clrMapOvr>
+    <a:masterClrMapping/>
+  </p:clrMapOvr>
+  <p:timing>
+    <p:tnLst>
+      <p:par>
+        <p:cTn id="1" dur="indefinite" restart="never" nodeType="tmRoot"/>
+      </p:par>
+    </p:tnLst>
+  </p:timing>
+</p:sld>
+</file>
+
+<file path=ppt/slides/slide55.xml><?xml version="1.0" encoding="utf-8"?>
+<p:sld xmlns:a="http://schemas.openxmlformats.org/drawingml/2006/main" xmlns:r="http://schemas.openxmlformats.org/officeDocument/2006/relationships" xmlns:p="http://schemas.openxmlformats.org/presentationml/2006/main">
+  <p:cSld>
+    <p:spTree>
+      <p:nvGrpSpPr>
+        <p:cNvPr id="1" name=""/>
+        <p:cNvGrpSpPr/>
+        <p:nvPr/>
+      </p:nvGrpSpPr>
+      <p:grpSpPr>
+        <a:xfrm>
+          <a:off x="0" y="0"/>
+          <a:ext cx="0" cy="0"/>
+          <a:chOff x="0" y="0"/>
+          <a:chExt cx="0" cy="0"/>
+        </a:xfrm>
+      </p:grpSpPr>
+      <p:sp>
+        <p:nvSpPr>
+          <p:cNvPr id="2" name="Title 1"/>
+          <p:cNvSpPr>
+            <a:spLocks noGrp="1"/>
+          </p:cNvSpPr>
+          <p:nvPr>
+            <p:ph type="title"/>
+          </p:nvPr>
+        </p:nvSpPr>
+        <p:spPr/>
+        <p:txBody>
+          <a:bodyPr/>
+          <a:lstStyle/>
+          <a:p>
+            <a:r>
+              <a:rPr lang="tr-TR" dirty="0"/>
+              <a:t>Modern Bilgisayarın Bileşenleri:</a:t>
+            </a:r>
+          </a:p>
+        </p:txBody>
+      </p:sp>
+      <p:sp>
+        <p:nvSpPr>
+          <p:cNvPr id="3" name="Content Placeholder 2"/>
+          <p:cNvSpPr>
+            <a:spLocks noGrp="1"/>
+          </p:cNvSpPr>
+          <p:nvPr>
+            <p:ph idx="1"/>
+          </p:nvPr>
+        </p:nvSpPr>
+        <p:spPr>
+          <a:xfrm>
+            <a:off x="838200" y="1825625"/>
+            <a:ext cx="10515600" cy="4680000"/>
+          </a:xfrm>
+        </p:spPr>
+        <p:txBody>
+          <a:bodyPr>
+            <a:normAutofit/>
+          </a:bodyPr>
+          <a:lstStyle/>
+          <a:p>
+            <a:endParaRPr lang="tr-TR" dirty="0"/>
+          </a:p>
+        </p:txBody>
+      </p:sp>
+      <p:sp>
+        <p:nvSpPr>
+          <p:cNvPr id="4" name="Date Placeholder 3"/>
+          <p:cNvSpPr>
+            <a:spLocks noGrp="1"/>
+          </p:cNvSpPr>
+          <p:nvPr>
+            <p:ph type="dt" sz="half" idx="10"/>
+          </p:nvPr>
+        </p:nvSpPr>
+        <p:spPr/>
+        <p:txBody>
+          <a:bodyPr/>
+          <a:lstStyle/>
+          <a:p>
+            <a:r>
+              <a:rPr lang="en-US" smtClean="0"/>
+              <a:t>1/20/2023</a:t>
+            </a:r>
+            <a:endParaRPr lang="en-US" dirty="0"/>
+          </a:p>
+        </p:txBody>
+      </p:sp>
+      <p:sp>
+        <p:nvSpPr>
+          <p:cNvPr id="5" name="Footer Placeholder 4"/>
+          <p:cNvSpPr>
+            <a:spLocks noGrp="1"/>
+          </p:cNvSpPr>
+          <p:nvPr>
+            <p:ph type="ftr" sz="quarter" idx="11"/>
+          </p:nvPr>
+        </p:nvSpPr>
+        <p:spPr/>
+        <p:txBody>
+          <a:bodyPr/>
+          <a:lstStyle/>
+          <a:p>
+            <a:r>
+              <a:rPr lang="en-US" smtClean="0"/>
+              <a:t>Sercan KÜLCÜ, Tanenbaum, Modern Operating Systems 3e kitabından faydalanılmıştır. Tüm hakları saklıdır.</a:t>
+            </a:r>
+            <a:endParaRPr lang="en-US" dirty="0"/>
+          </a:p>
+        </p:txBody>
+      </p:sp>
+      <p:sp>
+        <p:nvSpPr>
+          <p:cNvPr id="6" name="Slide Number Placeholder 5"/>
+          <p:cNvSpPr>
+            <a:spLocks noGrp="1"/>
+          </p:cNvSpPr>
+          <p:nvPr>
+            <p:ph type="sldNum" sz="quarter" idx="12"/>
+          </p:nvPr>
+        </p:nvSpPr>
+        <p:spPr/>
+        <p:txBody>
+          <a:bodyPr/>
+          <a:lstStyle/>
+          <a:p>
+            <a:fld id="{D57F1E4F-1CFF-5643-939E-217C01CDF565}" type="slidenum">
+              <a:rPr lang="en-US" smtClean="0"/>
+              <a:pPr/>
+              <a:t>55</a:t>
+            </a:fld>
+            <a:endParaRPr lang="en-US" dirty="0"/>
+          </a:p>
+        </p:txBody>
+      </p:sp>
+    </p:spTree>
+    <p:extLst>
+      <p:ext uri="{BB962C8B-B14F-4D97-AF65-F5344CB8AC3E}">
+        <p14:creationId xmlns:p14="http://schemas.microsoft.com/office/powerpoint/2010/main" val="3188310955"/>
+      </p:ext>
+    </p:extLst>
+  </p:cSld>
+  <p:clrMapOvr>
+    <a:masterClrMapping/>
+  </p:clrMapOvr>
+  <p:timing>
+    <p:tnLst>
+      <p:par>
+        <p:cTn id="1" dur="indefinite" restart="never" nodeType="tmRoot"/>
+      </p:par>
+    </p:tnLst>
+  </p:timing>
+</p:sld>
+</file>
+
+<file path=ppt/slides/slide56.xml><?xml version="1.0" encoding="utf-8"?>
+<p:sld xmlns:a="http://schemas.openxmlformats.org/drawingml/2006/main" xmlns:r="http://schemas.openxmlformats.org/officeDocument/2006/relationships" xmlns:p="http://schemas.openxmlformats.org/presentationml/2006/main">
+  <p:cSld>
+    <p:spTree>
+      <p:nvGrpSpPr>
+        <p:cNvPr id="1" name=""/>
+        <p:cNvGrpSpPr/>
+        <p:nvPr/>
+      </p:nvGrpSpPr>
+      <p:grpSpPr>
+        <a:xfrm>
+          <a:off x="0" y="0"/>
+          <a:ext cx="0" cy="0"/>
+          <a:chOff x="0" y="0"/>
+          <a:chExt cx="0" cy="0"/>
+        </a:xfrm>
+      </p:grpSpPr>
+      <p:sp>
+        <p:nvSpPr>
+          <p:cNvPr id="2" name="Title 1"/>
+          <p:cNvSpPr>
+            <a:spLocks noGrp="1"/>
+          </p:cNvSpPr>
+          <p:nvPr>
+            <p:ph type="title"/>
+          </p:nvPr>
+        </p:nvSpPr>
+        <p:spPr/>
+        <p:txBody>
+          <a:bodyPr/>
+          <a:lstStyle/>
+          <a:p>
+            <a:r>
+              <a:rPr lang="tr-TR" dirty="0"/>
+              <a:t>Modern Bilgisayarın Bileşenleri:</a:t>
+            </a:r>
+          </a:p>
+        </p:txBody>
+      </p:sp>
+      <p:sp>
+        <p:nvSpPr>
+          <p:cNvPr id="3" name="Content Placeholder 2"/>
+          <p:cNvSpPr>
+            <a:spLocks noGrp="1"/>
+          </p:cNvSpPr>
+          <p:nvPr>
+            <p:ph idx="1"/>
+          </p:nvPr>
+        </p:nvSpPr>
+        <p:spPr>
+          <a:xfrm>
+            <a:off x="838200" y="1825625"/>
+            <a:ext cx="10515600" cy="4680000"/>
+          </a:xfrm>
+        </p:spPr>
+        <p:txBody>
+          <a:bodyPr>
+            <a:normAutofit/>
+          </a:bodyPr>
+          <a:lstStyle/>
+          <a:p>
+            <a:endParaRPr lang="tr-TR" dirty="0"/>
+          </a:p>
+        </p:txBody>
+      </p:sp>
+      <p:sp>
+        <p:nvSpPr>
+          <p:cNvPr id="4" name="Date Placeholder 3"/>
+          <p:cNvSpPr>
+            <a:spLocks noGrp="1"/>
+          </p:cNvSpPr>
+          <p:nvPr>
+            <p:ph type="dt" sz="half" idx="10"/>
+          </p:nvPr>
+        </p:nvSpPr>
+        <p:spPr/>
+        <p:txBody>
+          <a:bodyPr/>
+          <a:lstStyle/>
+          <a:p>
+            <a:r>
+              <a:rPr lang="en-US" smtClean="0"/>
+              <a:t>1/20/2023</a:t>
+            </a:r>
+            <a:endParaRPr lang="en-US" dirty="0"/>
+          </a:p>
+        </p:txBody>
+      </p:sp>
+      <p:sp>
+        <p:nvSpPr>
+          <p:cNvPr id="5" name="Footer Placeholder 4"/>
+          <p:cNvSpPr>
+            <a:spLocks noGrp="1"/>
+          </p:cNvSpPr>
+          <p:nvPr>
+            <p:ph type="ftr" sz="quarter" idx="11"/>
+          </p:nvPr>
+        </p:nvSpPr>
+        <p:spPr/>
+        <p:txBody>
+          <a:bodyPr/>
+          <a:lstStyle/>
+          <a:p>
+            <a:r>
+              <a:rPr lang="en-US" smtClean="0"/>
+              <a:t>Sercan KÜLCÜ, Tanenbaum, Modern Operating Systems 3e kitabından faydalanılmıştır. Tüm hakları saklıdır.</a:t>
+            </a:r>
+            <a:endParaRPr lang="en-US" dirty="0"/>
+          </a:p>
+        </p:txBody>
+      </p:sp>
+      <p:sp>
+        <p:nvSpPr>
+          <p:cNvPr id="6" name="Slide Number Placeholder 5"/>
+          <p:cNvSpPr>
+            <a:spLocks noGrp="1"/>
+          </p:cNvSpPr>
+          <p:nvPr>
+            <p:ph type="sldNum" sz="quarter" idx="12"/>
+          </p:nvPr>
+        </p:nvSpPr>
+        <p:spPr/>
+        <p:txBody>
+          <a:bodyPr/>
+          <a:lstStyle/>
+          <a:p>
+            <a:fld id="{D57F1E4F-1CFF-5643-939E-217C01CDF565}" type="slidenum">
+              <a:rPr lang="en-US" smtClean="0"/>
+              <a:pPr/>
+              <a:t>56</a:t>
+            </a:fld>
+            <a:endParaRPr lang="en-US" dirty="0"/>
+          </a:p>
+        </p:txBody>
+      </p:sp>
+    </p:spTree>
+    <p:extLst>
+      <p:ext uri="{BB962C8B-B14F-4D97-AF65-F5344CB8AC3E}">
+        <p14:creationId xmlns:p14="http://schemas.microsoft.com/office/powerpoint/2010/main" val="1900976798"/>
+      </p:ext>
+    </p:extLst>
+  </p:cSld>
+  <p:clrMapOvr>
+    <a:masterClrMapping/>
+  </p:clrMapOvr>
+  <p:timing>
+    <p:tnLst>
+      <p:par>
+        <p:cTn id="1" dur="indefinite" restart="never" nodeType="tmRoot"/>
+      </p:par>
+    </p:tnLst>
+  </p:timing>
+</p:sld>
+</file>
+
+<file path=ppt/slides/slide57.xml><?xml version="1.0" encoding="utf-8"?>
+<p:sld xmlns:a="http://schemas.openxmlformats.org/drawingml/2006/main" xmlns:r="http://schemas.openxmlformats.org/officeDocument/2006/relationships" xmlns:p="http://schemas.openxmlformats.org/presentationml/2006/main">
+  <p:cSld>
+    <p:spTree>
+      <p:nvGrpSpPr>
+        <p:cNvPr id="1" name=""/>
+        <p:cNvGrpSpPr/>
+        <p:nvPr/>
+      </p:nvGrpSpPr>
+      <p:grpSpPr>
+        <a:xfrm>
+          <a:off x="0" y="0"/>
+          <a:ext cx="0" cy="0"/>
+          <a:chOff x="0" y="0"/>
+          <a:chExt cx="0" cy="0"/>
+        </a:xfrm>
+      </p:grpSpPr>
+      <p:sp>
+        <p:nvSpPr>
+          <p:cNvPr id="2" name="Title 1"/>
+          <p:cNvSpPr>
+            <a:spLocks noGrp="1"/>
+          </p:cNvSpPr>
+          <p:nvPr>
+            <p:ph type="title"/>
+          </p:nvPr>
+        </p:nvSpPr>
+        <p:spPr/>
+        <p:txBody>
+          <a:bodyPr/>
+          <a:lstStyle/>
+          <a:p>
+            <a:r>
+              <a:rPr lang="tr-TR" dirty="0"/>
+              <a:t>Modern Bilgisayarın Bileşenleri:</a:t>
+            </a:r>
+          </a:p>
+        </p:txBody>
+      </p:sp>
+      <p:sp>
+        <p:nvSpPr>
+          <p:cNvPr id="3" name="Content Placeholder 2"/>
+          <p:cNvSpPr>
+            <a:spLocks noGrp="1"/>
+          </p:cNvSpPr>
+          <p:nvPr>
+            <p:ph idx="1"/>
+          </p:nvPr>
+        </p:nvSpPr>
+        <p:spPr>
+          <a:xfrm>
+            <a:off x="838200" y="1825625"/>
+            <a:ext cx="10515600" cy="4680000"/>
+          </a:xfrm>
+        </p:spPr>
+        <p:txBody>
+          <a:bodyPr>
+            <a:normAutofit/>
+          </a:bodyPr>
+          <a:lstStyle/>
+          <a:p>
+            <a:endParaRPr lang="tr-TR" dirty="0"/>
+          </a:p>
+        </p:txBody>
+      </p:sp>
+      <p:sp>
+        <p:nvSpPr>
+          <p:cNvPr id="4" name="Date Placeholder 3"/>
+          <p:cNvSpPr>
+            <a:spLocks noGrp="1"/>
+          </p:cNvSpPr>
+          <p:nvPr>
+            <p:ph type="dt" sz="half" idx="10"/>
+          </p:nvPr>
+        </p:nvSpPr>
+        <p:spPr/>
+        <p:txBody>
+          <a:bodyPr/>
+          <a:lstStyle/>
+          <a:p>
+            <a:r>
+              <a:rPr lang="en-US" smtClean="0"/>
+              <a:t>1/20/2023</a:t>
+            </a:r>
+            <a:endParaRPr lang="en-US" dirty="0"/>
+          </a:p>
+        </p:txBody>
+      </p:sp>
+      <p:sp>
+        <p:nvSpPr>
+          <p:cNvPr id="5" name="Footer Placeholder 4"/>
+          <p:cNvSpPr>
+            <a:spLocks noGrp="1"/>
+          </p:cNvSpPr>
+          <p:nvPr>
+            <p:ph type="ftr" sz="quarter" idx="11"/>
+          </p:nvPr>
+        </p:nvSpPr>
+        <p:spPr/>
+        <p:txBody>
+          <a:bodyPr/>
+          <a:lstStyle/>
+          <a:p>
+            <a:r>
+              <a:rPr lang="en-US" smtClean="0"/>
+              <a:t>Sercan KÜLCÜ, Tanenbaum, Modern Operating Systems 3e kitabından faydalanılmıştır. Tüm hakları saklıdır.</a:t>
+            </a:r>
+            <a:endParaRPr lang="en-US" dirty="0"/>
+          </a:p>
+        </p:txBody>
+      </p:sp>
+      <p:sp>
+        <p:nvSpPr>
+          <p:cNvPr id="6" name="Slide Number Placeholder 5"/>
+          <p:cNvSpPr>
+            <a:spLocks noGrp="1"/>
+          </p:cNvSpPr>
+          <p:nvPr>
+            <p:ph type="sldNum" sz="quarter" idx="12"/>
+          </p:nvPr>
+        </p:nvSpPr>
+        <p:spPr/>
+        <p:txBody>
+          <a:bodyPr/>
+          <a:lstStyle/>
+          <a:p>
+            <a:fld id="{D57F1E4F-1CFF-5643-939E-217C01CDF565}" type="slidenum">
+              <a:rPr lang="en-US" smtClean="0"/>
+              <a:pPr/>
+              <a:t>57</a:t>
+            </a:fld>
+            <a:endParaRPr lang="en-US" dirty="0"/>
+          </a:p>
+        </p:txBody>
+      </p:sp>
+    </p:spTree>
+    <p:extLst>
+      <p:ext uri="{BB962C8B-B14F-4D97-AF65-F5344CB8AC3E}">
+        <p14:creationId xmlns:p14="http://schemas.microsoft.com/office/powerpoint/2010/main" val="1911019064"/>
+      </p:ext>
+    </p:extLst>
+  </p:cSld>
+  <p:clrMapOvr>
+    <a:masterClrMapping/>
+  </p:clrMapOvr>
+  <p:timing>
+    <p:tnLst>
+      <p:par>
+        <p:cTn id="1" dur="indefinite" restart="never" nodeType="tmRoot"/>
+      </p:par>
+    </p:tnLst>
+  </p:timing>
+</p:sld>
+</file>
+
+<file path=ppt/slides/slide58.xml><?xml version="1.0" encoding="utf-8"?>
+<p:sld xmlns:a="http://schemas.openxmlformats.org/drawingml/2006/main" xmlns:r="http://schemas.openxmlformats.org/officeDocument/2006/relationships" xmlns:p="http://schemas.openxmlformats.org/presentationml/2006/main">
+  <p:cSld>
+    <p:spTree>
+      <p:nvGrpSpPr>
+        <p:cNvPr id="1" name=""/>
+        <p:cNvGrpSpPr/>
+        <p:nvPr/>
+      </p:nvGrpSpPr>
+      <p:grpSpPr>
+        <a:xfrm>
+          <a:off x="0" y="0"/>
+          <a:ext cx="0" cy="0"/>
+          <a:chOff x="0" y="0"/>
+          <a:chExt cx="0" cy="0"/>
+        </a:xfrm>
+      </p:grpSpPr>
+      <p:sp>
+        <p:nvSpPr>
+          <p:cNvPr id="2" name="Title 1"/>
+          <p:cNvSpPr>
+            <a:spLocks noGrp="1"/>
+          </p:cNvSpPr>
+          <p:nvPr>
+            <p:ph type="title"/>
+          </p:nvPr>
+        </p:nvSpPr>
+        <p:spPr/>
+        <p:txBody>
+          <a:bodyPr/>
+          <a:lstStyle/>
+          <a:p>
+            <a:r>
+              <a:rPr lang="tr-TR" dirty="0"/>
+              <a:t>Modern Bilgisayarın Bileşenleri:</a:t>
+            </a:r>
+          </a:p>
+        </p:txBody>
+      </p:sp>
+      <p:sp>
+        <p:nvSpPr>
+          <p:cNvPr id="3" name="Content Placeholder 2"/>
+          <p:cNvSpPr>
+            <a:spLocks noGrp="1"/>
+          </p:cNvSpPr>
+          <p:nvPr>
+            <p:ph idx="1"/>
+          </p:nvPr>
+        </p:nvSpPr>
+        <p:spPr>
+          <a:xfrm>
+            <a:off x="838200" y="1825625"/>
+            <a:ext cx="10515600" cy="4680000"/>
+          </a:xfrm>
+        </p:spPr>
+        <p:txBody>
+          <a:bodyPr>
+            <a:normAutofit/>
+          </a:bodyPr>
+          <a:lstStyle/>
+          <a:p>
+            <a:endParaRPr lang="tr-TR" dirty="0"/>
+          </a:p>
+        </p:txBody>
+      </p:sp>
+      <p:sp>
+        <p:nvSpPr>
+          <p:cNvPr id="4" name="Date Placeholder 3"/>
+          <p:cNvSpPr>
+            <a:spLocks noGrp="1"/>
+          </p:cNvSpPr>
+          <p:nvPr>
+            <p:ph type="dt" sz="half" idx="10"/>
+          </p:nvPr>
+        </p:nvSpPr>
+        <p:spPr/>
+        <p:txBody>
+          <a:bodyPr/>
+          <a:lstStyle/>
+          <a:p>
+            <a:r>
+              <a:rPr lang="en-US" smtClean="0"/>
+              <a:t>1/20/2023</a:t>
+            </a:r>
+            <a:endParaRPr lang="en-US" dirty="0"/>
+          </a:p>
+        </p:txBody>
+      </p:sp>
+      <p:sp>
+        <p:nvSpPr>
+          <p:cNvPr id="5" name="Footer Placeholder 4"/>
+          <p:cNvSpPr>
+            <a:spLocks noGrp="1"/>
+          </p:cNvSpPr>
+          <p:nvPr>
+            <p:ph type="ftr" sz="quarter" idx="11"/>
+          </p:nvPr>
+        </p:nvSpPr>
+        <p:spPr/>
+        <p:txBody>
+          <a:bodyPr/>
+          <a:lstStyle/>
+          <a:p>
+            <a:r>
+              <a:rPr lang="en-US" smtClean="0"/>
+              <a:t>Sercan KÜLCÜ, Tanenbaum, Modern Operating Systems 3e kitabından faydalanılmıştır. Tüm hakları saklıdır.</a:t>
+            </a:r>
+            <a:endParaRPr lang="en-US" dirty="0"/>
+          </a:p>
+        </p:txBody>
+      </p:sp>
+      <p:sp>
+        <p:nvSpPr>
+          <p:cNvPr id="6" name="Slide Number Placeholder 5"/>
+          <p:cNvSpPr>
+            <a:spLocks noGrp="1"/>
+          </p:cNvSpPr>
+          <p:nvPr>
+            <p:ph type="sldNum" sz="quarter" idx="12"/>
+          </p:nvPr>
+        </p:nvSpPr>
+        <p:spPr/>
+        <p:txBody>
+          <a:bodyPr/>
+          <a:lstStyle/>
+          <a:p>
+            <a:fld id="{D57F1E4F-1CFF-5643-939E-217C01CDF565}" type="slidenum">
+              <a:rPr lang="en-US" smtClean="0"/>
+              <a:pPr/>
+              <a:t>58</a:t>
+            </a:fld>
+            <a:endParaRPr lang="en-US" dirty="0"/>
+          </a:p>
+        </p:txBody>
+      </p:sp>
+    </p:spTree>
+    <p:extLst>
+      <p:ext uri="{BB962C8B-B14F-4D97-AF65-F5344CB8AC3E}">
+        <p14:creationId xmlns:p14="http://schemas.microsoft.com/office/powerpoint/2010/main" val="3213242935"/>
+      </p:ext>
+    </p:extLst>
+  </p:cSld>
+  <p:clrMapOvr>
+    <a:masterClrMapping/>
+  </p:clrMapOvr>
+  <p:timing>
+    <p:tnLst>
+      <p:par>
+        <p:cTn id="1" dur="indefinite" restart="never" nodeType="tmRoot"/>
+      </p:par>
+    </p:tnLst>
+  </p:timing>
+</p:sld>
+</file>
+
+<file path=ppt/slides/slide59.xml><?xml version="1.0" encoding="utf-8"?>
+<p:sld xmlns:a="http://schemas.openxmlformats.org/drawingml/2006/main" xmlns:r="http://schemas.openxmlformats.org/officeDocument/2006/relationships" xmlns:p="http://schemas.openxmlformats.org/presentationml/2006/main">
+  <p:cSld>
+    <p:spTree>
+      <p:nvGrpSpPr>
+        <p:cNvPr id="1" name=""/>
+        <p:cNvGrpSpPr/>
+        <p:nvPr/>
+      </p:nvGrpSpPr>
+      <p:grpSpPr>
+        <a:xfrm>
+          <a:off x="0" y="0"/>
+          <a:ext cx="0" cy="0"/>
+          <a:chOff x="0" y="0"/>
+          <a:chExt cx="0" cy="0"/>
+        </a:xfrm>
+      </p:grpSpPr>
+      <p:sp>
+        <p:nvSpPr>
+          <p:cNvPr id="2" name="Title 1"/>
+          <p:cNvSpPr>
+            <a:spLocks noGrp="1"/>
+          </p:cNvSpPr>
+          <p:nvPr>
+            <p:ph type="title"/>
+          </p:nvPr>
+        </p:nvSpPr>
+        <p:spPr/>
+        <p:txBody>
+          <a:bodyPr/>
+          <a:lstStyle/>
+          <a:p>
+            <a:r>
+              <a:rPr lang="tr-TR" dirty="0"/>
+              <a:t>Modern Bilgisayarın Bileşenleri:</a:t>
+            </a:r>
+          </a:p>
+        </p:txBody>
+      </p:sp>
+      <p:sp>
+        <p:nvSpPr>
+          <p:cNvPr id="3" name="Content Placeholder 2"/>
+          <p:cNvSpPr>
+            <a:spLocks noGrp="1"/>
+          </p:cNvSpPr>
+          <p:nvPr>
+            <p:ph idx="1"/>
+          </p:nvPr>
+        </p:nvSpPr>
+        <p:spPr>
+          <a:xfrm>
+            <a:off x="838200" y="1825625"/>
+            <a:ext cx="10515600" cy="4680000"/>
+          </a:xfrm>
+        </p:spPr>
+        <p:txBody>
+          <a:bodyPr>
+            <a:normAutofit/>
+          </a:bodyPr>
+          <a:lstStyle/>
+          <a:p>
+            <a:endParaRPr lang="tr-TR" dirty="0"/>
+          </a:p>
+        </p:txBody>
+      </p:sp>
+      <p:sp>
+        <p:nvSpPr>
+          <p:cNvPr id="4" name="Date Placeholder 3"/>
+          <p:cNvSpPr>
+            <a:spLocks noGrp="1"/>
+          </p:cNvSpPr>
+          <p:nvPr>
+            <p:ph type="dt" sz="half" idx="10"/>
+          </p:nvPr>
+        </p:nvSpPr>
+        <p:spPr/>
+        <p:txBody>
+          <a:bodyPr/>
+          <a:lstStyle/>
+          <a:p>
+            <a:r>
+              <a:rPr lang="en-US" smtClean="0"/>
+              <a:t>1/20/2023</a:t>
+            </a:r>
+            <a:endParaRPr lang="en-US" dirty="0"/>
+          </a:p>
+        </p:txBody>
+      </p:sp>
+      <p:sp>
+        <p:nvSpPr>
+          <p:cNvPr id="5" name="Footer Placeholder 4"/>
+          <p:cNvSpPr>
+            <a:spLocks noGrp="1"/>
+          </p:cNvSpPr>
+          <p:nvPr>
+            <p:ph type="ftr" sz="quarter" idx="11"/>
+          </p:nvPr>
+        </p:nvSpPr>
+        <p:spPr/>
+        <p:txBody>
+          <a:bodyPr/>
+          <a:lstStyle/>
+          <a:p>
+            <a:r>
+              <a:rPr lang="en-US" smtClean="0"/>
+              <a:t>Sercan KÜLCÜ, Tanenbaum, Modern Operating Systems 3e kitabından faydalanılmıştır. Tüm hakları saklıdır.</a:t>
+            </a:r>
+            <a:endParaRPr lang="en-US" dirty="0"/>
+          </a:p>
+        </p:txBody>
+      </p:sp>
+      <p:sp>
+        <p:nvSpPr>
+          <p:cNvPr id="6" name="Slide Number Placeholder 5"/>
+          <p:cNvSpPr>
+            <a:spLocks noGrp="1"/>
+          </p:cNvSpPr>
+          <p:nvPr>
+            <p:ph type="sldNum" sz="quarter" idx="12"/>
+          </p:nvPr>
+        </p:nvSpPr>
+        <p:spPr/>
+        <p:txBody>
+          <a:bodyPr/>
+          <a:lstStyle/>
+          <a:p>
+            <a:fld id="{D57F1E4F-1CFF-5643-939E-217C01CDF565}" type="slidenum">
+              <a:rPr lang="en-US" smtClean="0"/>
+              <a:pPr/>
+              <a:t>59</a:t>
+            </a:fld>
+            <a:endParaRPr lang="en-US" dirty="0"/>
+          </a:p>
+        </p:txBody>
+      </p:sp>
+    </p:spTree>
+    <p:extLst>
+      <p:ext uri="{BB962C8B-B14F-4D97-AF65-F5344CB8AC3E}">
+        <p14:creationId xmlns:p14="http://schemas.microsoft.com/office/powerpoint/2010/main" val="1441238947"/>
+      </p:ext>
+    </p:extLst>
+  </p:cSld>
+  <p:clrMapOvr>
+    <a:masterClrMapping/>
+  </p:clrMapOvr>
+  <p:timing>
+    <p:tnLst>
+      <p:par>
+        <p:cTn id="1" dur="indefinite" restart="never" nodeType="tmRoot"/>
+      </p:par>
+    </p:tnLst>
+  </p:timing>
+</p:sld>
+</file>
+
 <file path=ppt/slides/slide6.xml><?xml version="1.0" encoding="utf-8"?>
 <p:sld xmlns:a="http://schemas.openxmlformats.org/drawingml/2006/main" xmlns:r="http://schemas.openxmlformats.org/officeDocument/2006/relationships" xmlns:p="http://schemas.openxmlformats.org/presentationml/2006/main">
   <p:cSld>
@@ -13638,6 +16402,1556 @@
     <p:extLst>
       <p:ext uri="{BB962C8B-B14F-4D97-AF65-F5344CB8AC3E}">
         <p14:creationId xmlns:p14="http://schemas.microsoft.com/office/powerpoint/2010/main" val="1549118416"/>
+      </p:ext>
+    </p:extLst>
+  </p:cSld>
+  <p:clrMapOvr>
+    <a:masterClrMapping/>
+  </p:clrMapOvr>
+  <p:timing>
+    <p:tnLst>
+      <p:par>
+        <p:cTn id="1" dur="indefinite" restart="never" nodeType="tmRoot"/>
+      </p:par>
+    </p:tnLst>
+  </p:timing>
+</p:sld>
+</file>
+
+<file path=ppt/slides/slide60.xml><?xml version="1.0" encoding="utf-8"?>
+<p:sld xmlns:a="http://schemas.openxmlformats.org/drawingml/2006/main" xmlns:r="http://schemas.openxmlformats.org/officeDocument/2006/relationships" xmlns:p="http://schemas.openxmlformats.org/presentationml/2006/main">
+  <p:cSld>
+    <p:spTree>
+      <p:nvGrpSpPr>
+        <p:cNvPr id="1" name=""/>
+        <p:cNvGrpSpPr/>
+        <p:nvPr/>
+      </p:nvGrpSpPr>
+      <p:grpSpPr>
+        <a:xfrm>
+          <a:off x="0" y="0"/>
+          <a:ext cx="0" cy="0"/>
+          <a:chOff x="0" y="0"/>
+          <a:chExt cx="0" cy="0"/>
+        </a:xfrm>
+      </p:grpSpPr>
+      <p:sp>
+        <p:nvSpPr>
+          <p:cNvPr id="2" name="Title 1"/>
+          <p:cNvSpPr>
+            <a:spLocks noGrp="1"/>
+          </p:cNvSpPr>
+          <p:nvPr>
+            <p:ph type="title"/>
+          </p:nvPr>
+        </p:nvSpPr>
+        <p:spPr/>
+        <p:txBody>
+          <a:bodyPr/>
+          <a:lstStyle/>
+          <a:p>
+            <a:r>
+              <a:rPr lang="tr-TR" dirty="0"/>
+              <a:t>Modern Bilgisayarın Bileşenleri:</a:t>
+            </a:r>
+          </a:p>
+        </p:txBody>
+      </p:sp>
+      <p:sp>
+        <p:nvSpPr>
+          <p:cNvPr id="3" name="Content Placeholder 2"/>
+          <p:cNvSpPr>
+            <a:spLocks noGrp="1"/>
+          </p:cNvSpPr>
+          <p:nvPr>
+            <p:ph idx="1"/>
+          </p:nvPr>
+        </p:nvSpPr>
+        <p:spPr>
+          <a:xfrm>
+            <a:off x="838200" y="1825625"/>
+            <a:ext cx="10515600" cy="4680000"/>
+          </a:xfrm>
+        </p:spPr>
+        <p:txBody>
+          <a:bodyPr>
+            <a:normAutofit/>
+          </a:bodyPr>
+          <a:lstStyle/>
+          <a:p>
+            <a:endParaRPr lang="tr-TR" dirty="0"/>
+          </a:p>
+        </p:txBody>
+      </p:sp>
+      <p:sp>
+        <p:nvSpPr>
+          <p:cNvPr id="4" name="Date Placeholder 3"/>
+          <p:cNvSpPr>
+            <a:spLocks noGrp="1"/>
+          </p:cNvSpPr>
+          <p:nvPr>
+            <p:ph type="dt" sz="half" idx="10"/>
+          </p:nvPr>
+        </p:nvSpPr>
+        <p:spPr/>
+        <p:txBody>
+          <a:bodyPr/>
+          <a:lstStyle/>
+          <a:p>
+            <a:r>
+              <a:rPr lang="en-US" smtClean="0"/>
+              <a:t>1/20/2023</a:t>
+            </a:r>
+            <a:endParaRPr lang="en-US" dirty="0"/>
+          </a:p>
+        </p:txBody>
+      </p:sp>
+      <p:sp>
+        <p:nvSpPr>
+          <p:cNvPr id="5" name="Footer Placeholder 4"/>
+          <p:cNvSpPr>
+            <a:spLocks noGrp="1"/>
+          </p:cNvSpPr>
+          <p:nvPr>
+            <p:ph type="ftr" sz="quarter" idx="11"/>
+          </p:nvPr>
+        </p:nvSpPr>
+        <p:spPr/>
+        <p:txBody>
+          <a:bodyPr/>
+          <a:lstStyle/>
+          <a:p>
+            <a:r>
+              <a:rPr lang="en-US" smtClean="0"/>
+              <a:t>Sercan KÜLCÜ, Tanenbaum, Modern Operating Systems 3e kitabından faydalanılmıştır. Tüm hakları saklıdır.</a:t>
+            </a:r>
+            <a:endParaRPr lang="en-US" dirty="0"/>
+          </a:p>
+        </p:txBody>
+      </p:sp>
+      <p:sp>
+        <p:nvSpPr>
+          <p:cNvPr id="6" name="Slide Number Placeholder 5"/>
+          <p:cNvSpPr>
+            <a:spLocks noGrp="1"/>
+          </p:cNvSpPr>
+          <p:nvPr>
+            <p:ph type="sldNum" sz="quarter" idx="12"/>
+          </p:nvPr>
+        </p:nvSpPr>
+        <p:spPr/>
+        <p:txBody>
+          <a:bodyPr/>
+          <a:lstStyle/>
+          <a:p>
+            <a:fld id="{D57F1E4F-1CFF-5643-939E-217C01CDF565}" type="slidenum">
+              <a:rPr lang="en-US" smtClean="0"/>
+              <a:pPr/>
+              <a:t>60</a:t>
+            </a:fld>
+            <a:endParaRPr lang="en-US" dirty="0"/>
+          </a:p>
+        </p:txBody>
+      </p:sp>
+    </p:spTree>
+    <p:extLst>
+      <p:ext uri="{BB962C8B-B14F-4D97-AF65-F5344CB8AC3E}">
+        <p14:creationId xmlns:p14="http://schemas.microsoft.com/office/powerpoint/2010/main" val="3221908374"/>
+      </p:ext>
+    </p:extLst>
+  </p:cSld>
+  <p:clrMapOvr>
+    <a:masterClrMapping/>
+  </p:clrMapOvr>
+  <p:timing>
+    <p:tnLst>
+      <p:par>
+        <p:cTn id="1" dur="indefinite" restart="never" nodeType="tmRoot"/>
+      </p:par>
+    </p:tnLst>
+  </p:timing>
+</p:sld>
+</file>
+
+<file path=ppt/slides/slide61.xml><?xml version="1.0" encoding="utf-8"?>
+<p:sld xmlns:a="http://schemas.openxmlformats.org/drawingml/2006/main" xmlns:r="http://schemas.openxmlformats.org/officeDocument/2006/relationships" xmlns:p="http://schemas.openxmlformats.org/presentationml/2006/main">
+  <p:cSld>
+    <p:spTree>
+      <p:nvGrpSpPr>
+        <p:cNvPr id="1" name=""/>
+        <p:cNvGrpSpPr/>
+        <p:nvPr/>
+      </p:nvGrpSpPr>
+      <p:grpSpPr>
+        <a:xfrm>
+          <a:off x="0" y="0"/>
+          <a:ext cx="0" cy="0"/>
+          <a:chOff x="0" y="0"/>
+          <a:chExt cx="0" cy="0"/>
+        </a:xfrm>
+      </p:grpSpPr>
+      <p:sp>
+        <p:nvSpPr>
+          <p:cNvPr id="2" name="Title 1"/>
+          <p:cNvSpPr>
+            <a:spLocks noGrp="1"/>
+          </p:cNvSpPr>
+          <p:nvPr>
+            <p:ph type="title"/>
+          </p:nvPr>
+        </p:nvSpPr>
+        <p:spPr/>
+        <p:txBody>
+          <a:bodyPr/>
+          <a:lstStyle/>
+          <a:p>
+            <a:r>
+              <a:rPr lang="tr-TR" dirty="0"/>
+              <a:t>Modern Bilgisayarın Bileşenleri:</a:t>
+            </a:r>
+          </a:p>
+        </p:txBody>
+      </p:sp>
+      <p:sp>
+        <p:nvSpPr>
+          <p:cNvPr id="3" name="Content Placeholder 2"/>
+          <p:cNvSpPr>
+            <a:spLocks noGrp="1"/>
+          </p:cNvSpPr>
+          <p:nvPr>
+            <p:ph idx="1"/>
+          </p:nvPr>
+        </p:nvSpPr>
+        <p:spPr>
+          <a:xfrm>
+            <a:off x="838200" y="1825625"/>
+            <a:ext cx="10515600" cy="4680000"/>
+          </a:xfrm>
+        </p:spPr>
+        <p:txBody>
+          <a:bodyPr>
+            <a:normAutofit/>
+          </a:bodyPr>
+          <a:lstStyle/>
+          <a:p>
+            <a:endParaRPr lang="tr-TR" dirty="0"/>
+          </a:p>
+        </p:txBody>
+      </p:sp>
+      <p:sp>
+        <p:nvSpPr>
+          <p:cNvPr id="4" name="Date Placeholder 3"/>
+          <p:cNvSpPr>
+            <a:spLocks noGrp="1"/>
+          </p:cNvSpPr>
+          <p:nvPr>
+            <p:ph type="dt" sz="half" idx="10"/>
+          </p:nvPr>
+        </p:nvSpPr>
+        <p:spPr/>
+        <p:txBody>
+          <a:bodyPr/>
+          <a:lstStyle/>
+          <a:p>
+            <a:r>
+              <a:rPr lang="en-US" smtClean="0"/>
+              <a:t>1/20/2023</a:t>
+            </a:r>
+            <a:endParaRPr lang="en-US" dirty="0"/>
+          </a:p>
+        </p:txBody>
+      </p:sp>
+      <p:sp>
+        <p:nvSpPr>
+          <p:cNvPr id="5" name="Footer Placeholder 4"/>
+          <p:cNvSpPr>
+            <a:spLocks noGrp="1"/>
+          </p:cNvSpPr>
+          <p:nvPr>
+            <p:ph type="ftr" sz="quarter" idx="11"/>
+          </p:nvPr>
+        </p:nvSpPr>
+        <p:spPr/>
+        <p:txBody>
+          <a:bodyPr/>
+          <a:lstStyle/>
+          <a:p>
+            <a:r>
+              <a:rPr lang="en-US" smtClean="0"/>
+              <a:t>Sercan KÜLCÜ, Tanenbaum, Modern Operating Systems 3e kitabından faydalanılmıştır. Tüm hakları saklıdır.</a:t>
+            </a:r>
+            <a:endParaRPr lang="en-US" dirty="0"/>
+          </a:p>
+        </p:txBody>
+      </p:sp>
+      <p:sp>
+        <p:nvSpPr>
+          <p:cNvPr id="6" name="Slide Number Placeholder 5"/>
+          <p:cNvSpPr>
+            <a:spLocks noGrp="1"/>
+          </p:cNvSpPr>
+          <p:nvPr>
+            <p:ph type="sldNum" sz="quarter" idx="12"/>
+          </p:nvPr>
+        </p:nvSpPr>
+        <p:spPr/>
+        <p:txBody>
+          <a:bodyPr/>
+          <a:lstStyle/>
+          <a:p>
+            <a:fld id="{D57F1E4F-1CFF-5643-939E-217C01CDF565}" type="slidenum">
+              <a:rPr lang="en-US" smtClean="0"/>
+              <a:pPr/>
+              <a:t>61</a:t>
+            </a:fld>
+            <a:endParaRPr lang="en-US" dirty="0"/>
+          </a:p>
+        </p:txBody>
+      </p:sp>
+    </p:spTree>
+    <p:extLst>
+      <p:ext uri="{BB962C8B-B14F-4D97-AF65-F5344CB8AC3E}">
+        <p14:creationId xmlns:p14="http://schemas.microsoft.com/office/powerpoint/2010/main" val="1732599360"/>
+      </p:ext>
+    </p:extLst>
+  </p:cSld>
+  <p:clrMapOvr>
+    <a:masterClrMapping/>
+  </p:clrMapOvr>
+  <p:timing>
+    <p:tnLst>
+      <p:par>
+        <p:cTn id="1" dur="indefinite" restart="never" nodeType="tmRoot"/>
+      </p:par>
+    </p:tnLst>
+  </p:timing>
+</p:sld>
+</file>
+
+<file path=ppt/slides/slide62.xml><?xml version="1.0" encoding="utf-8"?>
+<p:sld xmlns:a="http://schemas.openxmlformats.org/drawingml/2006/main" xmlns:r="http://schemas.openxmlformats.org/officeDocument/2006/relationships" xmlns:p="http://schemas.openxmlformats.org/presentationml/2006/main">
+  <p:cSld>
+    <p:spTree>
+      <p:nvGrpSpPr>
+        <p:cNvPr id="1" name=""/>
+        <p:cNvGrpSpPr/>
+        <p:nvPr/>
+      </p:nvGrpSpPr>
+      <p:grpSpPr>
+        <a:xfrm>
+          <a:off x="0" y="0"/>
+          <a:ext cx="0" cy="0"/>
+          <a:chOff x="0" y="0"/>
+          <a:chExt cx="0" cy="0"/>
+        </a:xfrm>
+      </p:grpSpPr>
+      <p:sp>
+        <p:nvSpPr>
+          <p:cNvPr id="2" name="Title 1"/>
+          <p:cNvSpPr>
+            <a:spLocks noGrp="1"/>
+          </p:cNvSpPr>
+          <p:nvPr>
+            <p:ph type="title"/>
+          </p:nvPr>
+        </p:nvSpPr>
+        <p:spPr/>
+        <p:txBody>
+          <a:bodyPr/>
+          <a:lstStyle/>
+          <a:p>
+            <a:r>
+              <a:rPr lang="tr-TR" dirty="0"/>
+              <a:t>Modern Bilgisayarın Bileşenleri:</a:t>
+            </a:r>
+          </a:p>
+        </p:txBody>
+      </p:sp>
+      <p:sp>
+        <p:nvSpPr>
+          <p:cNvPr id="3" name="Content Placeholder 2"/>
+          <p:cNvSpPr>
+            <a:spLocks noGrp="1"/>
+          </p:cNvSpPr>
+          <p:nvPr>
+            <p:ph idx="1"/>
+          </p:nvPr>
+        </p:nvSpPr>
+        <p:spPr>
+          <a:xfrm>
+            <a:off x="838200" y="1825625"/>
+            <a:ext cx="10515600" cy="4680000"/>
+          </a:xfrm>
+        </p:spPr>
+        <p:txBody>
+          <a:bodyPr>
+            <a:normAutofit/>
+          </a:bodyPr>
+          <a:lstStyle/>
+          <a:p>
+            <a:endParaRPr lang="tr-TR" dirty="0"/>
+          </a:p>
+        </p:txBody>
+      </p:sp>
+      <p:sp>
+        <p:nvSpPr>
+          <p:cNvPr id="4" name="Date Placeholder 3"/>
+          <p:cNvSpPr>
+            <a:spLocks noGrp="1"/>
+          </p:cNvSpPr>
+          <p:nvPr>
+            <p:ph type="dt" sz="half" idx="10"/>
+          </p:nvPr>
+        </p:nvSpPr>
+        <p:spPr/>
+        <p:txBody>
+          <a:bodyPr/>
+          <a:lstStyle/>
+          <a:p>
+            <a:r>
+              <a:rPr lang="en-US" smtClean="0"/>
+              <a:t>1/20/2023</a:t>
+            </a:r>
+            <a:endParaRPr lang="en-US" dirty="0"/>
+          </a:p>
+        </p:txBody>
+      </p:sp>
+      <p:sp>
+        <p:nvSpPr>
+          <p:cNvPr id="5" name="Footer Placeholder 4"/>
+          <p:cNvSpPr>
+            <a:spLocks noGrp="1"/>
+          </p:cNvSpPr>
+          <p:nvPr>
+            <p:ph type="ftr" sz="quarter" idx="11"/>
+          </p:nvPr>
+        </p:nvSpPr>
+        <p:spPr/>
+        <p:txBody>
+          <a:bodyPr/>
+          <a:lstStyle/>
+          <a:p>
+            <a:r>
+              <a:rPr lang="en-US" smtClean="0"/>
+              <a:t>Sercan KÜLCÜ, Tanenbaum, Modern Operating Systems 3e kitabından faydalanılmıştır. Tüm hakları saklıdır.</a:t>
+            </a:r>
+            <a:endParaRPr lang="en-US" dirty="0"/>
+          </a:p>
+        </p:txBody>
+      </p:sp>
+      <p:sp>
+        <p:nvSpPr>
+          <p:cNvPr id="6" name="Slide Number Placeholder 5"/>
+          <p:cNvSpPr>
+            <a:spLocks noGrp="1"/>
+          </p:cNvSpPr>
+          <p:nvPr>
+            <p:ph type="sldNum" sz="quarter" idx="12"/>
+          </p:nvPr>
+        </p:nvSpPr>
+        <p:spPr/>
+        <p:txBody>
+          <a:bodyPr/>
+          <a:lstStyle/>
+          <a:p>
+            <a:fld id="{D57F1E4F-1CFF-5643-939E-217C01CDF565}" type="slidenum">
+              <a:rPr lang="en-US" smtClean="0"/>
+              <a:pPr/>
+              <a:t>62</a:t>
+            </a:fld>
+            <a:endParaRPr lang="en-US" dirty="0"/>
+          </a:p>
+        </p:txBody>
+      </p:sp>
+    </p:spTree>
+    <p:extLst>
+      <p:ext uri="{BB962C8B-B14F-4D97-AF65-F5344CB8AC3E}">
+        <p14:creationId xmlns:p14="http://schemas.microsoft.com/office/powerpoint/2010/main" val="3356929826"/>
+      </p:ext>
+    </p:extLst>
+  </p:cSld>
+  <p:clrMapOvr>
+    <a:masterClrMapping/>
+  </p:clrMapOvr>
+  <p:timing>
+    <p:tnLst>
+      <p:par>
+        <p:cTn id="1" dur="indefinite" restart="never" nodeType="tmRoot"/>
+      </p:par>
+    </p:tnLst>
+  </p:timing>
+</p:sld>
+</file>
+
+<file path=ppt/slides/slide63.xml><?xml version="1.0" encoding="utf-8"?>
+<p:sld xmlns:a="http://schemas.openxmlformats.org/drawingml/2006/main" xmlns:r="http://schemas.openxmlformats.org/officeDocument/2006/relationships" xmlns:p="http://schemas.openxmlformats.org/presentationml/2006/main">
+  <p:cSld>
+    <p:spTree>
+      <p:nvGrpSpPr>
+        <p:cNvPr id="1" name=""/>
+        <p:cNvGrpSpPr/>
+        <p:nvPr/>
+      </p:nvGrpSpPr>
+      <p:grpSpPr>
+        <a:xfrm>
+          <a:off x="0" y="0"/>
+          <a:ext cx="0" cy="0"/>
+          <a:chOff x="0" y="0"/>
+          <a:chExt cx="0" cy="0"/>
+        </a:xfrm>
+      </p:grpSpPr>
+      <p:sp>
+        <p:nvSpPr>
+          <p:cNvPr id="2" name="Title 1"/>
+          <p:cNvSpPr>
+            <a:spLocks noGrp="1"/>
+          </p:cNvSpPr>
+          <p:nvPr>
+            <p:ph type="title"/>
+          </p:nvPr>
+        </p:nvSpPr>
+        <p:spPr/>
+        <p:txBody>
+          <a:bodyPr/>
+          <a:lstStyle/>
+          <a:p>
+            <a:r>
+              <a:rPr lang="tr-TR" dirty="0"/>
+              <a:t>Modern Bilgisayarın Bileşenleri:</a:t>
+            </a:r>
+          </a:p>
+        </p:txBody>
+      </p:sp>
+      <p:sp>
+        <p:nvSpPr>
+          <p:cNvPr id="3" name="Content Placeholder 2"/>
+          <p:cNvSpPr>
+            <a:spLocks noGrp="1"/>
+          </p:cNvSpPr>
+          <p:nvPr>
+            <p:ph idx="1"/>
+          </p:nvPr>
+        </p:nvSpPr>
+        <p:spPr>
+          <a:xfrm>
+            <a:off x="838200" y="1825625"/>
+            <a:ext cx="10515600" cy="4680000"/>
+          </a:xfrm>
+        </p:spPr>
+        <p:txBody>
+          <a:bodyPr>
+            <a:normAutofit/>
+          </a:bodyPr>
+          <a:lstStyle/>
+          <a:p>
+            <a:endParaRPr lang="tr-TR" dirty="0"/>
+          </a:p>
+        </p:txBody>
+      </p:sp>
+      <p:sp>
+        <p:nvSpPr>
+          <p:cNvPr id="4" name="Date Placeholder 3"/>
+          <p:cNvSpPr>
+            <a:spLocks noGrp="1"/>
+          </p:cNvSpPr>
+          <p:nvPr>
+            <p:ph type="dt" sz="half" idx="10"/>
+          </p:nvPr>
+        </p:nvSpPr>
+        <p:spPr/>
+        <p:txBody>
+          <a:bodyPr/>
+          <a:lstStyle/>
+          <a:p>
+            <a:r>
+              <a:rPr lang="en-US" smtClean="0"/>
+              <a:t>1/20/2023</a:t>
+            </a:r>
+            <a:endParaRPr lang="en-US" dirty="0"/>
+          </a:p>
+        </p:txBody>
+      </p:sp>
+      <p:sp>
+        <p:nvSpPr>
+          <p:cNvPr id="5" name="Footer Placeholder 4"/>
+          <p:cNvSpPr>
+            <a:spLocks noGrp="1"/>
+          </p:cNvSpPr>
+          <p:nvPr>
+            <p:ph type="ftr" sz="quarter" idx="11"/>
+          </p:nvPr>
+        </p:nvSpPr>
+        <p:spPr/>
+        <p:txBody>
+          <a:bodyPr/>
+          <a:lstStyle/>
+          <a:p>
+            <a:r>
+              <a:rPr lang="en-US" smtClean="0"/>
+              <a:t>Sercan KÜLCÜ, Tanenbaum, Modern Operating Systems 3e kitabından faydalanılmıştır. Tüm hakları saklıdır.</a:t>
+            </a:r>
+            <a:endParaRPr lang="en-US" dirty="0"/>
+          </a:p>
+        </p:txBody>
+      </p:sp>
+      <p:sp>
+        <p:nvSpPr>
+          <p:cNvPr id="6" name="Slide Number Placeholder 5"/>
+          <p:cNvSpPr>
+            <a:spLocks noGrp="1"/>
+          </p:cNvSpPr>
+          <p:nvPr>
+            <p:ph type="sldNum" sz="quarter" idx="12"/>
+          </p:nvPr>
+        </p:nvSpPr>
+        <p:spPr/>
+        <p:txBody>
+          <a:bodyPr/>
+          <a:lstStyle/>
+          <a:p>
+            <a:fld id="{D57F1E4F-1CFF-5643-939E-217C01CDF565}" type="slidenum">
+              <a:rPr lang="en-US" smtClean="0"/>
+              <a:pPr/>
+              <a:t>63</a:t>
+            </a:fld>
+            <a:endParaRPr lang="en-US" dirty="0"/>
+          </a:p>
+        </p:txBody>
+      </p:sp>
+    </p:spTree>
+    <p:extLst>
+      <p:ext uri="{BB962C8B-B14F-4D97-AF65-F5344CB8AC3E}">
+        <p14:creationId xmlns:p14="http://schemas.microsoft.com/office/powerpoint/2010/main" val="3318654972"/>
+      </p:ext>
+    </p:extLst>
+  </p:cSld>
+  <p:clrMapOvr>
+    <a:masterClrMapping/>
+  </p:clrMapOvr>
+  <p:timing>
+    <p:tnLst>
+      <p:par>
+        <p:cTn id="1" dur="indefinite" restart="never" nodeType="tmRoot"/>
+      </p:par>
+    </p:tnLst>
+  </p:timing>
+</p:sld>
+</file>
+
+<file path=ppt/slides/slide64.xml><?xml version="1.0" encoding="utf-8"?>
+<p:sld xmlns:a="http://schemas.openxmlformats.org/drawingml/2006/main" xmlns:r="http://schemas.openxmlformats.org/officeDocument/2006/relationships" xmlns:p="http://schemas.openxmlformats.org/presentationml/2006/main">
+  <p:cSld>
+    <p:spTree>
+      <p:nvGrpSpPr>
+        <p:cNvPr id="1" name=""/>
+        <p:cNvGrpSpPr/>
+        <p:nvPr/>
+      </p:nvGrpSpPr>
+      <p:grpSpPr>
+        <a:xfrm>
+          <a:off x="0" y="0"/>
+          <a:ext cx="0" cy="0"/>
+          <a:chOff x="0" y="0"/>
+          <a:chExt cx="0" cy="0"/>
+        </a:xfrm>
+      </p:grpSpPr>
+      <p:sp>
+        <p:nvSpPr>
+          <p:cNvPr id="2" name="Title 1"/>
+          <p:cNvSpPr>
+            <a:spLocks noGrp="1"/>
+          </p:cNvSpPr>
+          <p:nvPr>
+            <p:ph type="title"/>
+          </p:nvPr>
+        </p:nvSpPr>
+        <p:spPr/>
+        <p:txBody>
+          <a:bodyPr/>
+          <a:lstStyle/>
+          <a:p>
+            <a:r>
+              <a:rPr lang="tr-TR" dirty="0"/>
+              <a:t>Modern Bilgisayarın Bileşenleri:</a:t>
+            </a:r>
+          </a:p>
+        </p:txBody>
+      </p:sp>
+      <p:sp>
+        <p:nvSpPr>
+          <p:cNvPr id="3" name="Content Placeholder 2"/>
+          <p:cNvSpPr>
+            <a:spLocks noGrp="1"/>
+          </p:cNvSpPr>
+          <p:nvPr>
+            <p:ph idx="1"/>
+          </p:nvPr>
+        </p:nvSpPr>
+        <p:spPr>
+          <a:xfrm>
+            <a:off x="838200" y="1825625"/>
+            <a:ext cx="10515600" cy="4680000"/>
+          </a:xfrm>
+        </p:spPr>
+        <p:txBody>
+          <a:bodyPr>
+            <a:normAutofit/>
+          </a:bodyPr>
+          <a:lstStyle/>
+          <a:p>
+            <a:endParaRPr lang="tr-TR" dirty="0"/>
+          </a:p>
+        </p:txBody>
+      </p:sp>
+      <p:sp>
+        <p:nvSpPr>
+          <p:cNvPr id="4" name="Date Placeholder 3"/>
+          <p:cNvSpPr>
+            <a:spLocks noGrp="1"/>
+          </p:cNvSpPr>
+          <p:nvPr>
+            <p:ph type="dt" sz="half" idx="10"/>
+          </p:nvPr>
+        </p:nvSpPr>
+        <p:spPr/>
+        <p:txBody>
+          <a:bodyPr/>
+          <a:lstStyle/>
+          <a:p>
+            <a:r>
+              <a:rPr lang="en-US" smtClean="0"/>
+              <a:t>1/20/2023</a:t>
+            </a:r>
+            <a:endParaRPr lang="en-US" dirty="0"/>
+          </a:p>
+        </p:txBody>
+      </p:sp>
+      <p:sp>
+        <p:nvSpPr>
+          <p:cNvPr id="5" name="Footer Placeholder 4"/>
+          <p:cNvSpPr>
+            <a:spLocks noGrp="1"/>
+          </p:cNvSpPr>
+          <p:nvPr>
+            <p:ph type="ftr" sz="quarter" idx="11"/>
+          </p:nvPr>
+        </p:nvSpPr>
+        <p:spPr/>
+        <p:txBody>
+          <a:bodyPr/>
+          <a:lstStyle/>
+          <a:p>
+            <a:r>
+              <a:rPr lang="en-US" smtClean="0"/>
+              <a:t>Sercan KÜLCÜ, Tanenbaum, Modern Operating Systems 3e kitabından faydalanılmıştır. Tüm hakları saklıdır.</a:t>
+            </a:r>
+            <a:endParaRPr lang="en-US" dirty="0"/>
+          </a:p>
+        </p:txBody>
+      </p:sp>
+      <p:sp>
+        <p:nvSpPr>
+          <p:cNvPr id="6" name="Slide Number Placeholder 5"/>
+          <p:cNvSpPr>
+            <a:spLocks noGrp="1"/>
+          </p:cNvSpPr>
+          <p:nvPr>
+            <p:ph type="sldNum" sz="quarter" idx="12"/>
+          </p:nvPr>
+        </p:nvSpPr>
+        <p:spPr/>
+        <p:txBody>
+          <a:bodyPr/>
+          <a:lstStyle/>
+          <a:p>
+            <a:fld id="{D57F1E4F-1CFF-5643-939E-217C01CDF565}" type="slidenum">
+              <a:rPr lang="en-US" smtClean="0"/>
+              <a:pPr/>
+              <a:t>64</a:t>
+            </a:fld>
+            <a:endParaRPr lang="en-US" dirty="0"/>
+          </a:p>
+        </p:txBody>
+      </p:sp>
+    </p:spTree>
+    <p:extLst>
+      <p:ext uri="{BB962C8B-B14F-4D97-AF65-F5344CB8AC3E}">
+        <p14:creationId xmlns:p14="http://schemas.microsoft.com/office/powerpoint/2010/main" val="3909368991"/>
+      </p:ext>
+    </p:extLst>
+  </p:cSld>
+  <p:clrMapOvr>
+    <a:masterClrMapping/>
+  </p:clrMapOvr>
+  <p:timing>
+    <p:tnLst>
+      <p:par>
+        <p:cTn id="1" dur="indefinite" restart="never" nodeType="tmRoot"/>
+      </p:par>
+    </p:tnLst>
+  </p:timing>
+</p:sld>
+</file>
+
+<file path=ppt/slides/slide65.xml><?xml version="1.0" encoding="utf-8"?>
+<p:sld xmlns:a="http://schemas.openxmlformats.org/drawingml/2006/main" xmlns:r="http://schemas.openxmlformats.org/officeDocument/2006/relationships" xmlns:p="http://schemas.openxmlformats.org/presentationml/2006/main">
+  <p:cSld>
+    <p:spTree>
+      <p:nvGrpSpPr>
+        <p:cNvPr id="1" name=""/>
+        <p:cNvGrpSpPr/>
+        <p:nvPr/>
+      </p:nvGrpSpPr>
+      <p:grpSpPr>
+        <a:xfrm>
+          <a:off x="0" y="0"/>
+          <a:ext cx="0" cy="0"/>
+          <a:chOff x="0" y="0"/>
+          <a:chExt cx="0" cy="0"/>
+        </a:xfrm>
+      </p:grpSpPr>
+      <p:sp>
+        <p:nvSpPr>
+          <p:cNvPr id="2" name="Title 1"/>
+          <p:cNvSpPr>
+            <a:spLocks noGrp="1"/>
+          </p:cNvSpPr>
+          <p:nvPr>
+            <p:ph type="title"/>
+          </p:nvPr>
+        </p:nvSpPr>
+        <p:spPr/>
+        <p:txBody>
+          <a:bodyPr/>
+          <a:lstStyle/>
+          <a:p>
+            <a:r>
+              <a:rPr lang="tr-TR" dirty="0"/>
+              <a:t>Modern Bilgisayarın Bileşenleri:</a:t>
+            </a:r>
+          </a:p>
+        </p:txBody>
+      </p:sp>
+      <p:sp>
+        <p:nvSpPr>
+          <p:cNvPr id="3" name="Content Placeholder 2"/>
+          <p:cNvSpPr>
+            <a:spLocks noGrp="1"/>
+          </p:cNvSpPr>
+          <p:nvPr>
+            <p:ph idx="1"/>
+          </p:nvPr>
+        </p:nvSpPr>
+        <p:spPr>
+          <a:xfrm>
+            <a:off x="838200" y="1825625"/>
+            <a:ext cx="10515600" cy="4680000"/>
+          </a:xfrm>
+        </p:spPr>
+        <p:txBody>
+          <a:bodyPr>
+            <a:normAutofit/>
+          </a:bodyPr>
+          <a:lstStyle/>
+          <a:p>
+            <a:endParaRPr lang="tr-TR" dirty="0"/>
+          </a:p>
+        </p:txBody>
+      </p:sp>
+      <p:sp>
+        <p:nvSpPr>
+          <p:cNvPr id="4" name="Date Placeholder 3"/>
+          <p:cNvSpPr>
+            <a:spLocks noGrp="1"/>
+          </p:cNvSpPr>
+          <p:nvPr>
+            <p:ph type="dt" sz="half" idx="10"/>
+          </p:nvPr>
+        </p:nvSpPr>
+        <p:spPr/>
+        <p:txBody>
+          <a:bodyPr/>
+          <a:lstStyle/>
+          <a:p>
+            <a:r>
+              <a:rPr lang="en-US" smtClean="0"/>
+              <a:t>1/20/2023</a:t>
+            </a:r>
+            <a:endParaRPr lang="en-US" dirty="0"/>
+          </a:p>
+        </p:txBody>
+      </p:sp>
+      <p:sp>
+        <p:nvSpPr>
+          <p:cNvPr id="5" name="Footer Placeholder 4"/>
+          <p:cNvSpPr>
+            <a:spLocks noGrp="1"/>
+          </p:cNvSpPr>
+          <p:nvPr>
+            <p:ph type="ftr" sz="quarter" idx="11"/>
+          </p:nvPr>
+        </p:nvSpPr>
+        <p:spPr/>
+        <p:txBody>
+          <a:bodyPr/>
+          <a:lstStyle/>
+          <a:p>
+            <a:r>
+              <a:rPr lang="en-US" smtClean="0"/>
+              <a:t>Sercan KÜLCÜ, Tanenbaum, Modern Operating Systems 3e kitabından faydalanılmıştır. Tüm hakları saklıdır.</a:t>
+            </a:r>
+            <a:endParaRPr lang="en-US" dirty="0"/>
+          </a:p>
+        </p:txBody>
+      </p:sp>
+      <p:sp>
+        <p:nvSpPr>
+          <p:cNvPr id="6" name="Slide Number Placeholder 5"/>
+          <p:cNvSpPr>
+            <a:spLocks noGrp="1"/>
+          </p:cNvSpPr>
+          <p:nvPr>
+            <p:ph type="sldNum" sz="quarter" idx="12"/>
+          </p:nvPr>
+        </p:nvSpPr>
+        <p:spPr/>
+        <p:txBody>
+          <a:bodyPr/>
+          <a:lstStyle/>
+          <a:p>
+            <a:fld id="{D57F1E4F-1CFF-5643-939E-217C01CDF565}" type="slidenum">
+              <a:rPr lang="en-US" smtClean="0"/>
+              <a:pPr/>
+              <a:t>65</a:t>
+            </a:fld>
+            <a:endParaRPr lang="en-US" dirty="0"/>
+          </a:p>
+        </p:txBody>
+      </p:sp>
+    </p:spTree>
+    <p:extLst>
+      <p:ext uri="{BB962C8B-B14F-4D97-AF65-F5344CB8AC3E}">
+        <p14:creationId xmlns:p14="http://schemas.microsoft.com/office/powerpoint/2010/main" val="1600793337"/>
+      </p:ext>
+    </p:extLst>
+  </p:cSld>
+  <p:clrMapOvr>
+    <a:masterClrMapping/>
+  </p:clrMapOvr>
+  <p:timing>
+    <p:tnLst>
+      <p:par>
+        <p:cTn id="1" dur="indefinite" restart="never" nodeType="tmRoot"/>
+      </p:par>
+    </p:tnLst>
+  </p:timing>
+</p:sld>
+</file>
+
+<file path=ppt/slides/slide66.xml><?xml version="1.0" encoding="utf-8"?>
+<p:sld xmlns:a="http://schemas.openxmlformats.org/drawingml/2006/main" xmlns:r="http://schemas.openxmlformats.org/officeDocument/2006/relationships" xmlns:p="http://schemas.openxmlformats.org/presentationml/2006/main">
+  <p:cSld>
+    <p:spTree>
+      <p:nvGrpSpPr>
+        <p:cNvPr id="1" name=""/>
+        <p:cNvGrpSpPr/>
+        <p:nvPr/>
+      </p:nvGrpSpPr>
+      <p:grpSpPr>
+        <a:xfrm>
+          <a:off x="0" y="0"/>
+          <a:ext cx="0" cy="0"/>
+          <a:chOff x="0" y="0"/>
+          <a:chExt cx="0" cy="0"/>
+        </a:xfrm>
+      </p:grpSpPr>
+      <p:sp>
+        <p:nvSpPr>
+          <p:cNvPr id="2" name="Title 1"/>
+          <p:cNvSpPr>
+            <a:spLocks noGrp="1"/>
+          </p:cNvSpPr>
+          <p:nvPr>
+            <p:ph type="title"/>
+          </p:nvPr>
+        </p:nvSpPr>
+        <p:spPr/>
+        <p:txBody>
+          <a:bodyPr/>
+          <a:lstStyle/>
+          <a:p>
+            <a:r>
+              <a:rPr lang="tr-TR" dirty="0"/>
+              <a:t>Modern Bilgisayarın Bileşenleri:</a:t>
+            </a:r>
+          </a:p>
+        </p:txBody>
+      </p:sp>
+      <p:sp>
+        <p:nvSpPr>
+          <p:cNvPr id="3" name="Content Placeholder 2"/>
+          <p:cNvSpPr>
+            <a:spLocks noGrp="1"/>
+          </p:cNvSpPr>
+          <p:nvPr>
+            <p:ph idx="1"/>
+          </p:nvPr>
+        </p:nvSpPr>
+        <p:spPr>
+          <a:xfrm>
+            <a:off x="838200" y="1825625"/>
+            <a:ext cx="10515600" cy="4680000"/>
+          </a:xfrm>
+        </p:spPr>
+        <p:txBody>
+          <a:bodyPr>
+            <a:normAutofit/>
+          </a:bodyPr>
+          <a:lstStyle/>
+          <a:p>
+            <a:endParaRPr lang="tr-TR" dirty="0"/>
+          </a:p>
+        </p:txBody>
+      </p:sp>
+      <p:sp>
+        <p:nvSpPr>
+          <p:cNvPr id="4" name="Date Placeholder 3"/>
+          <p:cNvSpPr>
+            <a:spLocks noGrp="1"/>
+          </p:cNvSpPr>
+          <p:nvPr>
+            <p:ph type="dt" sz="half" idx="10"/>
+          </p:nvPr>
+        </p:nvSpPr>
+        <p:spPr/>
+        <p:txBody>
+          <a:bodyPr/>
+          <a:lstStyle/>
+          <a:p>
+            <a:r>
+              <a:rPr lang="en-US" smtClean="0"/>
+              <a:t>1/20/2023</a:t>
+            </a:r>
+            <a:endParaRPr lang="en-US" dirty="0"/>
+          </a:p>
+        </p:txBody>
+      </p:sp>
+      <p:sp>
+        <p:nvSpPr>
+          <p:cNvPr id="5" name="Footer Placeholder 4"/>
+          <p:cNvSpPr>
+            <a:spLocks noGrp="1"/>
+          </p:cNvSpPr>
+          <p:nvPr>
+            <p:ph type="ftr" sz="quarter" idx="11"/>
+          </p:nvPr>
+        </p:nvSpPr>
+        <p:spPr/>
+        <p:txBody>
+          <a:bodyPr/>
+          <a:lstStyle/>
+          <a:p>
+            <a:r>
+              <a:rPr lang="en-US" smtClean="0"/>
+              <a:t>Sercan KÜLCÜ, Tanenbaum, Modern Operating Systems 3e kitabından faydalanılmıştır. Tüm hakları saklıdır.</a:t>
+            </a:r>
+            <a:endParaRPr lang="en-US" dirty="0"/>
+          </a:p>
+        </p:txBody>
+      </p:sp>
+      <p:sp>
+        <p:nvSpPr>
+          <p:cNvPr id="6" name="Slide Number Placeholder 5"/>
+          <p:cNvSpPr>
+            <a:spLocks noGrp="1"/>
+          </p:cNvSpPr>
+          <p:nvPr>
+            <p:ph type="sldNum" sz="quarter" idx="12"/>
+          </p:nvPr>
+        </p:nvSpPr>
+        <p:spPr/>
+        <p:txBody>
+          <a:bodyPr/>
+          <a:lstStyle/>
+          <a:p>
+            <a:fld id="{D57F1E4F-1CFF-5643-939E-217C01CDF565}" type="slidenum">
+              <a:rPr lang="en-US" smtClean="0"/>
+              <a:pPr/>
+              <a:t>66</a:t>
+            </a:fld>
+            <a:endParaRPr lang="en-US" dirty="0"/>
+          </a:p>
+        </p:txBody>
+      </p:sp>
+    </p:spTree>
+    <p:extLst>
+      <p:ext uri="{BB962C8B-B14F-4D97-AF65-F5344CB8AC3E}">
+        <p14:creationId xmlns:p14="http://schemas.microsoft.com/office/powerpoint/2010/main" val="4217245153"/>
+      </p:ext>
+    </p:extLst>
+  </p:cSld>
+  <p:clrMapOvr>
+    <a:masterClrMapping/>
+  </p:clrMapOvr>
+  <p:timing>
+    <p:tnLst>
+      <p:par>
+        <p:cTn id="1" dur="indefinite" restart="never" nodeType="tmRoot"/>
+      </p:par>
+    </p:tnLst>
+  </p:timing>
+</p:sld>
+</file>
+
+<file path=ppt/slides/slide67.xml><?xml version="1.0" encoding="utf-8"?>
+<p:sld xmlns:a="http://schemas.openxmlformats.org/drawingml/2006/main" xmlns:r="http://schemas.openxmlformats.org/officeDocument/2006/relationships" xmlns:p="http://schemas.openxmlformats.org/presentationml/2006/main">
+  <p:cSld>
+    <p:spTree>
+      <p:nvGrpSpPr>
+        <p:cNvPr id="1" name=""/>
+        <p:cNvGrpSpPr/>
+        <p:nvPr/>
+      </p:nvGrpSpPr>
+      <p:grpSpPr>
+        <a:xfrm>
+          <a:off x="0" y="0"/>
+          <a:ext cx="0" cy="0"/>
+          <a:chOff x="0" y="0"/>
+          <a:chExt cx="0" cy="0"/>
+        </a:xfrm>
+      </p:grpSpPr>
+      <p:sp>
+        <p:nvSpPr>
+          <p:cNvPr id="2" name="Title 1"/>
+          <p:cNvSpPr>
+            <a:spLocks noGrp="1"/>
+          </p:cNvSpPr>
+          <p:nvPr>
+            <p:ph type="title"/>
+          </p:nvPr>
+        </p:nvSpPr>
+        <p:spPr/>
+        <p:txBody>
+          <a:bodyPr/>
+          <a:lstStyle/>
+          <a:p>
+            <a:r>
+              <a:rPr lang="tr-TR" dirty="0"/>
+              <a:t>Modern Bilgisayarın Bileşenleri:</a:t>
+            </a:r>
+          </a:p>
+        </p:txBody>
+      </p:sp>
+      <p:sp>
+        <p:nvSpPr>
+          <p:cNvPr id="3" name="Content Placeholder 2"/>
+          <p:cNvSpPr>
+            <a:spLocks noGrp="1"/>
+          </p:cNvSpPr>
+          <p:nvPr>
+            <p:ph idx="1"/>
+          </p:nvPr>
+        </p:nvSpPr>
+        <p:spPr>
+          <a:xfrm>
+            <a:off x="838200" y="1825625"/>
+            <a:ext cx="10515600" cy="4680000"/>
+          </a:xfrm>
+        </p:spPr>
+        <p:txBody>
+          <a:bodyPr>
+            <a:normAutofit/>
+          </a:bodyPr>
+          <a:lstStyle/>
+          <a:p>
+            <a:endParaRPr lang="tr-TR" dirty="0"/>
+          </a:p>
+        </p:txBody>
+      </p:sp>
+      <p:sp>
+        <p:nvSpPr>
+          <p:cNvPr id="4" name="Date Placeholder 3"/>
+          <p:cNvSpPr>
+            <a:spLocks noGrp="1"/>
+          </p:cNvSpPr>
+          <p:nvPr>
+            <p:ph type="dt" sz="half" idx="10"/>
+          </p:nvPr>
+        </p:nvSpPr>
+        <p:spPr/>
+        <p:txBody>
+          <a:bodyPr/>
+          <a:lstStyle/>
+          <a:p>
+            <a:r>
+              <a:rPr lang="en-US" smtClean="0"/>
+              <a:t>1/20/2023</a:t>
+            </a:r>
+            <a:endParaRPr lang="en-US" dirty="0"/>
+          </a:p>
+        </p:txBody>
+      </p:sp>
+      <p:sp>
+        <p:nvSpPr>
+          <p:cNvPr id="5" name="Footer Placeholder 4"/>
+          <p:cNvSpPr>
+            <a:spLocks noGrp="1"/>
+          </p:cNvSpPr>
+          <p:nvPr>
+            <p:ph type="ftr" sz="quarter" idx="11"/>
+          </p:nvPr>
+        </p:nvSpPr>
+        <p:spPr/>
+        <p:txBody>
+          <a:bodyPr/>
+          <a:lstStyle/>
+          <a:p>
+            <a:r>
+              <a:rPr lang="en-US" smtClean="0"/>
+              <a:t>Sercan KÜLCÜ, Tanenbaum, Modern Operating Systems 3e kitabından faydalanılmıştır. Tüm hakları saklıdır.</a:t>
+            </a:r>
+            <a:endParaRPr lang="en-US" dirty="0"/>
+          </a:p>
+        </p:txBody>
+      </p:sp>
+      <p:sp>
+        <p:nvSpPr>
+          <p:cNvPr id="6" name="Slide Number Placeholder 5"/>
+          <p:cNvSpPr>
+            <a:spLocks noGrp="1"/>
+          </p:cNvSpPr>
+          <p:nvPr>
+            <p:ph type="sldNum" sz="quarter" idx="12"/>
+          </p:nvPr>
+        </p:nvSpPr>
+        <p:spPr/>
+        <p:txBody>
+          <a:bodyPr/>
+          <a:lstStyle/>
+          <a:p>
+            <a:fld id="{D57F1E4F-1CFF-5643-939E-217C01CDF565}" type="slidenum">
+              <a:rPr lang="en-US" smtClean="0"/>
+              <a:pPr/>
+              <a:t>67</a:t>
+            </a:fld>
+            <a:endParaRPr lang="en-US" dirty="0"/>
+          </a:p>
+        </p:txBody>
+      </p:sp>
+    </p:spTree>
+    <p:extLst>
+      <p:ext uri="{BB962C8B-B14F-4D97-AF65-F5344CB8AC3E}">
+        <p14:creationId xmlns:p14="http://schemas.microsoft.com/office/powerpoint/2010/main" val="3850256806"/>
+      </p:ext>
+    </p:extLst>
+  </p:cSld>
+  <p:clrMapOvr>
+    <a:masterClrMapping/>
+  </p:clrMapOvr>
+  <p:timing>
+    <p:tnLst>
+      <p:par>
+        <p:cTn id="1" dur="indefinite" restart="never" nodeType="tmRoot"/>
+      </p:par>
+    </p:tnLst>
+  </p:timing>
+</p:sld>
+</file>
+
+<file path=ppt/slides/slide68.xml><?xml version="1.0" encoding="utf-8"?>
+<p:sld xmlns:a="http://schemas.openxmlformats.org/drawingml/2006/main" xmlns:r="http://schemas.openxmlformats.org/officeDocument/2006/relationships" xmlns:p="http://schemas.openxmlformats.org/presentationml/2006/main">
+  <p:cSld>
+    <p:spTree>
+      <p:nvGrpSpPr>
+        <p:cNvPr id="1" name=""/>
+        <p:cNvGrpSpPr/>
+        <p:nvPr/>
+      </p:nvGrpSpPr>
+      <p:grpSpPr>
+        <a:xfrm>
+          <a:off x="0" y="0"/>
+          <a:ext cx="0" cy="0"/>
+          <a:chOff x="0" y="0"/>
+          <a:chExt cx="0" cy="0"/>
+        </a:xfrm>
+      </p:grpSpPr>
+      <p:sp>
+        <p:nvSpPr>
+          <p:cNvPr id="2" name="Title 1"/>
+          <p:cNvSpPr>
+            <a:spLocks noGrp="1"/>
+          </p:cNvSpPr>
+          <p:nvPr>
+            <p:ph type="title"/>
+          </p:nvPr>
+        </p:nvSpPr>
+        <p:spPr/>
+        <p:txBody>
+          <a:bodyPr/>
+          <a:lstStyle/>
+          <a:p>
+            <a:r>
+              <a:rPr lang="tr-TR" dirty="0"/>
+              <a:t>Modern Bilgisayarın Bileşenleri:</a:t>
+            </a:r>
+          </a:p>
+        </p:txBody>
+      </p:sp>
+      <p:sp>
+        <p:nvSpPr>
+          <p:cNvPr id="3" name="Content Placeholder 2"/>
+          <p:cNvSpPr>
+            <a:spLocks noGrp="1"/>
+          </p:cNvSpPr>
+          <p:nvPr>
+            <p:ph idx="1"/>
+          </p:nvPr>
+        </p:nvSpPr>
+        <p:spPr>
+          <a:xfrm>
+            <a:off x="838200" y="1825625"/>
+            <a:ext cx="10515600" cy="4680000"/>
+          </a:xfrm>
+        </p:spPr>
+        <p:txBody>
+          <a:bodyPr>
+            <a:normAutofit/>
+          </a:bodyPr>
+          <a:lstStyle/>
+          <a:p>
+            <a:endParaRPr lang="tr-TR" dirty="0"/>
+          </a:p>
+        </p:txBody>
+      </p:sp>
+      <p:sp>
+        <p:nvSpPr>
+          <p:cNvPr id="4" name="Date Placeholder 3"/>
+          <p:cNvSpPr>
+            <a:spLocks noGrp="1"/>
+          </p:cNvSpPr>
+          <p:nvPr>
+            <p:ph type="dt" sz="half" idx="10"/>
+          </p:nvPr>
+        </p:nvSpPr>
+        <p:spPr/>
+        <p:txBody>
+          <a:bodyPr/>
+          <a:lstStyle/>
+          <a:p>
+            <a:r>
+              <a:rPr lang="en-US" smtClean="0"/>
+              <a:t>1/20/2023</a:t>
+            </a:r>
+            <a:endParaRPr lang="en-US" dirty="0"/>
+          </a:p>
+        </p:txBody>
+      </p:sp>
+      <p:sp>
+        <p:nvSpPr>
+          <p:cNvPr id="5" name="Footer Placeholder 4"/>
+          <p:cNvSpPr>
+            <a:spLocks noGrp="1"/>
+          </p:cNvSpPr>
+          <p:nvPr>
+            <p:ph type="ftr" sz="quarter" idx="11"/>
+          </p:nvPr>
+        </p:nvSpPr>
+        <p:spPr/>
+        <p:txBody>
+          <a:bodyPr/>
+          <a:lstStyle/>
+          <a:p>
+            <a:r>
+              <a:rPr lang="en-US" smtClean="0"/>
+              <a:t>Sercan KÜLCÜ, Tanenbaum, Modern Operating Systems 3e kitabından faydalanılmıştır. Tüm hakları saklıdır.</a:t>
+            </a:r>
+            <a:endParaRPr lang="en-US" dirty="0"/>
+          </a:p>
+        </p:txBody>
+      </p:sp>
+      <p:sp>
+        <p:nvSpPr>
+          <p:cNvPr id="6" name="Slide Number Placeholder 5"/>
+          <p:cNvSpPr>
+            <a:spLocks noGrp="1"/>
+          </p:cNvSpPr>
+          <p:nvPr>
+            <p:ph type="sldNum" sz="quarter" idx="12"/>
+          </p:nvPr>
+        </p:nvSpPr>
+        <p:spPr/>
+        <p:txBody>
+          <a:bodyPr/>
+          <a:lstStyle/>
+          <a:p>
+            <a:fld id="{D57F1E4F-1CFF-5643-939E-217C01CDF565}" type="slidenum">
+              <a:rPr lang="en-US" smtClean="0"/>
+              <a:pPr/>
+              <a:t>68</a:t>
+            </a:fld>
+            <a:endParaRPr lang="en-US" dirty="0"/>
+          </a:p>
+        </p:txBody>
+      </p:sp>
+    </p:spTree>
+    <p:extLst>
+      <p:ext uri="{BB962C8B-B14F-4D97-AF65-F5344CB8AC3E}">
+        <p14:creationId xmlns:p14="http://schemas.microsoft.com/office/powerpoint/2010/main" val="3358283079"/>
+      </p:ext>
+    </p:extLst>
+  </p:cSld>
+  <p:clrMapOvr>
+    <a:masterClrMapping/>
+  </p:clrMapOvr>
+  <p:timing>
+    <p:tnLst>
+      <p:par>
+        <p:cTn id="1" dur="indefinite" restart="never" nodeType="tmRoot"/>
+      </p:par>
+    </p:tnLst>
+  </p:timing>
+</p:sld>
+</file>
+
+<file path=ppt/slides/slide69.xml><?xml version="1.0" encoding="utf-8"?>
+<p:sld xmlns:a="http://schemas.openxmlformats.org/drawingml/2006/main" xmlns:r="http://schemas.openxmlformats.org/officeDocument/2006/relationships" xmlns:p="http://schemas.openxmlformats.org/presentationml/2006/main">
+  <p:cSld>
+    <p:spTree>
+      <p:nvGrpSpPr>
+        <p:cNvPr id="1" name=""/>
+        <p:cNvGrpSpPr/>
+        <p:nvPr/>
+      </p:nvGrpSpPr>
+      <p:grpSpPr>
+        <a:xfrm>
+          <a:off x="0" y="0"/>
+          <a:ext cx="0" cy="0"/>
+          <a:chOff x="0" y="0"/>
+          <a:chExt cx="0" cy="0"/>
+        </a:xfrm>
+      </p:grpSpPr>
+      <p:sp>
+        <p:nvSpPr>
+          <p:cNvPr id="2" name="Title 1"/>
+          <p:cNvSpPr>
+            <a:spLocks noGrp="1"/>
+          </p:cNvSpPr>
+          <p:nvPr>
+            <p:ph type="title"/>
+          </p:nvPr>
+        </p:nvSpPr>
+        <p:spPr/>
+        <p:txBody>
+          <a:bodyPr/>
+          <a:lstStyle/>
+          <a:p>
+            <a:r>
+              <a:rPr lang="tr-TR" dirty="0"/>
+              <a:t>Modern Bilgisayarın Bileşenleri:</a:t>
+            </a:r>
+          </a:p>
+        </p:txBody>
+      </p:sp>
+      <p:sp>
+        <p:nvSpPr>
+          <p:cNvPr id="3" name="Content Placeholder 2"/>
+          <p:cNvSpPr>
+            <a:spLocks noGrp="1"/>
+          </p:cNvSpPr>
+          <p:nvPr>
+            <p:ph idx="1"/>
+          </p:nvPr>
+        </p:nvSpPr>
+        <p:spPr>
+          <a:xfrm>
+            <a:off x="838200" y="1825625"/>
+            <a:ext cx="10515600" cy="4680000"/>
+          </a:xfrm>
+        </p:spPr>
+        <p:txBody>
+          <a:bodyPr>
+            <a:normAutofit/>
+          </a:bodyPr>
+          <a:lstStyle/>
+          <a:p>
+            <a:endParaRPr lang="tr-TR" dirty="0"/>
+          </a:p>
+        </p:txBody>
+      </p:sp>
+      <p:sp>
+        <p:nvSpPr>
+          <p:cNvPr id="4" name="Date Placeholder 3"/>
+          <p:cNvSpPr>
+            <a:spLocks noGrp="1"/>
+          </p:cNvSpPr>
+          <p:nvPr>
+            <p:ph type="dt" sz="half" idx="10"/>
+          </p:nvPr>
+        </p:nvSpPr>
+        <p:spPr/>
+        <p:txBody>
+          <a:bodyPr/>
+          <a:lstStyle/>
+          <a:p>
+            <a:r>
+              <a:rPr lang="en-US" smtClean="0"/>
+              <a:t>1/20/2023</a:t>
+            </a:r>
+            <a:endParaRPr lang="en-US" dirty="0"/>
+          </a:p>
+        </p:txBody>
+      </p:sp>
+      <p:sp>
+        <p:nvSpPr>
+          <p:cNvPr id="5" name="Footer Placeholder 4"/>
+          <p:cNvSpPr>
+            <a:spLocks noGrp="1"/>
+          </p:cNvSpPr>
+          <p:nvPr>
+            <p:ph type="ftr" sz="quarter" idx="11"/>
+          </p:nvPr>
+        </p:nvSpPr>
+        <p:spPr/>
+        <p:txBody>
+          <a:bodyPr/>
+          <a:lstStyle/>
+          <a:p>
+            <a:r>
+              <a:rPr lang="en-US" smtClean="0"/>
+              <a:t>Sercan KÜLCÜ, Tanenbaum, Modern Operating Systems 3e kitabından faydalanılmıştır. Tüm hakları saklıdır.</a:t>
+            </a:r>
+            <a:endParaRPr lang="en-US" dirty="0"/>
+          </a:p>
+        </p:txBody>
+      </p:sp>
+      <p:sp>
+        <p:nvSpPr>
+          <p:cNvPr id="6" name="Slide Number Placeholder 5"/>
+          <p:cNvSpPr>
+            <a:spLocks noGrp="1"/>
+          </p:cNvSpPr>
+          <p:nvPr>
+            <p:ph type="sldNum" sz="quarter" idx="12"/>
+          </p:nvPr>
+        </p:nvSpPr>
+        <p:spPr/>
+        <p:txBody>
+          <a:bodyPr/>
+          <a:lstStyle/>
+          <a:p>
+            <a:fld id="{D57F1E4F-1CFF-5643-939E-217C01CDF565}" type="slidenum">
+              <a:rPr lang="en-US" smtClean="0"/>
+              <a:pPr/>
+              <a:t>69</a:t>
+            </a:fld>
+            <a:endParaRPr lang="en-US" dirty="0"/>
+          </a:p>
+        </p:txBody>
+      </p:sp>
+    </p:spTree>
+    <p:extLst>
+      <p:ext uri="{BB962C8B-B14F-4D97-AF65-F5344CB8AC3E}">
+        <p14:creationId xmlns:p14="http://schemas.microsoft.com/office/powerpoint/2010/main" val="2582396821"/>
       </p:ext>
     </p:extLst>
   </p:cSld>
@@ -13868,6 +18182,1556 @@
 </p:sld>
 </file>
 
+<file path=ppt/slides/slide70.xml><?xml version="1.0" encoding="utf-8"?>
+<p:sld xmlns:a="http://schemas.openxmlformats.org/drawingml/2006/main" xmlns:r="http://schemas.openxmlformats.org/officeDocument/2006/relationships" xmlns:p="http://schemas.openxmlformats.org/presentationml/2006/main">
+  <p:cSld>
+    <p:spTree>
+      <p:nvGrpSpPr>
+        <p:cNvPr id="1" name=""/>
+        <p:cNvGrpSpPr/>
+        <p:nvPr/>
+      </p:nvGrpSpPr>
+      <p:grpSpPr>
+        <a:xfrm>
+          <a:off x="0" y="0"/>
+          <a:ext cx="0" cy="0"/>
+          <a:chOff x="0" y="0"/>
+          <a:chExt cx="0" cy="0"/>
+        </a:xfrm>
+      </p:grpSpPr>
+      <p:sp>
+        <p:nvSpPr>
+          <p:cNvPr id="2" name="Title 1"/>
+          <p:cNvSpPr>
+            <a:spLocks noGrp="1"/>
+          </p:cNvSpPr>
+          <p:nvPr>
+            <p:ph type="title"/>
+          </p:nvPr>
+        </p:nvSpPr>
+        <p:spPr/>
+        <p:txBody>
+          <a:bodyPr/>
+          <a:lstStyle/>
+          <a:p>
+            <a:r>
+              <a:rPr lang="tr-TR" dirty="0"/>
+              <a:t>Modern Bilgisayarın Bileşenleri:</a:t>
+            </a:r>
+          </a:p>
+        </p:txBody>
+      </p:sp>
+      <p:sp>
+        <p:nvSpPr>
+          <p:cNvPr id="3" name="Content Placeholder 2"/>
+          <p:cNvSpPr>
+            <a:spLocks noGrp="1"/>
+          </p:cNvSpPr>
+          <p:nvPr>
+            <p:ph idx="1"/>
+          </p:nvPr>
+        </p:nvSpPr>
+        <p:spPr>
+          <a:xfrm>
+            <a:off x="838200" y="1825625"/>
+            <a:ext cx="10515600" cy="4680000"/>
+          </a:xfrm>
+        </p:spPr>
+        <p:txBody>
+          <a:bodyPr>
+            <a:normAutofit/>
+          </a:bodyPr>
+          <a:lstStyle/>
+          <a:p>
+            <a:endParaRPr lang="tr-TR" dirty="0"/>
+          </a:p>
+        </p:txBody>
+      </p:sp>
+      <p:sp>
+        <p:nvSpPr>
+          <p:cNvPr id="4" name="Date Placeholder 3"/>
+          <p:cNvSpPr>
+            <a:spLocks noGrp="1"/>
+          </p:cNvSpPr>
+          <p:nvPr>
+            <p:ph type="dt" sz="half" idx="10"/>
+          </p:nvPr>
+        </p:nvSpPr>
+        <p:spPr/>
+        <p:txBody>
+          <a:bodyPr/>
+          <a:lstStyle/>
+          <a:p>
+            <a:r>
+              <a:rPr lang="en-US" smtClean="0"/>
+              <a:t>1/20/2023</a:t>
+            </a:r>
+            <a:endParaRPr lang="en-US" dirty="0"/>
+          </a:p>
+        </p:txBody>
+      </p:sp>
+      <p:sp>
+        <p:nvSpPr>
+          <p:cNvPr id="5" name="Footer Placeholder 4"/>
+          <p:cNvSpPr>
+            <a:spLocks noGrp="1"/>
+          </p:cNvSpPr>
+          <p:nvPr>
+            <p:ph type="ftr" sz="quarter" idx="11"/>
+          </p:nvPr>
+        </p:nvSpPr>
+        <p:spPr/>
+        <p:txBody>
+          <a:bodyPr/>
+          <a:lstStyle/>
+          <a:p>
+            <a:r>
+              <a:rPr lang="en-US" smtClean="0"/>
+              <a:t>Sercan KÜLCÜ, Tanenbaum, Modern Operating Systems 3e kitabından faydalanılmıştır. Tüm hakları saklıdır.</a:t>
+            </a:r>
+            <a:endParaRPr lang="en-US" dirty="0"/>
+          </a:p>
+        </p:txBody>
+      </p:sp>
+      <p:sp>
+        <p:nvSpPr>
+          <p:cNvPr id="6" name="Slide Number Placeholder 5"/>
+          <p:cNvSpPr>
+            <a:spLocks noGrp="1"/>
+          </p:cNvSpPr>
+          <p:nvPr>
+            <p:ph type="sldNum" sz="quarter" idx="12"/>
+          </p:nvPr>
+        </p:nvSpPr>
+        <p:spPr/>
+        <p:txBody>
+          <a:bodyPr/>
+          <a:lstStyle/>
+          <a:p>
+            <a:fld id="{D57F1E4F-1CFF-5643-939E-217C01CDF565}" type="slidenum">
+              <a:rPr lang="en-US" smtClean="0"/>
+              <a:pPr/>
+              <a:t>70</a:t>
+            </a:fld>
+            <a:endParaRPr lang="en-US" dirty="0"/>
+          </a:p>
+        </p:txBody>
+      </p:sp>
+    </p:spTree>
+    <p:extLst>
+      <p:ext uri="{BB962C8B-B14F-4D97-AF65-F5344CB8AC3E}">
+        <p14:creationId xmlns:p14="http://schemas.microsoft.com/office/powerpoint/2010/main" val="1371525428"/>
+      </p:ext>
+    </p:extLst>
+  </p:cSld>
+  <p:clrMapOvr>
+    <a:masterClrMapping/>
+  </p:clrMapOvr>
+  <p:timing>
+    <p:tnLst>
+      <p:par>
+        <p:cTn id="1" dur="indefinite" restart="never" nodeType="tmRoot"/>
+      </p:par>
+    </p:tnLst>
+  </p:timing>
+</p:sld>
+</file>
+
+<file path=ppt/slides/slide71.xml><?xml version="1.0" encoding="utf-8"?>
+<p:sld xmlns:a="http://schemas.openxmlformats.org/drawingml/2006/main" xmlns:r="http://schemas.openxmlformats.org/officeDocument/2006/relationships" xmlns:p="http://schemas.openxmlformats.org/presentationml/2006/main">
+  <p:cSld>
+    <p:spTree>
+      <p:nvGrpSpPr>
+        <p:cNvPr id="1" name=""/>
+        <p:cNvGrpSpPr/>
+        <p:nvPr/>
+      </p:nvGrpSpPr>
+      <p:grpSpPr>
+        <a:xfrm>
+          <a:off x="0" y="0"/>
+          <a:ext cx="0" cy="0"/>
+          <a:chOff x="0" y="0"/>
+          <a:chExt cx="0" cy="0"/>
+        </a:xfrm>
+      </p:grpSpPr>
+      <p:sp>
+        <p:nvSpPr>
+          <p:cNvPr id="2" name="Title 1"/>
+          <p:cNvSpPr>
+            <a:spLocks noGrp="1"/>
+          </p:cNvSpPr>
+          <p:nvPr>
+            <p:ph type="title"/>
+          </p:nvPr>
+        </p:nvSpPr>
+        <p:spPr/>
+        <p:txBody>
+          <a:bodyPr/>
+          <a:lstStyle/>
+          <a:p>
+            <a:r>
+              <a:rPr lang="tr-TR" dirty="0"/>
+              <a:t>Modern Bilgisayarın Bileşenleri:</a:t>
+            </a:r>
+          </a:p>
+        </p:txBody>
+      </p:sp>
+      <p:sp>
+        <p:nvSpPr>
+          <p:cNvPr id="3" name="Content Placeholder 2"/>
+          <p:cNvSpPr>
+            <a:spLocks noGrp="1"/>
+          </p:cNvSpPr>
+          <p:nvPr>
+            <p:ph idx="1"/>
+          </p:nvPr>
+        </p:nvSpPr>
+        <p:spPr>
+          <a:xfrm>
+            <a:off x="838200" y="1825625"/>
+            <a:ext cx="10515600" cy="4680000"/>
+          </a:xfrm>
+        </p:spPr>
+        <p:txBody>
+          <a:bodyPr>
+            <a:normAutofit/>
+          </a:bodyPr>
+          <a:lstStyle/>
+          <a:p>
+            <a:endParaRPr lang="tr-TR" dirty="0"/>
+          </a:p>
+        </p:txBody>
+      </p:sp>
+      <p:sp>
+        <p:nvSpPr>
+          <p:cNvPr id="4" name="Date Placeholder 3"/>
+          <p:cNvSpPr>
+            <a:spLocks noGrp="1"/>
+          </p:cNvSpPr>
+          <p:nvPr>
+            <p:ph type="dt" sz="half" idx="10"/>
+          </p:nvPr>
+        </p:nvSpPr>
+        <p:spPr/>
+        <p:txBody>
+          <a:bodyPr/>
+          <a:lstStyle/>
+          <a:p>
+            <a:r>
+              <a:rPr lang="en-US" smtClean="0"/>
+              <a:t>1/20/2023</a:t>
+            </a:r>
+            <a:endParaRPr lang="en-US" dirty="0"/>
+          </a:p>
+        </p:txBody>
+      </p:sp>
+      <p:sp>
+        <p:nvSpPr>
+          <p:cNvPr id="5" name="Footer Placeholder 4"/>
+          <p:cNvSpPr>
+            <a:spLocks noGrp="1"/>
+          </p:cNvSpPr>
+          <p:nvPr>
+            <p:ph type="ftr" sz="quarter" idx="11"/>
+          </p:nvPr>
+        </p:nvSpPr>
+        <p:spPr/>
+        <p:txBody>
+          <a:bodyPr/>
+          <a:lstStyle/>
+          <a:p>
+            <a:r>
+              <a:rPr lang="en-US" smtClean="0"/>
+              <a:t>Sercan KÜLCÜ, Tanenbaum, Modern Operating Systems 3e kitabından faydalanılmıştır. Tüm hakları saklıdır.</a:t>
+            </a:r>
+            <a:endParaRPr lang="en-US" dirty="0"/>
+          </a:p>
+        </p:txBody>
+      </p:sp>
+      <p:sp>
+        <p:nvSpPr>
+          <p:cNvPr id="6" name="Slide Number Placeholder 5"/>
+          <p:cNvSpPr>
+            <a:spLocks noGrp="1"/>
+          </p:cNvSpPr>
+          <p:nvPr>
+            <p:ph type="sldNum" sz="quarter" idx="12"/>
+          </p:nvPr>
+        </p:nvSpPr>
+        <p:spPr/>
+        <p:txBody>
+          <a:bodyPr/>
+          <a:lstStyle/>
+          <a:p>
+            <a:fld id="{D57F1E4F-1CFF-5643-939E-217C01CDF565}" type="slidenum">
+              <a:rPr lang="en-US" smtClean="0"/>
+              <a:pPr/>
+              <a:t>71</a:t>
+            </a:fld>
+            <a:endParaRPr lang="en-US" dirty="0"/>
+          </a:p>
+        </p:txBody>
+      </p:sp>
+    </p:spTree>
+    <p:extLst>
+      <p:ext uri="{BB962C8B-B14F-4D97-AF65-F5344CB8AC3E}">
+        <p14:creationId xmlns:p14="http://schemas.microsoft.com/office/powerpoint/2010/main" val="4122300388"/>
+      </p:ext>
+    </p:extLst>
+  </p:cSld>
+  <p:clrMapOvr>
+    <a:masterClrMapping/>
+  </p:clrMapOvr>
+  <p:timing>
+    <p:tnLst>
+      <p:par>
+        <p:cTn id="1" dur="indefinite" restart="never" nodeType="tmRoot"/>
+      </p:par>
+    </p:tnLst>
+  </p:timing>
+</p:sld>
+</file>
+
+<file path=ppt/slides/slide72.xml><?xml version="1.0" encoding="utf-8"?>
+<p:sld xmlns:a="http://schemas.openxmlformats.org/drawingml/2006/main" xmlns:r="http://schemas.openxmlformats.org/officeDocument/2006/relationships" xmlns:p="http://schemas.openxmlformats.org/presentationml/2006/main">
+  <p:cSld>
+    <p:spTree>
+      <p:nvGrpSpPr>
+        <p:cNvPr id="1" name=""/>
+        <p:cNvGrpSpPr/>
+        <p:nvPr/>
+      </p:nvGrpSpPr>
+      <p:grpSpPr>
+        <a:xfrm>
+          <a:off x="0" y="0"/>
+          <a:ext cx="0" cy="0"/>
+          <a:chOff x="0" y="0"/>
+          <a:chExt cx="0" cy="0"/>
+        </a:xfrm>
+      </p:grpSpPr>
+      <p:sp>
+        <p:nvSpPr>
+          <p:cNvPr id="2" name="Title 1"/>
+          <p:cNvSpPr>
+            <a:spLocks noGrp="1"/>
+          </p:cNvSpPr>
+          <p:nvPr>
+            <p:ph type="title"/>
+          </p:nvPr>
+        </p:nvSpPr>
+        <p:spPr/>
+        <p:txBody>
+          <a:bodyPr/>
+          <a:lstStyle/>
+          <a:p>
+            <a:r>
+              <a:rPr lang="tr-TR" dirty="0"/>
+              <a:t>Modern Bilgisayarın Bileşenleri:</a:t>
+            </a:r>
+          </a:p>
+        </p:txBody>
+      </p:sp>
+      <p:sp>
+        <p:nvSpPr>
+          <p:cNvPr id="3" name="Content Placeholder 2"/>
+          <p:cNvSpPr>
+            <a:spLocks noGrp="1"/>
+          </p:cNvSpPr>
+          <p:nvPr>
+            <p:ph idx="1"/>
+          </p:nvPr>
+        </p:nvSpPr>
+        <p:spPr>
+          <a:xfrm>
+            <a:off x="838200" y="1825625"/>
+            <a:ext cx="10515600" cy="4680000"/>
+          </a:xfrm>
+        </p:spPr>
+        <p:txBody>
+          <a:bodyPr>
+            <a:normAutofit/>
+          </a:bodyPr>
+          <a:lstStyle/>
+          <a:p>
+            <a:endParaRPr lang="tr-TR" dirty="0"/>
+          </a:p>
+        </p:txBody>
+      </p:sp>
+      <p:sp>
+        <p:nvSpPr>
+          <p:cNvPr id="4" name="Date Placeholder 3"/>
+          <p:cNvSpPr>
+            <a:spLocks noGrp="1"/>
+          </p:cNvSpPr>
+          <p:nvPr>
+            <p:ph type="dt" sz="half" idx="10"/>
+          </p:nvPr>
+        </p:nvSpPr>
+        <p:spPr/>
+        <p:txBody>
+          <a:bodyPr/>
+          <a:lstStyle/>
+          <a:p>
+            <a:r>
+              <a:rPr lang="en-US" smtClean="0"/>
+              <a:t>1/20/2023</a:t>
+            </a:r>
+            <a:endParaRPr lang="en-US" dirty="0"/>
+          </a:p>
+        </p:txBody>
+      </p:sp>
+      <p:sp>
+        <p:nvSpPr>
+          <p:cNvPr id="5" name="Footer Placeholder 4"/>
+          <p:cNvSpPr>
+            <a:spLocks noGrp="1"/>
+          </p:cNvSpPr>
+          <p:nvPr>
+            <p:ph type="ftr" sz="quarter" idx="11"/>
+          </p:nvPr>
+        </p:nvSpPr>
+        <p:spPr/>
+        <p:txBody>
+          <a:bodyPr/>
+          <a:lstStyle/>
+          <a:p>
+            <a:r>
+              <a:rPr lang="en-US" smtClean="0"/>
+              <a:t>Sercan KÜLCÜ, Tanenbaum, Modern Operating Systems 3e kitabından faydalanılmıştır. Tüm hakları saklıdır.</a:t>
+            </a:r>
+            <a:endParaRPr lang="en-US" dirty="0"/>
+          </a:p>
+        </p:txBody>
+      </p:sp>
+      <p:sp>
+        <p:nvSpPr>
+          <p:cNvPr id="6" name="Slide Number Placeholder 5"/>
+          <p:cNvSpPr>
+            <a:spLocks noGrp="1"/>
+          </p:cNvSpPr>
+          <p:nvPr>
+            <p:ph type="sldNum" sz="quarter" idx="12"/>
+          </p:nvPr>
+        </p:nvSpPr>
+        <p:spPr/>
+        <p:txBody>
+          <a:bodyPr/>
+          <a:lstStyle/>
+          <a:p>
+            <a:fld id="{D57F1E4F-1CFF-5643-939E-217C01CDF565}" type="slidenum">
+              <a:rPr lang="en-US" smtClean="0"/>
+              <a:pPr/>
+              <a:t>72</a:t>
+            </a:fld>
+            <a:endParaRPr lang="en-US" dirty="0"/>
+          </a:p>
+        </p:txBody>
+      </p:sp>
+    </p:spTree>
+    <p:extLst>
+      <p:ext uri="{BB962C8B-B14F-4D97-AF65-F5344CB8AC3E}">
+        <p14:creationId xmlns:p14="http://schemas.microsoft.com/office/powerpoint/2010/main" val="3749528823"/>
+      </p:ext>
+    </p:extLst>
+  </p:cSld>
+  <p:clrMapOvr>
+    <a:masterClrMapping/>
+  </p:clrMapOvr>
+  <p:timing>
+    <p:tnLst>
+      <p:par>
+        <p:cTn id="1" dur="indefinite" restart="never" nodeType="tmRoot"/>
+      </p:par>
+    </p:tnLst>
+  </p:timing>
+</p:sld>
+</file>
+
+<file path=ppt/slides/slide73.xml><?xml version="1.0" encoding="utf-8"?>
+<p:sld xmlns:a="http://schemas.openxmlformats.org/drawingml/2006/main" xmlns:r="http://schemas.openxmlformats.org/officeDocument/2006/relationships" xmlns:p="http://schemas.openxmlformats.org/presentationml/2006/main">
+  <p:cSld>
+    <p:spTree>
+      <p:nvGrpSpPr>
+        <p:cNvPr id="1" name=""/>
+        <p:cNvGrpSpPr/>
+        <p:nvPr/>
+      </p:nvGrpSpPr>
+      <p:grpSpPr>
+        <a:xfrm>
+          <a:off x="0" y="0"/>
+          <a:ext cx="0" cy="0"/>
+          <a:chOff x="0" y="0"/>
+          <a:chExt cx="0" cy="0"/>
+        </a:xfrm>
+      </p:grpSpPr>
+      <p:sp>
+        <p:nvSpPr>
+          <p:cNvPr id="2" name="Title 1"/>
+          <p:cNvSpPr>
+            <a:spLocks noGrp="1"/>
+          </p:cNvSpPr>
+          <p:nvPr>
+            <p:ph type="title"/>
+          </p:nvPr>
+        </p:nvSpPr>
+        <p:spPr/>
+        <p:txBody>
+          <a:bodyPr/>
+          <a:lstStyle/>
+          <a:p>
+            <a:r>
+              <a:rPr lang="tr-TR" dirty="0"/>
+              <a:t>Modern Bilgisayarın Bileşenleri:</a:t>
+            </a:r>
+          </a:p>
+        </p:txBody>
+      </p:sp>
+      <p:sp>
+        <p:nvSpPr>
+          <p:cNvPr id="3" name="Content Placeholder 2"/>
+          <p:cNvSpPr>
+            <a:spLocks noGrp="1"/>
+          </p:cNvSpPr>
+          <p:nvPr>
+            <p:ph idx="1"/>
+          </p:nvPr>
+        </p:nvSpPr>
+        <p:spPr>
+          <a:xfrm>
+            <a:off x="838200" y="1825625"/>
+            <a:ext cx="10515600" cy="4680000"/>
+          </a:xfrm>
+        </p:spPr>
+        <p:txBody>
+          <a:bodyPr>
+            <a:normAutofit/>
+          </a:bodyPr>
+          <a:lstStyle/>
+          <a:p>
+            <a:endParaRPr lang="tr-TR" dirty="0"/>
+          </a:p>
+        </p:txBody>
+      </p:sp>
+      <p:sp>
+        <p:nvSpPr>
+          <p:cNvPr id="4" name="Date Placeholder 3"/>
+          <p:cNvSpPr>
+            <a:spLocks noGrp="1"/>
+          </p:cNvSpPr>
+          <p:nvPr>
+            <p:ph type="dt" sz="half" idx="10"/>
+          </p:nvPr>
+        </p:nvSpPr>
+        <p:spPr/>
+        <p:txBody>
+          <a:bodyPr/>
+          <a:lstStyle/>
+          <a:p>
+            <a:r>
+              <a:rPr lang="en-US" smtClean="0"/>
+              <a:t>1/20/2023</a:t>
+            </a:r>
+            <a:endParaRPr lang="en-US" dirty="0"/>
+          </a:p>
+        </p:txBody>
+      </p:sp>
+      <p:sp>
+        <p:nvSpPr>
+          <p:cNvPr id="5" name="Footer Placeholder 4"/>
+          <p:cNvSpPr>
+            <a:spLocks noGrp="1"/>
+          </p:cNvSpPr>
+          <p:nvPr>
+            <p:ph type="ftr" sz="quarter" idx="11"/>
+          </p:nvPr>
+        </p:nvSpPr>
+        <p:spPr/>
+        <p:txBody>
+          <a:bodyPr/>
+          <a:lstStyle/>
+          <a:p>
+            <a:r>
+              <a:rPr lang="en-US" smtClean="0"/>
+              <a:t>Sercan KÜLCÜ, Tanenbaum, Modern Operating Systems 3e kitabından faydalanılmıştır. Tüm hakları saklıdır.</a:t>
+            </a:r>
+            <a:endParaRPr lang="en-US" dirty="0"/>
+          </a:p>
+        </p:txBody>
+      </p:sp>
+      <p:sp>
+        <p:nvSpPr>
+          <p:cNvPr id="6" name="Slide Number Placeholder 5"/>
+          <p:cNvSpPr>
+            <a:spLocks noGrp="1"/>
+          </p:cNvSpPr>
+          <p:nvPr>
+            <p:ph type="sldNum" sz="quarter" idx="12"/>
+          </p:nvPr>
+        </p:nvSpPr>
+        <p:spPr/>
+        <p:txBody>
+          <a:bodyPr/>
+          <a:lstStyle/>
+          <a:p>
+            <a:fld id="{D57F1E4F-1CFF-5643-939E-217C01CDF565}" type="slidenum">
+              <a:rPr lang="en-US" smtClean="0"/>
+              <a:pPr/>
+              <a:t>73</a:t>
+            </a:fld>
+            <a:endParaRPr lang="en-US" dirty="0"/>
+          </a:p>
+        </p:txBody>
+      </p:sp>
+    </p:spTree>
+    <p:extLst>
+      <p:ext uri="{BB962C8B-B14F-4D97-AF65-F5344CB8AC3E}">
+        <p14:creationId xmlns:p14="http://schemas.microsoft.com/office/powerpoint/2010/main" val="116153693"/>
+      </p:ext>
+    </p:extLst>
+  </p:cSld>
+  <p:clrMapOvr>
+    <a:masterClrMapping/>
+  </p:clrMapOvr>
+  <p:timing>
+    <p:tnLst>
+      <p:par>
+        <p:cTn id="1" dur="indefinite" restart="never" nodeType="tmRoot"/>
+      </p:par>
+    </p:tnLst>
+  </p:timing>
+</p:sld>
+</file>
+
+<file path=ppt/slides/slide74.xml><?xml version="1.0" encoding="utf-8"?>
+<p:sld xmlns:a="http://schemas.openxmlformats.org/drawingml/2006/main" xmlns:r="http://schemas.openxmlformats.org/officeDocument/2006/relationships" xmlns:p="http://schemas.openxmlformats.org/presentationml/2006/main">
+  <p:cSld>
+    <p:spTree>
+      <p:nvGrpSpPr>
+        <p:cNvPr id="1" name=""/>
+        <p:cNvGrpSpPr/>
+        <p:nvPr/>
+      </p:nvGrpSpPr>
+      <p:grpSpPr>
+        <a:xfrm>
+          <a:off x="0" y="0"/>
+          <a:ext cx="0" cy="0"/>
+          <a:chOff x="0" y="0"/>
+          <a:chExt cx="0" cy="0"/>
+        </a:xfrm>
+      </p:grpSpPr>
+      <p:sp>
+        <p:nvSpPr>
+          <p:cNvPr id="2" name="Title 1"/>
+          <p:cNvSpPr>
+            <a:spLocks noGrp="1"/>
+          </p:cNvSpPr>
+          <p:nvPr>
+            <p:ph type="title"/>
+          </p:nvPr>
+        </p:nvSpPr>
+        <p:spPr/>
+        <p:txBody>
+          <a:bodyPr/>
+          <a:lstStyle/>
+          <a:p>
+            <a:r>
+              <a:rPr lang="tr-TR" dirty="0"/>
+              <a:t>Modern Bilgisayarın Bileşenleri:</a:t>
+            </a:r>
+          </a:p>
+        </p:txBody>
+      </p:sp>
+      <p:sp>
+        <p:nvSpPr>
+          <p:cNvPr id="3" name="Content Placeholder 2"/>
+          <p:cNvSpPr>
+            <a:spLocks noGrp="1"/>
+          </p:cNvSpPr>
+          <p:nvPr>
+            <p:ph idx="1"/>
+          </p:nvPr>
+        </p:nvSpPr>
+        <p:spPr>
+          <a:xfrm>
+            <a:off x="838200" y="1825625"/>
+            <a:ext cx="10515600" cy="4680000"/>
+          </a:xfrm>
+        </p:spPr>
+        <p:txBody>
+          <a:bodyPr>
+            <a:normAutofit/>
+          </a:bodyPr>
+          <a:lstStyle/>
+          <a:p>
+            <a:endParaRPr lang="tr-TR" dirty="0"/>
+          </a:p>
+        </p:txBody>
+      </p:sp>
+      <p:sp>
+        <p:nvSpPr>
+          <p:cNvPr id="4" name="Date Placeholder 3"/>
+          <p:cNvSpPr>
+            <a:spLocks noGrp="1"/>
+          </p:cNvSpPr>
+          <p:nvPr>
+            <p:ph type="dt" sz="half" idx="10"/>
+          </p:nvPr>
+        </p:nvSpPr>
+        <p:spPr/>
+        <p:txBody>
+          <a:bodyPr/>
+          <a:lstStyle/>
+          <a:p>
+            <a:r>
+              <a:rPr lang="en-US" smtClean="0"/>
+              <a:t>1/20/2023</a:t>
+            </a:r>
+            <a:endParaRPr lang="en-US" dirty="0"/>
+          </a:p>
+        </p:txBody>
+      </p:sp>
+      <p:sp>
+        <p:nvSpPr>
+          <p:cNvPr id="5" name="Footer Placeholder 4"/>
+          <p:cNvSpPr>
+            <a:spLocks noGrp="1"/>
+          </p:cNvSpPr>
+          <p:nvPr>
+            <p:ph type="ftr" sz="quarter" idx="11"/>
+          </p:nvPr>
+        </p:nvSpPr>
+        <p:spPr/>
+        <p:txBody>
+          <a:bodyPr/>
+          <a:lstStyle/>
+          <a:p>
+            <a:r>
+              <a:rPr lang="en-US" smtClean="0"/>
+              <a:t>Sercan KÜLCÜ, Tanenbaum, Modern Operating Systems 3e kitabından faydalanılmıştır. Tüm hakları saklıdır.</a:t>
+            </a:r>
+            <a:endParaRPr lang="en-US" dirty="0"/>
+          </a:p>
+        </p:txBody>
+      </p:sp>
+      <p:sp>
+        <p:nvSpPr>
+          <p:cNvPr id="6" name="Slide Number Placeholder 5"/>
+          <p:cNvSpPr>
+            <a:spLocks noGrp="1"/>
+          </p:cNvSpPr>
+          <p:nvPr>
+            <p:ph type="sldNum" sz="quarter" idx="12"/>
+          </p:nvPr>
+        </p:nvSpPr>
+        <p:spPr/>
+        <p:txBody>
+          <a:bodyPr/>
+          <a:lstStyle/>
+          <a:p>
+            <a:fld id="{D57F1E4F-1CFF-5643-939E-217C01CDF565}" type="slidenum">
+              <a:rPr lang="en-US" smtClean="0"/>
+              <a:pPr/>
+              <a:t>74</a:t>
+            </a:fld>
+            <a:endParaRPr lang="en-US" dirty="0"/>
+          </a:p>
+        </p:txBody>
+      </p:sp>
+    </p:spTree>
+    <p:extLst>
+      <p:ext uri="{BB962C8B-B14F-4D97-AF65-F5344CB8AC3E}">
+        <p14:creationId xmlns:p14="http://schemas.microsoft.com/office/powerpoint/2010/main" val="3175334236"/>
+      </p:ext>
+    </p:extLst>
+  </p:cSld>
+  <p:clrMapOvr>
+    <a:masterClrMapping/>
+  </p:clrMapOvr>
+  <p:timing>
+    <p:tnLst>
+      <p:par>
+        <p:cTn id="1" dur="indefinite" restart="never" nodeType="tmRoot"/>
+      </p:par>
+    </p:tnLst>
+  </p:timing>
+</p:sld>
+</file>
+
+<file path=ppt/slides/slide75.xml><?xml version="1.0" encoding="utf-8"?>
+<p:sld xmlns:a="http://schemas.openxmlformats.org/drawingml/2006/main" xmlns:r="http://schemas.openxmlformats.org/officeDocument/2006/relationships" xmlns:p="http://schemas.openxmlformats.org/presentationml/2006/main">
+  <p:cSld>
+    <p:spTree>
+      <p:nvGrpSpPr>
+        <p:cNvPr id="1" name=""/>
+        <p:cNvGrpSpPr/>
+        <p:nvPr/>
+      </p:nvGrpSpPr>
+      <p:grpSpPr>
+        <a:xfrm>
+          <a:off x="0" y="0"/>
+          <a:ext cx="0" cy="0"/>
+          <a:chOff x="0" y="0"/>
+          <a:chExt cx="0" cy="0"/>
+        </a:xfrm>
+      </p:grpSpPr>
+      <p:sp>
+        <p:nvSpPr>
+          <p:cNvPr id="2" name="Title 1"/>
+          <p:cNvSpPr>
+            <a:spLocks noGrp="1"/>
+          </p:cNvSpPr>
+          <p:nvPr>
+            <p:ph type="title"/>
+          </p:nvPr>
+        </p:nvSpPr>
+        <p:spPr/>
+        <p:txBody>
+          <a:bodyPr/>
+          <a:lstStyle/>
+          <a:p>
+            <a:r>
+              <a:rPr lang="tr-TR" dirty="0"/>
+              <a:t>Modern Bilgisayarın Bileşenleri:</a:t>
+            </a:r>
+          </a:p>
+        </p:txBody>
+      </p:sp>
+      <p:sp>
+        <p:nvSpPr>
+          <p:cNvPr id="3" name="Content Placeholder 2"/>
+          <p:cNvSpPr>
+            <a:spLocks noGrp="1"/>
+          </p:cNvSpPr>
+          <p:nvPr>
+            <p:ph idx="1"/>
+          </p:nvPr>
+        </p:nvSpPr>
+        <p:spPr>
+          <a:xfrm>
+            <a:off x="838200" y="1825625"/>
+            <a:ext cx="10515600" cy="4680000"/>
+          </a:xfrm>
+        </p:spPr>
+        <p:txBody>
+          <a:bodyPr>
+            <a:normAutofit/>
+          </a:bodyPr>
+          <a:lstStyle/>
+          <a:p>
+            <a:endParaRPr lang="tr-TR" dirty="0"/>
+          </a:p>
+        </p:txBody>
+      </p:sp>
+      <p:sp>
+        <p:nvSpPr>
+          <p:cNvPr id="4" name="Date Placeholder 3"/>
+          <p:cNvSpPr>
+            <a:spLocks noGrp="1"/>
+          </p:cNvSpPr>
+          <p:nvPr>
+            <p:ph type="dt" sz="half" idx="10"/>
+          </p:nvPr>
+        </p:nvSpPr>
+        <p:spPr/>
+        <p:txBody>
+          <a:bodyPr/>
+          <a:lstStyle/>
+          <a:p>
+            <a:r>
+              <a:rPr lang="en-US" smtClean="0"/>
+              <a:t>1/20/2023</a:t>
+            </a:r>
+            <a:endParaRPr lang="en-US" dirty="0"/>
+          </a:p>
+        </p:txBody>
+      </p:sp>
+      <p:sp>
+        <p:nvSpPr>
+          <p:cNvPr id="5" name="Footer Placeholder 4"/>
+          <p:cNvSpPr>
+            <a:spLocks noGrp="1"/>
+          </p:cNvSpPr>
+          <p:nvPr>
+            <p:ph type="ftr" sz="quarter" idx="11"/>
+          </p:nvPr>
+        </p:nvSpPr>
+        <p:spPr/>
+        <p:txBody>
+          <a:bodyPr/>
+          <a:lstStyle/>
+          <a:p>
+            <a:r>
+              <a:rPr lang="en-US" smtClean="0"/>
+              <a:t>Sercan KÜLCÜ, Tanenbaum, Modern Operating Systems 3e kitabından faydalanılmıştır. Tüm hakları saklıdır.</a:t>
+            </a:r>
+            <a:endParaRPr lang="en-US" dirty="0"/>
+          </a:p>
+        </p:txBody>
+      </p:sp>
+      <p:sp>
+        <p:nvSpPr>
+          <p:cNvPr id="6" name="Slide Number Placeholder 5"/>
+          <p:cNvSpPr>
+            <a:spLocks noGrp="1"/>
+          </p:cNvSpPr>
+          <p:nvPr>
+            <p:ph type="sldNum" sz="quarter" idx="12"/>
+          </p:nvPr>
+        </p:nvSpPr>
+        <p:spPr/>
+        <p:txBody>
+          <a:bodyPr/>
+          <a:lstStyle/>
+          <a:p>
+            <a:fld id="{D57F1E4F-1CFF-5643-939E-217C01CDF565}" type="slidenum">
+              <a:rPr lang="en-US" smtClean="0"/>
+              <a:pPr/>
+              <a:t>75</a:t>
+            </a:fld>
+            <a:endParaRPr lang="en-US" dirty="0"/>
+          </a:p>
+        </p:txBody>
+      </p:sp>
+    </p:spTree>
+    <p:extLst>
+      <p:ext uri="{BB962C8B-B14F-4D97-AF65-F5344CB8AC3E}">
+        <p14:creationId xmlns:p14="http://schemas.microsoft.com/office/powerpoint/2010/main" val="1357952300"/>
+      </p:ext>
+    </p:extLst>
+  </p:cSld>
+  <p:clrMapOvr>
+    <a:masterClrMapping/>
+  </p:clrMapOvr>
+  <p:timing>
+    <p:tnLst>
+      <p:par>
+        <p:cTn id="1" dur="indefinite" restart="never" nodeType="tmRoot"/>
+      </p:par>
+    </p:tnLst>
+  </p:timing>
+</p:sld>
+</file>
+
+<file path=ppt/slides/slide76.xml><?xml version="1.0" encoding="utf-8"?>
+<p:sld xmlns:a="http://schemas.openxmlformats.org/drawingml/2006/main" xmlns:r="http://schemas.openxmlformats.org/officeDocument/2006/relationships" xmlns:p="http://schemas.openxmlformats.org/presentationml/2006/main">
+  <p:cSld>
+    <p:spTree>
+      <p:nvGrpSpPr>
+        <p:cNvPr id="1" name=""/>
+        <p:cNvGrpSpPr/>
+        <p:nvPr/>
+      </p:nvGrpSpPr>
+      <p:grpSpPr>
+        <a:xfrm>
+          <a:off x="0" y="0"/>
+          <a:ext cx="0" cy="0"/>
+          <a:chOff x="0" y="0"/>
+          <a:chExt cx="0" cy="0"/>
+        </a:xfrm>
+      </p:grpSpPr>
+      <p:sp>
+        <p:nvSpPr>
+          <p:cNvPr id="2" name="Title 1"/>
+          <p:cNvSpPr>
+            <a:spLocks noGrp="1"/>
+          </p:cNvSpPr>
+          <p:nvPr>
+            <p:ph type="title"/>
+          </p:nvPr>
+        </p:nvSpPr>
+        <p:spPr/>
+        <p:txBody>
+          <a:bodyPr/>
+          <a:lstStyle/>
+          <a:p>
+            <a:r>
+              <a:rPr lang="tr-TR" dirty="0"/>
+              <a:t>Modern Bilgisayarın Bileşenleri:</a:t>
+            </a:r>
+          </a:p>
+        </p:txBody>
+      </p:sp>
+      <p:sp>
+        <p:nvSpPr>
+          <p:cNvPr id="3" name="Content Placeholder 2"/>
+          <p:cNvSpPr>
+            <a:spLocks noGrp="1"/>
+          </p:cNvSpPr>
+          <p:nvPr>
+            <p:ph idx="1"/>
+          </p:nvPr>
+        </p:nvSpPr>
+        <p:spPr>
+          <a:xfrm>
+            <a:off x="838200" y="1825625"/>
+            <a:ext cx="10515600" cy="4680000"/>
+          </a:xfrm>
+        </p:spPr>
+        <p:txBody>
+          <a:bodyPr>
+            <a:normAutofit/>
+          </a:bodyPr>
+          <a:lstStyle/>
+          <a:p>
+            <a:endParaRPr lang="tr-TR" dirty="0"/>
+          </a:p>
+        </p:txBody>
+      </p:sp>
+      <p:sp>
+        <p:nvSpPr>
+          <p:cNvPr id="4" name="Date Placeholder 3"/>
+          <p:cNvSpPr>
+            <a:spLocks noGrp="1"/>
+          </p:cNvSpPr>
+          <p:nvPr>
+            <p:ph type="dt" sz="half" idx="10"/>
+          </p:nvPr>
+        </p:nvSpPr>
+        <p:spPr/>
+        <p:txBody>
+          <a:bodyPr/>
+          <a:lstStyle/>
+          <a:p>
+            <a:r>
+              <a:rPr lang="en-US" smtClean="0"/>
+              <a:t>1/20/2023</a:t>
+            </a:r>
+            <a:endParaRPr lang="en-US" dirty="0"/>
+          </a:p>
+        </p:txBody>
+      </p:sp>
+      <p:sp>
+        <p:nvSpPr>
+          <p:cNvPr id="5" name="Footer Placeholder 4"/>
+          <p:cNvSpPr>
+            <a:spLocks noGrp="1"/>
+          </p:cNvSpPr>
+          <p:nvPr>
+            <p:ph type="ftr" sz="quarter" idx="11"/>
+          </p:nvPr>
+        </p:nvSpPr>
+        <p:spPr/>
+        <p:txBody>
+          <a:bodyPr/>
+          <a:lstStyle/>
+          <a:p>
+            <a:r>
+              <a:rPr lang="en-US" smtClean="0"/>
+              <a:t>Sercan KÜLCÜ, Tanenbaum, Modern Operating Systems 3e kitabından faydalanılmıştır. Tüm hakları saklıdır.</a:t>
+            </a:r>
+            <a:endParaRPr lang="en-US" dirty="0"/>
+          </a:p>
+        </p:txBody>
+      </p:sp>
+      <p:sp>
+        <p:nvSpPr>
+          <p:cNvPr id="6" name="Slide Number Placeholder 5"/>
+          <p:cNvSpPr>
+            <a:spLocks noGrp="1"/>
+          </p:cNvSpPr>
+          <p:nvPr>
+            <p:ph type="sldNum" sz="quarter" idx="12"/>
+          </p:nvPr>
+        </p:nvSpPr>
+        <p:spPr/>
+        <p:txBody>
+          <a:bodyPr/>
+          <a:lstStyle/>
+          <a:p>
+            <a:fld id="{D57F1E4F-1CFF-5643-939E-217C01CDF565}" type="slidenum">
+              <a:rPr lang="en-US" smtClean="0"/>
+              <a:pPr/>
+              <a:t>76</a:t>
+            </a:fld>
+            <a:endParaRPr lang="en-US" dirty="0"/>
+          </a:p>
+        </p:txBody>
+      </p:sp>
+    </p:spTree>
+    <p:extLst>
+      <p:ext uri="{BB962C8B-B14F-4D97-AF65-F5344CB8AC3E}">
+        <p14:creationId xmlns:p14="http://schemas.microsoft.com/office/powerpoint/2010/main" val="1958597031"/>
+      </p:ext>
+    </p:extLst>
+  </p:cSld>
+  <p:clrMapOvr>
+    <a:masterClrMapping/>
+  </p:clrMapOvr>
+  <p:timing>
+    <p:tnLst>
+      <p:par>
+        <p:cTn id="1" dur="indefinite" restart="never" nodeType="tmRoot"/>
+      </p:par>
+    </p:tnLst>
+  </p:timing>
+</p:sld>
+</file>
+
+<file path=ppt/slides/slide77.xml><?xml version="1.0" encoding="utf-8"?>
+<p:sld xmlns:a="http://schemas.openxmlformats.org/drawingml/2006/main" xmlns:r="http://schemas.openxmlformats.org/officeDocument/2006/relationships" xmlns:p="http://schemas.openxmlformats.org/presentationml/2006/main">
+  <p:cSld>
+    <p:spTree>
+      <p:nvGrpSpPr>
+        <p:cNvPr id="1" name=""/>
+        <p:cNvGrpSpPr/>
+        <p:nvPr/>
+      </p:nvGrpSpPr>
+      <p:grpSpPr>
+        <a:xfrm>
+          <a:off x="0" y="0"/>
+          <a:ext cx="0" cy="0"/>
+          <a:chOff x="0" y="0"/>
+          <a:chExt cx="0" cy="0"/>
+        </a:xfrm>
+      </p:grpSpPr>
+      <p:sp>
+        <p:nvSpPr>
+          <p:cNvPr id="2" name="Title 1"/>
+          <p:cNvSpPr>
+            <a:spLocks noGrp="1"/>
+          </p:cNvSpPr>
+          <p:nvPr>
+            <p:ph type="title"/>
+          </p:nvPr>
+        </p:nvSpPr>
+        <p:spPr/>
+        <p:txBody>
+          <a:bodyPr/>
+          <a:lstStyle/>
+          <a:p>
+            <a:r>
+              <a:rPr lang="tr-TR" dirty="0"/>
+              <a:t>Modern Bilgisayarın Bileşenleri:</a:t>
+            </a:r>
+          </a:p>
+        </p:txBody>
+      </p:sp>
+      <p:sp>
+        <p:nvSpPr>
+          <p:cNvPr id="3" name="Content Placeholder 2"/>
+          <p:cNvSpPr>
+            <a:spLocks noGrp="1"/>
+          </p:cNvSpPr>
+          <p:nvPr>
+            <p:ph idx="1"/>
+          </p:nvPr>
+        </p:nvSpPr>
+        <p:spPr>
+          <a:xfrm>
+            <a:off x="838200" y="1825625"/>
+            <a:ext cx="10515600" cy="4680000"/>
+          </a:xfrm>
+        </p:spPr>
+        <p:txBody>
+          <a:bodyPr>
+            <a:normAutofit/>
+          </a:bodyPr>
+          <a:lstStyle/>
+          <a:p>
+            <a:endParaRPr lang="tr-TR" dirty="0"/>
+          </a:p>
+        </p:txBody>
+      </p:sp>
+      <p:sp>
+        <p:nvSpPr>
+          <p:cNvPr id="4" name="Date Placeholder 3"/>
+          <p:cNvSpPr>
+            <a:spLocks noGrp="1"/>
+          </p:cNvSpPr>
+          <p:nvPr>
+            <p:ph type="dt" sz="half" idx="10"/>
+          </p:nvPr>
+        </p:nvSpPr>
+        <p:spPr/>
+        <p:txBody>
+          <a:bodyPr/>
+          <a:lstStyle/>
+          <a:p>
+            <a:r>
+              <a:rPr lang="en-US" smtClean="0"/>
+              <a:t>1/20/2023</a:t>
+            </a:r>
+            <a:endParaRPr lang="en-US" dirty="0"/>
+          </a:p>
+        </p:txBody>
+      </p:sp>
+      <p:sp>
+        <p:nvSpPr>
+          <p:cNvPr id="5" name="Footer Placeholder 4"/>
+          <p:cNvSpPr>
+            <a:spLocks noGrp="1"/>
+          </p:cNvSpPr>
+          <p:nvPr>
+            <p:ph type="ftr" sz="quarter" idx="11"/>
+          </p:nvPr>
+        </p:nvSpPr>
+        <p:spPr/>
+        <p:txBody>
+          <a:bodyPr/>
+          <a:lstStyle/>
+          <a:p>
+            <a:r>
+              <a:rPr lang="en-US" smtClean="0"/>
+              <a:t>Sercan KÜLCÜ, Tanenbaum, Modern Operating Systems 3e kitabından faydalanılmıştır. Tüm hakları saklıdır.</a:t>
+            </a:r>
+            <a:endParaRPr lang="en-US" dirty="0"/>
+          </a:p>
+        </p:txBody>
+      </p:sp>
+      <p:sp>
+        <p:nvSpPr>
+          <p:cNvPr id="6" name="Slide Number Placeholder 5"/>
+          <p:cNvSpPr>
+            <a:spLocks noGrp="1"/>
+          </p:cNvSpPr>
+          <p:nvPr>
+            <p:ph type="sldNum" sz="quarter" idx="12"/>
+          </p:nvPr>
+        </p:nvSpPr>
+        <p:spPr/>
+        <p:txBody>
+          <a:bodyPr/>
+          <a:lstStyle/>
+          <a:p>
+            <a:fld id="{D57F1E4F-1CFF-5643-939E-217C01CDF565}" type="slidenum">
+              <a:rPr lang="en-US" smtClean="0"/>
+              <a:pPr/>
+              <a:t>77</a:t>
+            </a:fld>
+            <a:endParaRPr lang="en-US" dirty="0"/>
+          </a:p>
+        </p:txBody>
+      </p:sp>
+    </p:spTree>
+    <p:extLst>
+      <p:ext uri="{BB962C8B-B14F-4D97-AF65-F5344CB8AC3E}">
+        <p14:creationId xmlns:p14="http://schemas.microsoft.com/office/powerpoint/2010/main" val="3269114609"/>
+      </p:ext>
+    </p:extLst>
+  </p:cSld>
+  <p:clrMapOvr>
+    <a:masterClrMapping/>
+  </p:clrMapOvr>
+  <p:timing>
+    <p:tnLst>
+      <p:par>
+        <p:cTn id="1" dur="indefinite" restart="never" nodeType="tmRoot"/>
+      </p:par>
+    </p:tnLst>
+  </p:timing>
+</p:sld>
+</file>
+
+<file path=ppt/slides/slide78.xml><?xml version="1.0" encoding="utf-8"?>
+<p:sld xmlns:a="http://schemas.openxmlformats.org/drawingml/2006/main" xmlns:r="http://schemas.openxmlformats.org/officeDocument/2006/relationships" xmlns:p="http://schemas.openxmlformats.org/presentationml/2006/main">
+  <p:cSld>
+    <p:spTree>
+      <p:nvGrpSpPr>
+        <p:cNvPr id="1" name=""/>
+        <p:cNvGrpSpPr/>
+        <p:nvPr/>
+      </p:nvGrpSpPr>
+      <p:grpSpPr>
+        <a:xfrm>
+          <a:off x="0" y="0"/>
+          <a:ext cx="0" cy="0"/>
+          <a:chOff x="0" y="0"/>
+          <a:chExt cx="0" cy="0"/>
+        </a:xfrm>
+      </p:grpSpPr>
+      <p:sp>
+        <p:nvSpPr>
+          <p:cNvPr id="2" name="Title 1"/>
+          <p:cNvSpPr>
+            <a:spLocks noGrp="1"/>
+          </p:cNvSpPr>
+          <p:nvPr>
+            <p:ph type="title"/>
+          </p:nvPr>
+        </p:nvSpPr>
+        <p:spPr/>
+        <p:txBody>
+          <a:bodyPr/>
+          <a:lstStyle/>
+          <a:p>
+            <a:r>
+              <a:rPr lang="tr-TR" dirty="0"/>
+              <a:t>Modern Bilgisayarın Bileşenleri:</a:t>
+            </a:r>
+          </a:p>
+        </p:txBody>
+      </p:sp>
+      <p:sp>
+        <p:nvSpPr>
+          <p:cNvPr id="3" name="Content Placeholder 2"/>
+          <p:cNvSpPr>
+            <a:spLocks noGrp="1"/>
+          </p:cNvSpPr>
+          <p:nvPr>
+            <p:ph idx="1"/>
+          </p:nvPr>
+        </p:nvSpPr>
+        <p:spPr>
+          <a:xfrm>
+            <a:off x="838200" y="1825625"/>
+            <a:ext cx="10515600" cy="4680000"/>
+          </a:xfrm>
+        </p:spPr>
+        <p:txBody>
+          <a:bodyPr>
+            <a:normAutofit/>
+          </a:bodyPr>
+          <a:lstStyle/>
+          <a:p>
+            <a:endParaRPr lang="tr-TR" dirty="0"/>
+          </a:p>
+        </p:txBody>
+      </p:sp>
+      <p:sp>
+        <p:nvSpPr>
+          <p:cNvPr id="4" name="Date Placeholder 3"/>
+          <p:cNvSpPr>
+            <a:spLocks noGrp="1"/>
+          </p:cNvSpPr>
+          <p:nvPr>
+            <p:ph type="dt" sz="half" idx="10"/>
+          </p:nvPr>
+        </p:nvSpPr>
+        <p:spPr/>
+        <p:txBody>
+          <a:bodyPr/>
+          <a:lstStyle/>
+          <a:p>
+            <a:r>
+              <a:rPr lang="en-US" smtClean="0"/>
+              <a:t>1/20/2023</a:t>
+            </a:r>
+            <a:endParaRPr lang="en-US" dirty="0"/>
+          </a:p>
+        </p:txBody>
+      </p:sp>
+      <p:sp>
+        <p:nvSpPr>
+          <p:cNvPr id="5" name="Footer Placeholder 4"/>
+          <p:cNvSpPr>
+            <a:spLocks noGrp="1"/>
+          </p:cNvSpPr>
+          <p:nvPr>
+            <p:ph type="ftr" sz="quarter" idx="11"/>
+          </p:nvPr>
+        </p:nvSpPr>
+        <p:spPr/>
+        <p:txBody>
+          <a:bodyPr/>
+          <a:lstStyle/>
+          <a:p>
+            <a:r>
+              <a:rPr lang="en-US" smtClean="0"/>
+              <a:t>Sercan KÜLCÜ, Tanenbaum, Modern Operating Systems 3e kitabından faydalanılmıştır. Tüm hakları saklıdır.</a:t>
+            </a:r>
+            <a:endParaRPr lang="en-US" dirty="0"/>
+          </a:p>
+        </p:txBody>
+      </p:sp>
+      <p:sp>
+        <p:nvSpPr>
+          <p:cNvPr id="6" name="Slide Number Placeholder 5"/>
+          <p:cNvSpPr>
+            <a:spLocks noGrp="1"/>
+          </p:cNvSpPr>
+          <p:nvPr>
+            <p:ph type="sldNum" sz="quarter" idx="12"/>
+          </p:nvPr>
+        </p:nvSpPr>
+        <p:spPr/>
+        <p:txBody>
+          <a:bodyPr/>
+          <a:lstStyle/>
+          <a:p>
+            <a:fld id="{D57F1E4F-1CFF-5643-939E-217C01CDF565}" type="slidenum">
+              <a:rPr lang="en-US" smtClean="0"/>
+              <a:pPr/>
+              <a:t>78</a:t>
+            </a:fld>
+            <a:endParaRPr lang="en-US" dirty="0"/>
+          </a:p>
+        </p:txBody>
+      </p:sp>
+    </p:spTree>
+    <p:extLst>
+      <p:ext uri="{BB962C8B-B14F-4D97-AF65-F5344CB8AC3E}">
+        <p14:creationId xmlns:p14="http://schemas.microsoft.com/office/powerpoint/2010/main" val="2869588818"/>
+      </p:ext>
+    </p:extLst>
+  </p:cSld>
+  <p:clrMapOvr>
+    <a:masterClrMapping/>
+  </p:clrMapOvr>
+  <p:timing>
+    <p:tnLst>
+      <p:par>
+        <p:cTn id="1" dur="indefinite" restart="never" nodeType="tmRoot"/>
+      </p:par>
+    </p:tnLst>
+  </p:timing>
+</p:sld>
+</file>
+
+<file path=ppt/slides/slide79.xml><?xml version="1.0" encoding="utf-8"?>
+<p:sld xmlns:a="http://schemas.openxmlformats.org/drawingml/2006/main" xmlns:r="http://schemas.openxmlformats.org/officeDocument/2006/relationships" xmlns:p="http://schemas.openxmlformats.org/presentationml/2006/main">
+  <p:cSld>
+    <p:spTree>
+      <p:nvGrpSpPr>
+        <p:cNvPr id="1" name=""/>
+        <p:cNvGrpSpPr/>
+        <p:nvPr/>
+      </p:nvGrpSpPr>
+      <p:grpSpPr>
+        <a:xfrm>
+          <a:off x="0" y="0"/>
+          <a:ext cx="0" cy="0"/>
+          <a:chOff x="0" y="0"/>
+          <a:chExt cx="0" cy="0"/>
+        </a:xfrm>
+      </p:grpSpPr>
+      <p:sp>
+        <p:nvSpPr>
+          <p:cNvPr id="2" name="Title 1"/>
+          <p:cNvSpPr>
+            <a:spLocks noGrp="1"/>
+          </p:cNvSpPr>
+          <p:nvPr>
+            <p:ph type="title"/>
+          </p:nvPr>
+        </p:nvSpPr>
+        <p:spPr/>
+        <p:txBody>
+          <a:bodyPr/>
+          <a:lstStyle/>
+          <a:p>
+            <a:r>
+              <a:rPr lang="tr-TR" dirty="0"/>
+              <a:t>Modern Bilgisayarın Bileşenleri:</a:t>
+            </a:r>
+          </a:p>
+        </p:txBody>
+      </p:sp>
+      <p:sp>
+        <p:nvSpPr>
+          <p:cNvPr id="3" name="Content Placeholder 2"/>
+          <p:cNvSpPr>
+            <a:spLocks noGrp="1"/>
+          </p:cNvSpPr>
+          <p:nvPr>
+            <p:ph idx="1"/>
+          </p:nvPr>
+        </p:nvSpPr>
+        <p:spPr>
+          <a:xfrm>
+            <a:off x="838200" y="1825625"/>
+            <a:ext cx="10515600" cy="4680000"/>
+          </a:xfrm>
+        </p:spPr>
+        <p:txBody>
+          <a:bodyPr>
+            <a:normAutofit/>
+          </a:bodyPr>
+          <a:lstStyle/>
+          <a:p>
+            <a:endParaRPr lang="tr-TR" dirty="0"/>
+          </a:p>
+        </p:txBody>
+      </p:sp>
+      <p:sp>
+        <p:nvSpPr>
+          <p:cNvPr id="4" name="Date Placeholder 3"/>
+          <p:cNvSpPr>
+            <a:spLocks noGrp="1"/>
+          </p:cNvSpPr>
+          <p:nvPr>
+            <p:ph type="dt" sz="half" idx="10"/>
+          </p:nvPr>
+        </p:nvSpPr>
+        <p:spPr/>
+        <p:txBody>
+          <a:bodyPr/>
+          <a:lstStyle/>
+          <a:p>
+            <a:r>
+              <a:rPr lang="en-US" smtClean="0"/>
+              <a:t>1/20/2023</a:t>
+            </a:r>
+            <a:endParaRPr lang="en-US" dirty="0"/>
+          </a:p>
+        </p:txBody>
+      </p:sp>
+      <p:sp>
+        <p:nvSpPr>
+          <p:cNvPr id="5" name="Footer Placeholder 4"/>
+          <p:cNvSpPr>
+            <a:spLocks noGrp="1"/>
+          </p:cNvSpPr>
+          <p:nvPr>
+            <p:ph type="ftr" sz="quarter" idx="11"/>
+          </p:nvPr>
+        </p:nvSpPr>
+        <p:spPr/>
+        <p:txBody>
+          <a:bodyPr/>
+          <a:lstStyle/>
+          <a:p>
+            <a:r>
+              <a:rPr lang="en-US" smtClean="0"/>
+              <a:t>Sercan KÜLCÜ, Tanenbaum, Modern Operating Systems 3e kitabından faydalanılmıştır. Tüm hakları saklıdır.</a:t>
+            </a:r>
+            <a:endParaRPr lang="en-US" dirty="0"/>
+          </a:p>
+        </p:txBody>
+      </p:sp>
+      <p:sp>
+        <p:nvSpPr>
+          <p:cNvPr id="6" name="Slide Number Placeholder 5"/>
+          <p:cNvSpPr>
+            <a:spLocks noGrp="1"/>
+          </p:cNvSpPr>
+          <p:nvPr>
+            <p:ph type="sldNum" sz="quarter" idx="12"/>
+          </p:nvPr>
+        </p:nvSpPr>
+        <p:spPr/>
+        <p:txBody>
+          <a:bodyPr/>
+          <a:lstStyle/>
+          <a:p>
+            <a:fld id="{D57F1E4F-1CFF-5643-939E-217C01CDF565}" type="slidenum">
+              <a:rPr lang="en-US" smtClean="0"/>
+              <a:pPr/>
+              <a:t>79</a:t>
+            </a:fld>
+            <a:endParaRPr lang="en-US" dirty="0"/>
+          </a:p>
+        </p:txBody>
+      </p:sp>
+    </p:spTree>
+    <p:extLst>
+      <p:ext uri="{BB962C8B-B14F-4D97-AF65-F5344CB8AC3E}">
+        <p14:creationId xmlns:p14="http://schemas.microsoft.com/office/powerpoint/2010/main" val="4050961867"/>
+      </p:ext>
+    </p:extLst>
+  </p:cSld>
+  <p:clrMapOvr>
+    <a:masterClrMapping/>
+  </p:clrMapOvr>
+  <p:timing>
+    <p:tnLst>
+      <p:par>
+        <p:cTn id="1" dur="indefinite" restart="never" nodeType="tmRoot"/>
+      </p:par>
+    </p:tnLst>
+  </p:timing>
+</p:sld>
+</file>
+
 <file path=ppt/slides/slide8.xml><?xml version="1.0" encoding="utf-8"?>
 <p:sld xmlns:a="http://schemas.openxmlformats.org/drawingml/2006/main" xmlns:r="http://schemas.openxmlformats.org/officeDocument/2006/relationships" xmlns:p="http://schemas.openxmlformats.org/presentationml/2006/main">
   <p:cSld>
@@ -14100,6 +19964,803 @@
     <p:extLst>
       <p:ext uri="{BB962C8B-B14F-4D97-AF65-F5344CB8AC3E}">
         <p14:creationId xmlns:p14="http://schemas.microsoft.com/office/powerpoint/2010/main" val="104245971"/>
+      </p:ext>
+    </p:extLst>
+  </p:cSld>
+  <p:clrMapOvr>
+    <a:masterClrMapping/>
+  </p:clrMapOvr>
+  <p:timing>
+    <p:tnLst>
+      <p:par>
+        <p:cTn id="1" dur="indefinite" restart="never" nodeType="tmRoot"/>
+      </p:par>
+    </p:tnLst>
+  </p:timing>
+</p:sld>
+</file>
+
+<file path=ppt/slides/slide80.xml><?xml version="1.0" encoding="utf-8"?>
+<p:sld xmlns:a="http://schemas.openxmlformats.org/drawingml/2006/main" xmlns:r="http://schemas.openxmlformats.org/officeDocument/2006/relationships" xmlns:p="http://schemas.openxmlformats.org/presentationml/2006/main">
+  <p:cSld>
+    <p:spTree>
+      <p:nvGrpSpPr>
+        <p:cNvPr id="1" name=""/>
+        <p:cNvGrpSpPr/>
+        <p:nvPr/>
+      </p:nvGrpSpPr>
+      <p:grpSpPr>
+        <a:xfrm>
+          <a:off x="0" y="0"/>
+          <a:ext cx="0" cy="0"/>
+          <a:chOff x="0" y="0"/>
+          <a:chExt cx="0" cy="0"/>
+        </a:xfrm>
+      </p:grpSpPr>
+      <p:sp>
+        <p:nvSpPr>
+          <p:cNvPr id="2" name="Title 1"/>
+          <p:cNvSpPr>
+            <a:spLocks noGrp="1"/>
+          </p:cNvSpPr>
+          <p:nvPr>
+            <p:ph type="title"/>
+          </p:nvPr>
+        </p:nvSpPr>
+        <p:spPr/>
+        <p:txBody>
+          <a:bodyPr/>
+          <a:lstStyle/>
+          <a:p>
+            <a:r>
+              <a:rPr lang="tr-TR" dirty="0"/>
+              <a:t>Modern Bilgisayarın Bileşenleri:</a:t>
+            </a:r>
+          </a:p>
+        </p:txBody>
+      </p:sp>
+      <p:sp>
+        <p:nvSpPr>
+          <p:cNvPr id="3" name="Content Placeholder 2"/>
+          <p:cNvSpPr>
+            <a:spLocks noGrp="1"/>
+          </p:cNvSpPr>
+          <p:nvPr>
+            <p:ph idx="1"/>
+          </p:nvPr>
+        </p:nvSpPr>
+        <p:spPr>
+          <a:xfrm>
+            <a:off x="838200" y="1825625"/>
+            <a:ext cx="10515600" cy="4680000"/>
+          </a:xfrm>
+        </p:spPr>
+        <p:txBody>
+          <a:bodyPr>
+            <a:normAutofit/>
+          </a:bodyPr>
+          <a:lstStyle/>
+          <a:p>
+            <a:endParaRPr lang="tr-TR" dirty="0"/>
+          </a:p>
+        </p:txBody>
+      </p:sp>
+      <p:sp>
+        <p:nvSpPr>
+          <p:cNvPr id="4" name="Date Placeholder 3"/>
+          <p:cNvSpPr>
+            <a:spLocks noGrp="1"/>
+          </p:cNvSpPr>
+          <p:nvPr>
+            <p:ph type="dt" sz="half" idx="10"/>
+          </p:nvPr>
+        </p:nvSpPr>
+        <p:spPr/>
+        <p:txBody>
+          <a:bodyPr/>
+          <a:lstStyle/>
+          <a:p>
+            <a:r>
+              <a:rPr lang="en-US" smtClean="0"/>
+              <a:t>1/20/2023</a:t>
+            </a:r>
+            <a:endParaRPr lang="en-US" dirty="0"/>
+          </a:p>
+        </p:txBody>
+      </p:sp>
+      <p:sp>
+        <p:nvSpPr>
+          <p:cNvPr id="5" name="Footer Placeholder 4"/>
+          <p:cNvSpPr>
+            <a:spLocks noGrp="1"/>
+          </p:cNvSpPr>
+          <p:nvPr>
+            <p:ph type="ftr" sz="quarter" idx="11"/>
+          </p:nvPr>
+        </p:nvSpPr>
+        <p:spPr/>
+        <p:txBody>
+          <a:bodyPr/>
+          <a:lstStyle/>
+          <a:p>
+            <a:r>
+              <a:rPr lang="en-US" smtClean="0"/>
+              <a:t>Sercan KÜLCÜ, Tanenbaum, Modern Operating Systems 3e kitabından faydalanılmıştır. Tüm hakları saklıdır.</a:t>
+            </a:r>
+            <a:endParaRPr lang="en-US" dirty="0"/>
+          </a:p>
+        </p:txBody>
+      </p:sp>
+      <p:sp>
+        <p:nvSpPr>
+          <p:cNvPr id="6" name="Slide Number Placeholder 5"/>
+          <p:cNvSpPr>
+            <a:spLocks noGrp="1"/>
+          </p:cNvSpPr>
+          <p:nvPr>
+            <p:ph type="sldNum" sz="quarter" idx="12"/>
+          </p:nvPr>
+        </p:nvSpPr>
+        <p:spPr/>
+        <p:txBody>
+          <a:bodyPr/>
+          <a:lstStyle/>
+          <a:p>
+            <a:fld id="{D57F1E4F-1CFF-5643-939E-217C01CDF565}" type="slidenum">
+              <a:rPr lang="en-US" smtClean="0"/>
+              <a:pPr/>
+              <a:t>80</a:t>
+            </a:fld>
+            <a:endParaRPr lang="en-US" dirty="0"/>
+          </a:p>
+        </p:txBody>
+      </p:sp>
+    </p:spTree>
+    <p:extLst>
+      <p:ext uri="{BB962C8B-B14F-4D97-AF65-F5344CB8AC3E}">
+        <p14:creationId xmlns:p14="http://schemas.microsoft.com/office/powerpoint/2010/main" val="2321502584"/>
+      </p:ext>
+    </p:extLst>
+  </p:cSld>
+  <p:clrMapOvr>
+    <a:masterClrMapping/>
+  </p:clrMapOvr>
+  <p:timing>
+    <p:tnLst>
+      <p:par>
+        <p:cTn id="1" dur="indefinite" restart="never" nodeType="tmRoot"/>
+      </p:par>
+    </p:tnLst>
+  </p:timing>
+</p:sld>
+</file>
+
+<file path=ppt/slides/slide81.xml><?xml version="1.0" encoding="utf-8"?>
+<p:sld xmlns:a="http://schemas.openxmlformats.org/drawingml/2006/main" xmlns:r="http://schemas.openxmlformats.org/officeDocument/2006/relationships" xmlns:p="http://schemas.openxmlformats.org/presentationml/2006/main">
+  <p:cSld>
+    <p:spTree>
+      <p:nvGrpSpPr>
+        <p:cNvPr id="1" name=""/>
+        <p:cNvGrpSpPr/>
+        <p:nvPr/>
+      </p:nvGrpSpPr>
+      <p:grpSpPr>
+        <a:xfrm>
+          <a:off x="0" y="0"/>
+          <a:ext cx="0" cy="0"/>
+          <a:chOff x="0" y="0"/>
+          <a:chExt cx="0" cy="0"/>
+        </a:xfrm>
+      </p:grpSpPr>
+      <p:sp>
+        <p:nvSpPr>
+          <p:cNvPr id="2" name="Title 1"/>
+          <p:cNvSpPr>
+            <a:spLocks noGrp="1"/>
+          </p:cNvSpPr>
+          <p:nvPr>
+            <p:ph type="title"/>
+          </p:nvPr>
+        </p:nvSpPr>
+        <p:spPr/>
+        <p:txBody>
+          <a:bodyPr/>
+          <a:lstStyle/>
+          <a:p>
+            <a:r>
+              <a:rPr lang="tr-TR" dirty="0"/>
+              <a:t>Modern Bilgisayarın Bileşenleri:</a:t>
+            </a:r>
+          </a:p>
+        </p:txBody>
+      </p:sp>
+      <p:sp>
+        <p:nvSpPr>
+          <p:cNvPr id="3" name="Content Placeholder 2"/>
+          <p:cNvSpPr>
+            <a:spLocks noGrp="1"/>
+          </p:cNvSpPr>
+          <p:nvPr>
+            <p:ph idx="1"/>
+          </p:nvPr>
+        </p:nvSpPr>
+        <p:spPr>
+          <a:xfrm>
+            <a:off x="838200" y="1825625"/>
+            <a:ext cx="10515600" cy="4680000"/>
+          </a:xfrm>
+        </p:spPr>
+        <p:txBody>
+          <a:bodyPr>
+            <a:normAutofit/>
+          </a:bodyPr>
+          <a:lstStyle/>
+          <a:p>
+            <a:endParaRPr lang="tr-TR" dirty="0"/>
+          </a:p>
+        </p:txBody>
+      </p:sp>
+      <p:sp>
+        <p:nvSpPr>
+          <p:cNvPr id="4" name="Date Placeholder 3"/>
+          <p:cNvSpPr>
+            <a:spLocks noGrp="1"/>
+          </p:cNvSpPr>
+          <p:nvPr>
+            <p:ph type="dt" sz="half" idx="10"/>
+          </p:nvPr>
+        </p:nvSpPr>
+        <p:spPr/>
+        <p:txBody>
+          <a:bodyPr/>
+          <a:lstStyle/>
+          <a:p>
+            <a:r>
+              <a:rPr lang="en-US" smtClean="0"/>
+              <a:t>1/20/2023</a:t>
+            </a:r>
+            <a:endParaRPr lang="en-US" dirty="0"/>
+          </a:p>
+        </p:txBody>
+      </p:sp>
+      <p:sp>
+        <p:nvSpPr>
+          <p:cNvPr id="5" name="Footer Placeholder 4"/>
+          <p:cNvSpPr>
+            <a:spLocks noGrp="1"/>
+          </p:cNvSpPr>
+          <p:nvPr>
+            <p:ph type="ftr" sz="quarter" idx="11"/>
+          </p:nvPr>
+        </p:nvSpPr>
+        <p:spPr/>
+        <p:txBody>
+          <a:bodyPr/>
+          <a:lstStyle/>
+          <a:p>
+            <a:r>
+              <a:rPr lang="en-US" smtClean="0"/>
+              <a:t>Sercan KÜLCÜ, Tanenbaum, Modern Operating Systems 3e kitabından faydalanılmıştır. Tüm hakları saklıdır.</a:t>
+            </a:r>
+            <a:endParaRPr lang="en-US" dirty="0"/>
+          </a:p>
+        </p:txBody>
+      </p:sp>
+      <p:sp>
+        <p:nvSpPr>
+          <p:cNvPr id="6" name="Slide Number Placeholder 5"/>
+          <p:cNvSpPr>
+            <a:spLocks noGrp="1"/>
+          </p:cNvSpPr>
+          <p:nvPr>
+            <p:ph type="sldNum" sz="quarter" idx="12"/>
+          </p:nvPr>
+        </p:nvSpPr>
+        <p:spPr/>
+        <p:txBody>
+          <a:bodyPr/>
+          <a:lstStyle/>
+          <a:p>
+            <a:fld id="{D57F1E4F-1CFF-5643-939E-217C01CDF565}" type="slidenum">
+              <a:rPr lang="en-US" smtClean="0"/>
+              <a:pPr/>
+              <a:t>81</a:t>
+            </a:fld>
+            <a:endParaRPr lang="en-US" dirty="0"/>
+          </a:p>
+        </p:txBody>
+      </p:sp>
+    </p:spTree>
+    <p:extLst>
+      <p:ext uri="{BB962C8B-B14F-4D97-AF65-F5344CB8AC3E}">
+        <p14:creationId xmlns:p14="http://schemas.microsoft.com/office/powerpoint/2010/main" val="85394213"/>
+      </p:ext>
+    </p:extLst>
+  </p:cSld>
+  <p:clrMapOvr>
+    <a:masterClrMapping/>
+  </p:clrMapOvr>
+  <p:timing>
+    <p:tnLst>
+      <p:par>
+        <p:cTn id="1" dur="indefinite" restart="never" nodeType="tmRoot"/>
+      </p:par>
+    </p:tnLst>
+  </p:timing>
+</p:sld>
+</file>
+
+<file path=ppt/slides/slide82.xml><?xml version="1.0" encoding="utf-8"?>
+<p:sld xmlns:a="http://schemas.openxmlformats.org/drawingml/2006/main" xmlns:r="http://schemas.openxmlformats.org/officeDocument/2006/relationships" xmlns:p="http://schemas.openxmlformats.org/presentationml/2006/main">
+  <p:cSld>
+    <p:spTree>
+      <p:nvGrpSpPr>
+        <p:cNvPr id="1" name=""/>
+        <p:cNvGrpSpPr/>
+        <p:nvPr/>
+      </p:nvGrpSpPr>
+      <p:grpSpPr>
+        <a:xfrm>
+          <a:off x="0" y="0"/>
+          <a:ext cx="0" cy="0"/>
+          <a:chOff x="0" y="0"/>
+          <a:chExt cx="0" cy="0"/>
+        </a:xfrm>
+      </p:grpSpPr>
+      <p:sp>
+        <p:nvSpPr>
+          <p:cNvPr id="2" name="Title 1"/>
+          <p:cNvSpPr>
+            <a:spLocks noGrp="1"/>
+          </p:cNvSpPr>
+          <p:nvPr>
+            <p:ph type="title"/>
+          </p:nvPr>
+        </p:nvSpPr>
+        <p:spPr/>
+        <p:txBody>
+          <a:bodyPr/>
+          <a:lstStyle/>
+          <a:p>
+            <a:r>
+              <a:rPr lang="tr-TR" dirty="0"/>
+              <a:t>Modern Bilgisayarın Bileşenleri:</a:t>
+            </a:r>
+          </a:p>
+        </p:txBody>
+      </p:sp>
+      <p:sp>
+        <p:nvSpPr>
+          <p:cNvPr id="3" name="Content Placeholder 2"/>
+          <p:cNvSpPr>
+            <a:spLocks noGrp="1"/>
+          </p:cNvSpPr>
+          <p:nvPr>
+            <p:ph idx="1"/>
+          </p:nvPr>
+        </p:nvSpPr>
+        <p:spPr>
+          <a:xfrm>
+            <a:off x="838200" y="1825625"/>
+            <a:ext cx="10515600" cy="4680000"/>
+          </a:xfrm>
+        </p:spPr>
+        <p:txBody>
+          <a:bodyPr>
+            <a:normAutofit/>
+          </a:bodyPr>
+          <a:lstStyle/>
+          <a:p>
+            <a:endParaRPr lang="tr-TR" dirty="0"/>
+          </a:p>
+        </p:txBody>
+      </p:sp>
+      <p:sp>
+        <p:nvSpPr>
+          <p:cNvPr id="4" name="Date Placeholder 3"/>
+          <p:cNvSpPr>
+            <a:spLocks noGrp="1"/>
+          </p:cNvSpPr>
+          <p:nvPr>
+            <p:ph type="dt" sz="half" idx="10"/>
+          </p:nvPr>
+        </p:nvSpPr>
+        <p:spPr/>
+        <p:txBody>
+          <a:bodyPr/>
+          <a:lstStyle/>
+          <a:p>
+            <a:r>
+              <a:rPr lang="en-US" smtClean="0"/>
+              <a:t>1/20/2023</a:t>
+            </a:r>
+            <a:endParaRPr lang="en-US" dirty="0"/>
+          </a:p>
+        </p:txBody>
+      </p:sp>
+      <p:sp>
+        <p:nvSpPr>
+          <p:cNvPr id="5" name="Footer Placeholder 4"/>
+          <p:cNvSpPr>
+            <a:spLocks noGrp="1"/>
+          </p:cNvSpPr>
+          <p:nvPr>
+            <p:ph type="ftr" sz="quarter" idx="11"/>
+          </p:nvPr>
+        </p:nvSpPr>
+        <p:spPr/>
+        <p:txBody>
+          <a:bodyPr/>
+          <a:lstStyle/>
+          <a:p>
+            <a:r>
+              <a:rPr lang="en-US" smtClean="0"/>
+              <a:t>Sercan KÜLCÜ, Tanenbaum, Modern Operating Systems 3e kitabından faydalanılmıştır. Tüm hakları saklıdır.</a:t>
+            </a:r>
+            <a:endParaRPr lang="en-US" dirty="0"/>
+          </a:p>
+        </p:txBody>
+      </p:sp>
+      <p:sp>
+        <p:nvSpPr>
+          <p:cNvPr id="6" name="Slide Number Placeholder 5"/>
+          <p:cNvSpPr>
+            <a:spLocks noGrp="1"/>
+          </p:cNvSpPr>
+          <p:nvPr>
+            <p:ph type="sldNum" sz="quarter" idx="12"/>
+          </p:nvPr>
+        </p:nvSpPr>
+        <p:spPr/>
+        <p:txBody>
+          <a:bodyPr/>
+          <a:lstStyle/>
+          <a:p>
+            <a:fld id="{D57F1E4F-1CFF-5643-939E-217C01CDF565}" type="slidenum">
+              <a:rPr lang="en-US" smtClean="0"/>
+              <a:pPr/>
+              <a:t>82</a:t>
+            </a:fld>
+            <a:endParaRPr lang="en-US" dirty="0"/>
+          </a:p>
+        </p:txBody>
+      </p:sp>
+    </p:spTree>
+    <p:extLst>
+      <p:ext uri="{BB962C8B-B14F-4D97-AF65-F5344CB8AC3E}">
+        <p14:creationId xmlns:p14="http://schemas.microsoft.com/office/powerpoint/2010/main" val="122468654"/>
+      </p:ext>
+    </p:extLst>
+  </p:cSld>
+  <p:clrMapOvr>
+    <a:masterClrMapping/>
+  </p:clrMapOvr>
+  <p:timing>
+    <p:tnLst>
+      <p:par>
+        <p:cTn id="1" dur="indefinite" restart="never" nodeType="tmRoot"/>
+      </p:par>
+    </p:tnLst>
+  </p:timing>
+</p:sld>
+</file>
+
+<file path=ppt/slides/slide83.xml><?xml version="1.0" encoding="utf-8"?>
+<p:sld xmlns:a="http://schemas.openxmlformats.org/drawingml/2006/main" xmlns:r="http://schemas.openxmlformats.org/officeDocument/2006/relationships" xmlns:p="http://schemas.openxmlformats.org/presentationml/2006/main">
+  <p:cSld>
+    <p:spTree>
+      <p:nvGrpSpPr>
+        <p:cNvPr id="1" name=""/>
+        <p:cNvGrpSpPr/>
+        <p:nvPr/>
+      </p:nvGrpSpPr>
+      <p:grpSpPr>
+        <a:xfrm>
+          <a:off x="0" y="0"/>
+          <a:ext cx="0" cy="0"/>
+          <a:chOff x="0" y="0"/>
+          <a:chExt cx="0" cy="0"/>
+        </a:xfrm>
+      </p:grpSpPr>
+      <p:sp>
+        <p:nvSpPr>
+          <p:cNvPr id="2" name="Title 1"/>
+          <p:cNvSpPr>
+            <a:spLocks noGrp="1"/>
+          </p:cNvSpPr>
+          <p:nvPr>
+            <p:ph type="title"/>
+          </p:nvPr>
+        </p:nvSpPr>
+        <p:spPr/>
+        <p:txBody>
+          <a:bodyPr/>
+          <a:lstStyle/>
+          <a:p>
+            <a:r>
+              <a:rPr lang="tr-TR" dirty="0"/>
+              <a:t>Modern Bilgisayarın Bileşenleri:</a:t>
+            </a:r>
+          </a:p>
+        </p:txBody>
+      </p:sp>
+      <p:sp>
+        <p:nvSpPr>
+          <p:cNvPr id="3" name="Content Placeholder 2"/>
+          <p:cNvSpPr>
+            <a:spLocks noGrp="1"/>
+          </p:cNvSpPr>
+          <p:nvPr>
+            <p:ph idx="1"/>
+          </p:nvPr>
+        </p:nvSpPr>
+        <p:spPr>
+          <a:xfrm>
+            <a:off x="838200" y="1825625"/>
+            <a:ext cx="10515600" cy="4680000"/>
+          </a:xfrm>
+        </p:spPr>
+        <p:txBody>
+          <a:bodyPr>
+            <a:normAutofit/>
+          </a:bodyPr>
+          <a:lstStyle/>
+          <a:p>
+            <a:endParaRPr lang="tr-TR" dirty="0"/>
+          </a:p>
+        </p:txBody>
+      </p:sp>
+      <p:sp>
+        <p:nvSpPr>
+          <p:cNvPr id="4" name="Date Placeholder 3"/>
+          <p:cNvSpPr>
+            <a:spLocks noGrp="1"/>
+          </p:cNvSpPr>
+          <p:nvPr>
+            <p:ph type="dt" sz="half" idx="10"/>
+          </p:nvPr>
+        </p:nvSpPr>
+        <p:spPr/>
+        <p:txBody>
+          <a:bodyPr/>
+          <a:lstStyle/>
+          <a:p>
+            <a:r>
+              <a:rPr lang="en-US" smtClean="0"/>
+              <a:t>1/20/2023</a:t>
+            </a:r>
+            <a:endParaRPr lang="en-US" dirty="0"/>
+          </a:p>
+        </p:txBody>
+      </p:sp>
+      <p:sp>
+        <p:nvSpPr>
+          <p:cNvPr id="5" name="Footer Placeholder 4"/>
+          <p:cNvSpPr>
+            <a:spLocks noGrp="1"/>
+          </p:cNvSpPr>
+          <p:nvPr>
+            <p:ph type="ftr" sz="quarter" idx="11"/>
+          </p:nvPr>
+        </p:nvSpPr>
+        <p:spPr/>
+        <p:txBody>
+          <a:bodyPr/>
+          <a:lstStyle/>
+          <a:p>
+            <a:r>
+              <a:rPr lang="en-US" smtClean="0"/>
+              <a:t>Sercan KÜLCÜ, Tanenbaum, Modern Operating Systems 3e kitabından faydalanılmıştır. Tüm hakları saklıdır.</a:t>
+            </a:r>
+            <a:endParaRPr lang="en-US" dirty="0"/>
+          </a:p>
+        </p:txBody>
+      </p:sp>
+      <p:sp>
+        <p:nvSpPr>
+          <p:cNvPr id="6" name="Slide Number Placeholder 5"/>
+          <p:cNvSpPr>
+            <a:spLocks noGrp="1"/>
+          </p:cNvSpPr>
+          <p:nvPr>
+            <p:ph type="sldNum" sz="quarter" idx="12"/>
+          </p:nvPr>
+        </p:nvSpPr>
+        <p:spPr/>
+        <p:txBody>
+          <a:bodyPr/>
+          <a:lstStyle/>
+          <a:p>
+            <a:fld id="{D57F1E4F-1CFF-5643-939E-217C01CDF565}" type="slidenum">
+              <a:rPr lang="en-US" smtClean="0"/>
+              <a:pPr/>
+              <a:t>83</a:t>
+            </a:fld>
+            <a:endParaRPr lang="en-US" dirty="0"/>
+          </a:p>
+        </p:txBody>
+      </p:sp>
+    </p:spTree>
+    <p:extLst>
+      <p:ext uri="{BB962C8B-B14F-4D97-AF65-F5344CB8AC3E}">
+        <p14:creationId xmlns:p14="http://schemas.microsoft.com/office/powerpoint/2010/main" val="3141564395"/>
+      </p:ext>
+    </p:extLst>
+  </p:cSld>
+  <p:clrMapOvr>
+    <a:masterClrMapping/>
+  </p:clrMapOvr>
+  <p:timing>
+    <p:tnLst>
+      <p:par>
+        <p:cTn id="1" dur="indefinite" restart="never" nodeType="tmRoot"/>
+      </p:par>
+    </p:tnLst>
+  </p:timing>
+</p:sld>
+</file>
+
+<file path=ppt/slides/slide84.xml><?xml version="1.0" encoding="utf-8"?>
+<p:sld xmlns:a="http://schemas.openxmlformats.org/drawingml/2006/main" xmlns:r="http://schemas.openxmlformats.org/officeDocument/2006/relationships" xmlns:p="http://schemas.openxmlformats.org/presentationml/2006/main">
+  <p:cSld>
+    <p:spTree>
+      <p:nvGrpSpPr>
+        <p:cNvPr id="1" name=""/>
+        <p:cNvGrpSpPr/>
+        <p:nvPr/>
+      </p:nvGrpSpPr>
+      <p:grpSpPr>
+        <a:xfrm>
+          <a:off x="0" y="0"/>
+          <a:ext cx="0" cy="0"/>
+          <a:chOff x="0" y="0"/>
+          <a:chExt cx="0" cy="0"/>
+        </a:xfrm>
+      </p:grpSpPr>
+      <p:sp>
+        <p:nvSpPr>
+          <p:cNvPr id="2" name="Title 1"/>
+          <p:cNvSpPr>
+            <a:spLocks noGrp="1"/>
+          </p:cNvSpPr>
+          <p:nvPr>
+            <p:ph type="title"/>
+          </p:nvPr>
+        </p:nvSpPr>
+        <p:spPr/>
+        <p:txBody>
+          <a:bodyPr/>
+          <a:lstStyle/>
+          <a:p>
+            <a:endParaRPr lang="tr-TR" dirty="0"/>
+          </a:p>
+        </p:txBody>
+      </p:sp>
+      <p:sp>
+        <p:nvSpPr>
+          <p:cNvPr id="3" name="Content Placeholder 2"/>
+          <p:cNvSpPr>
+            <a:spLocks noGrp="1"/>
+          </p:cNvSpPr>
+          <p:nvPr>
+            <p:ph idx="1"/>
+          </p:nvPr>
+        </p:nvSpPr>
+        <p:spPr>
+          <a:xfrm>
+            <a:off x="838200" y="1825625"/>
+            <a:ext cx="10515600" cy="4680000"/>
+          </a:xfrm>
+        </p:spPr>
+        <p:txBody>
+          <a:bodyPr>
+            <a:normAutofit/>
+          </a:bodyPr>
+          <a:lstStyle/>
+          <a:p>
+            <a:endParaRPr lang="tr-TR" dirty="0" smtClean="0"/>
+          </a:p>
+          <a:p>
+            <a:endParaRPr lang="tr-TR" dirty="0"/>
+          </a:p>
+          <a:p>
+            <a:endParaRPr lang="tr-TR" dirty="0" smtClean="0"/>
+          </a:p>
+          <a:p>
+            <a:pPr marL="0" indent="0" algn="ctr">
+              <a:buNone/>
+            </a:pPr>
+            <a:r>
+              <a:rPr lang="tr-TR" dirty="0" smtClean="0"/>
+              <a:t>SON</a:t>
+            </a:r>
+            <a:endParaRPr lang="tr-TR" dirty="0"/>
+          </a:p>
+          <a:p>
+            <a:endParaRPr lang="tr-TR" dirty="0"/>
+          </a:p>
+          <a:p>
+            <a:endParaRPr lang="tr-TR" dirty="0"/>
+          </a:p>
+          <a:p>
+            <a:endParaRPr lang="tr-TR" dirty="0"/>
+          </a:p>
+        </p:txBody>
+      </p:sp>
+      <p:sp>
+        <p:nvSpPr>
+          <p:cNvPr id="4" name="Date Placeholder 3"/>
+          <p:cNvSpPr>
+            <a:spLocks noGrp="1"/>
+          </p:cNvSpPr>
+          <p:nvPr>
+            <p:ph type="dt" sz="half" idx="10"/>
+          </p:nvPr>
+        </p:nvSpPr>
+        <p:spPr/>
+        <p:txBody>
+          <a:bodyPr/>
+          <a:lstStyle/>
+          <a:p>
+            <a:r>
+              <a:rPr lang="en-US" smtClean="0"/>
+              <a:t>1/20/2023</a:t>
+            </a:r>
+            <a:endParaRPr lang="en-US" dirty="0"/>
+          </a:p>
+        </p:txBody>
+      </p:sp>
+      <p:sp>
+        <p:nvSpPr>
+          <p:cNvPr id="5" name="Footer Placeholder 4"/>
+          <p:cNvSpPr>
+            <a:spLocks noGrp="1"/>
+          </p:cNvSpPr>
+          <p:nvPr>
+            <p:ph type="ftr" sz="quarter" idx="11"/>
+          </p:nvPr>
+        </p:nvSpPr>
+        <p:spPr/>
+        <p:txBody>
+          <a:bodyPr/>
+          <a:lstStyle/>
+          <a:p>
+            <a:r>
+              <a:rPr lang="en-US" smtClean="0"/>
+              <a:t>Sercan KÜLCÜ, Tanenbaum, Modern Operating Systems 3e kitabından faydalanılmıştır. Tüm hakları saklıdır.</a:t>
+            </a:r>
+            <a:endParaRPr lang="en-US" dirty="0"/>
+          </a:p>
+        </p:txBody>
+      </p:sp>
+      <p:sp>
+        <p:nvSpPr>
+          <p:cNvPr id="6" name="Slide Number Placeholder 5"/>
+          <p:cNvSpPr>
+            <a:spLocks noGrp="1"/>
+          </p:cNvSpPr>
+          <p:nvPr>
+            <p:ph type="sldNum" sz="quarter" idx="12"/>
+          </p:nvPr>
+        </p:nvSpPr>
+        <p:spPr/>
+        <p:txBody>
+          <a:bodyPr/>
+          <a:lstStyle/>
+          <a:p>
+            <a:fld id="{D57F1E4F-1CFF-5643-939E-217C01CDF565}" type="slidenum">
+              <a:rPr lang="en-US" smtClean="0"/>
+              <a:pPr/>
+              <a:t>84</a:t>
+            </a:fld>
+            <a:endParaRPr lang="en-US" dirty="0"/>
+          </a:p>
+        </p:txBody>
+      </p:sp>
+    </p:spTree>
+    <p:extLst>
+      <p:ext uri="{BB962C8B-B14F-4D97-AF65-F5344CB8AC3E}">
+        <p14:creationId xmlns:p14="http://schemas.microsoft.com/office/powerpoint/2010/main" val="2824592776"/>
       </p:ext>
     </p:extLst>
   </p:cSld>
